--- a/assets/ppt/parsing/lr1-shift-reduce-parsing.pptx
+++ b/assets/ppt/parsing/lr1-shift-reduce-parsing.pptx
@@ -2,7 +2,7 @@
 <file path=ppt/presentation.xml><?xml version="1.0" encoding="utf-8"?>
 <p:presentation xmlns:a="http://schemas.openxmlformats.org/drawingml/2006/main" xmlns:r="http://schemas.openxmlformats.org/officeDocument/2006/relationships" xmlns:p="http://schemas.openxmlformats.org/presentationml/2006/main" strictFirstAndLastChars="0" saveSubsetFonts="1" autoCompressPictures="0">
   <p:sldMasterIdLst>
-    <p:sldMasterId id="2147483648" r:id="rId1"/>
+    <p:sldMasterId id="2147483660" r:id="rId1"/>
   </p:sldMasterIdLst>
   <p:notesMasterIdLst>
     <p:notesMasterId r:id="rId19"/>
@@ -153,6 +153,22 @@
       </a:defRPr>
     </a:lvl9pPr>
   </p:defaultTextStyle>
+  <p:extLst>
+    <p:ext uri="{EFAFB233-063F-42B5-8137-9DF3F51BA10A}">
+      <p15:sldGuideLst xmlns:p15="http://schemas.microsoft.com/office/powerpoint/2012/main">
+        <p15:guide id="1" orient="horz" pos="2160">
+          <p15:clr>
+            <a:srgbClr val="A4A3A4"/>
+          </p15:clr>
+        </p15:guide>
+        <p15:guide id="2" pos="2880">
+          <p15:clr>
+            <a:srgbClr val="A4A3A4"/>
+          </p15:clr>
+        </p15:guide>
+      </p15:sldGuideLst>
+    </p:ext>
+  </p:extLst>
 </p:presentation>
 </file>
 
@@ -728,13 +744,19 @@
         </p:spPr>
         <p:txBody>
           <a:bodyPr/>
-          <a:lstStyle/>
-          <a:p>
-            <a:r>
-              <a:rPr lang="en-CA" smtClean="0"/>
+          <a:lstStyle>
+            <a:lvl1pPr>
+              <a:defRPr>
+                <a:latin typeface="+mj-lt"/>
+              </a:defRPr>
+            </a:lvl1pPr>
+          </a:lstStyle>
+          <a:p>
+            <a:r>
+              <a:rPr lang="en-CA" dirty="0"/>
               <a:t>Click to edit Master title style</a:t>
             </a:r>
-            <a:endParaRPr lang="en-US"/>
+            <a:endParaRPr lang="en-US" dirty="0"/>
           </a:p>
         </p:txBody>
       </p:sp>
@@ -759,7 +781,9 @@
           <a:lstStyle>
             <a:lvl1pPr marL="0" indent="0" algn="ctr">
               <a:buNone/>
-              <a:defRPr/>
+              <a:defRPr>
+                <a:latin typeface="+mn-lt"/>
+              </a:defRPr>
             </a:lvl1pPr>
             <a:lvl2pPr marL="457200" indent="0" algn="ctr">
               <a:buNone/>
@@ -796,93 +820,74 @@
           </a:lstStyle>
           <a:p>
             <a:r>
-              <a:rPr lang="en-CA" smtClean="0"/>
+              <a:rPr lang="en-CA" dirty="0"/>
               <a:t>Click to edit Master subtitle style</a:t>
             </a:r>
-            <a:endParaRPr lang="en-US"/>
+            <a:endParaRPr lang="en-US" dirty="0"/>
           </a:p>
         </p:txBody>
       </p:sp>
       <p:sp>
         <p:nvSpPr>
-          <p:cNvPr id="4" name="Date Placeholder 3"/>
+          <p:cNvPr id="7" name="Footer Placeholder 6">
+            <a:extLst>
+              <a:ext uri="{FF2B5EF4-FFF2-40B4-BE49-F238E27FC236}">
+                <a16:creationId xmlns:a16="http://schemas.microsoft.com/office/drawing/2014/main" id="{CA57918C-4FEB-FC4B-889D-A7B37C602A61}"/>
+              </a:ext>
+            </a:extLst>
+          </p:cNvPr>
           <p:cNvSpPr>
             <a:spLocks noGrp="1"/>
           </p:cNvSpPr>
           <p:nvPr>
-            <p:ph type="dt" sz="half" idx="10"/>
+            <p:ph type="ftr" sz="quarter" idx="10"/>
           </p:nvPr>
         </p:nvSpPr>
         <p:spPr/>
         <p:txBody>
           <a:bodyPr/>
-          <a:lstStyle>
-            <a:lvl1pPr>
-              <a:defRPr smtClean="0"/>
-            </a:lvl1pPr>
-          </a:lstStyle>
-          <a:p>
-            <a:fld id="{F5245048-FA36-3547-94C7-648C4982A170}" type="datetime1">
-              <a:rPr lang="en-US"/>
-              <a:pPr/>
-              <a:t>16-06-21</a:t>
-            </a:fld>
+          <a:lstStyle/>
+          <a:p>
             <a:endParaRPr lang="en-US"/>
           </a:p>
         </p:txBody>
       </p:sp>
       <p:sp>
         <p:nvSpPr>
-          <p:cNvPr id="5" name="Footer Placeholder 4"/>
+          <p:cNvPr id="8" name="Slide Number Placeholder 7">
+            <a:extLst>
+              <a:ext uri="{FF2B5EF4-FFF2-40B4-BE49-F238E27FC236}">
+                <a16:creationId xmlns:a16="http://schemas.microsoft.com/office/drawing/2014/main" id="{CE5DA644-BA1F-AA47-BA1C-083A9F7BC576}"/>
+              </a:ext>
+            </a:extLst>
+          </p:cNvPr>
           <p:cNvSpPr>
             <a:spLocks noGrp="1"/>
           </p:cNvSpPr>
           <p:nvPr>
-            <p:ph type="ftr" sz="quarter" idx="11"/>
+            <p:ph type="sldNum" sz="quarter" idx="11"/>
           </p:nvPr>
         </p:nvSpPr>
         <p:spPr/>
         <p:txBody>
           <a:bodyPr/>
-          <a:lstStyle>
-            <a:lvl1pPr>
-              <a:defRPr/>
-            </a:lvl1pPr>
-          </a:lstStyle>
-          <a:p>
-            <a:endParaRPr lang="en-US"/>
-          </a:p>
-        </p:txBody>
-      </p:sp>
-      <p:sp>
-        <p:nvSpPr>
-          <p:cNvPr id="6" name="Slide Number Placeholder 5"/>
-          <p:cNvSpPr>
-            <a:spLocks noGrp="1"/>
-          </p:cNvSpPr>
-          <p:nvPr>
-            <p:ph type="sldNum" sz="quarter" idx="12"/>
-          </p:nvPr>
-        </p:nvSpPr>
-        <p:spPr/>
-        <p:txBody>
-          <a:bodyPr/>
-          <a:lstStyle>
-            <a:lvl1pPr>
-              <a:defRPr smtClean="0"/>
-            </a:lvl1pPr>
-          </a:lstStyle>
-          <a:p>
-            <a:fld id="{97B48409-82F5-DB43-9D2D-314C17298A8E}" type="slidenum">
-              <a:rPr lang="en-US"/>
+          <a:lstStyle/>
+          <a:p>
+            <a:fld id="{95FC67CD-6733-D04F-B9BE-AD105949F24E}" type="slidenum">
+              <a:rPr lang="en-US" smtClean="0"/>
               <a:pPr/>
               <a:t>‹#›</a:t>
             </a:fld>
-            <a:endParaRPr lang="en-US"/>
+            <a:endParaRPr lang="en-US" dirty="0"/>
           </a:p>
         </p:txBody>
       </p:sp>
     </p:spTree>
+    <p:extLst>
+      <p:ext uri="{BB962C8B-B14F-4D97-AF65-F5344CB8AC3E}">
+        <p14:creationId xmlns:p14="http://schemas.microsoft.com/office/powerpoint/2010/main" val="3134541682"/>
+      </p:ext>
+    </p:extLst>
   </p:cSld>
   <p:clrMapOvr>
     <a:masterClrMapping/>
@@ -920,13 +925,19 @@
         <p:spPr/>
         <p:txBody>
           <a:bodyPr/>
-          <a:lstStyle/>
-          <a:p>
-            <a:r>
-              <a:rPr lang="en-CA" smtClean="0"/>
+          <a:lstStyle>
+            <a:lvl1pPr>
+              <a:defRPr>
+                <a:latin typeface="+mj-lt"/>
+              </a:defRPr>
+            </a:lvl1pPr>
+          </a:lstStyle>
+          <a:p>
+            <a:r>
+              <a:rPr lang="en-CA" dirty="0"/>
               <a:t>Click to edit Master title style</a:t>
             </a:r>
-            <a:endParaRPr lang="en-US"/>
+            <a:endParaRPr lang="en-US" dirty="0"/>
           </a:p>
         </p:txBody>
       </p:sp>
@@ -943,125 +954,132 @@
         <p:spPr/>
         <p:txBody>
           <a:bodyPr vert="eaVert"/>
-          <a:lstStyle/>
+          <a:lstStyle>
+            <a:lvl1pPr>
+              <a:defRPr>
+                <a:latin typeface="+mn-lt"/>
+              </a:defRPr>
+            </a:lvl1pPr>
+            <a:lvl2pPr>
+              <a:defRPr>
+                <a:latin typeface="+mn-lt"/>
+              </a:defRPr>
+            </a:lvl2pPr>
+            <a:lvl3pPr>
+              <a:defRPr>
+                <a:latin typeface="+mn-lt"/>
+              </a:defRPr>
+            </a:lvl3pPr>
+            <a:lvl4pPr>
+              <a:defRPr>
+                <a:latin typeface="+mn-lt"/>
+              </a:defRPr>
+            </a:lvl4pPr>
+            <a:lvl5pPr>
+              <a:defRPr>
+                <a:latin typeface="+mn-lt"/>
+              </a:defRPr>
+            </a:lvl5pPr>
+          </a:lstStyle>
           <a:p>
             <a:pPr lvl="0"/>
             <a:r>
-              <a:rPr lang="en-CA" smtClean="0"/>
+              <a:rPr lang="en-CA" dirty="0"/>
               <a:t>Click to edit Master text styles</a:t>
             </a:r>
           </a:p>
           <a:p>
             <a:pPr lvl="1"/>
             <a:r>
-              <a:rPr lang="en-CA" smtClean="0"/>
+              <a:rPr lang="en-CA" dirty="0"/>
               <a:t>Second level</a:t>
             </a:r>
           </a:p>
           <a:p>
             <a:pPr lvl="2"/>
             <a:r>
-              <a:rPr lang="en-CA" smtClean="0"/>
+              <a:rPr lang="en-CA" dirty="0"/>
               <a:t>Third level</a:t>
             </a:r>
           </a:p>
           <a:p>
             <a:pPr lvl="3"/>
             <a:r>
-              <a:rPr lang="en-CA" smtClean="0"/>
+              <a:rPr lang="en-CA" dirty="0"/>
               <a:t>Fourth level</a:t>
             </a:r>
           </a:p>
           <a:p>
             <a:pPr lvl="4"/>
             <a:r>
-              <a:rPr lang="en-CA" smtClean="0"/>
+              <a:rPr lang="en-CA" dirty="0"/>
               <a:t>Fifth level</a:t>
             </a:r>
-            <a:endParaRPr lang="en-US"/>
+            <a:endParaRPr lang="en-US" dirty="0"/>
           </a:p>
         </p:txBody>
       </p:sp>
       <p:sp>
         <p:nvSpPr>
-          <p:cNvPr id="4" name="Date Placeholder 3"/>
+          <p:cNvPr id="7" name="Footer Placeholder 6">
+            <a:extLst>
+              <a:ext uri="{FF2B5EF4-FFF2-40B4-BE49-F238E27FC236}">
+                <a16:creationId xmlns:a16="http://schemas.microsoft.com/office/drawing/2014/main" id="{A94622E8-716D-2543-B902-025F35883533}"/>
+              </a:ext>
+            </a:extLst>
+          </p:cNvPr>
           <p:cNvSpPr>
             <a:spLocks noGrp="1"/>
           </p:cNvSpPr>
           <p:nvPr>
-            <p:ph type="dt" sz="half" idx="10"/>
+            <p:ph type="ftr" sz="quarter" idx="10"/>
           </p:nvPr>
         </p:nvSpPr>
         <p:spPr/>
         <p:txBody>
           <a:bodyPr/>
-          <a:lstStyle>
-            <a:lvl1pPr>
-              <a:defRPr smtClean="0"/>
-            </a:lvl1pPr>
-          </a:lstStyle>
-          <a:p>
-            <a:fld id="{7CD0DFD3-C8BE-E84D-8970-011A5DE69C88}" type="datetime1">
-              <a:rPr lang="en-US"/>
-              <a:pPr/>
-              <a:t>16-06-21</a:t>
-            </a:fld>
+          <a:lstStyle/>
+          <a:p>
             <a:endParaRPr lang="en-US"/>
           </a:p>
         </p:txBody>
       </p:sp>
       <p:sp>
         <p:nvSpPr>
-          <p:cNvPr id="5" name="Footer Placeholder 4"/>
+          <p:cNvPr id="8" name="Slide Number Placeholder 7">
+            <a:extLst>
+              <a:ext uri="{FF2B5EF4-FFF2-40B4-BE49-F238E27FC236}">
+                <a16:creationId xmlns:a16="http://schemas.microsoft.com/office/drawing/2014/main" id="{7524F093-4E36-C741-82AF-EEB7333B34DF}"/>
+              </a:ext>
+            </a:extLst>
+          </p:cNvPr>
           <p:cNvSpPr>
             <a:spLocks noGrp="1"/>
           </p:cNvSpPr>
           <p:nvPr>
-            <p:ph type="ftr" sz="quarter" idx="11"/>
+            <p:ph type="sldNum" sz="quarter" idx="11"/>
           </p:nvPr>
         </p:nvSpPr>
         <p:spPr/>
         <p:txBody>
           <a:bodyPr/>
-          <a:lstStyle>
-            <a:lvl1pPr>
-              <a:defRPr/>
-            </a:lvl1pPr>
-          </a:lstStyle>
-          <a:p>
-            <a:endParaRPr lang="en-US"/>
-          </a:p>
-        </p:txBody>
-      </p:sp>
-      <p:sp>
-        <p:nvSpPr>
-          <p:cNvPr id="6" name="Slide Number Placeholder 5"/>
-          <p:cNvSpPr>
-            <a:spLocks noGrp="1"/>
-          </p:cNvSpPr>
-          <p:nvPr>
-            <p:ph type="sldNum" sz="quarter" idx="12"/>
-          </p:nvPr>
-        </p:nvSpPr>
-        <p:spPr/>
-        <p:txBody>
-          <a:bodyPr/>
-          <a:lstStyle>
-            <a:lvl1pPr>
-              <a:defRPr smtClean="0"/>
-            </a:lvl1pPr>
-          </a:lstStyle>
-          <a:p>
-            <a:fld id="{58A9508A-382A-3D47-8AC1-75989AC98E3F}" type="slidenum">
-              <a:rPr lang="en-US"/>
+          <a:lstStyle/>
+          <a:p>
+            <a:fld id="{95FC67CD-6733-D04F-B9BE-AD105949F24E}" type="slidenum">
+              <a:rPr lang="en-US" smtClean="0"/>
               <a:pPr/>
               <a:t>‹#›</a:t>
             </a:fld>
-            <a:endParaRPr lang="en-US"/>
+            <a:endParaRPr lang="en-US" dirty="0"/>
           </a:p>
         </p:txBody>
       </p:sp>
     </p:spTree>
+    <p:extLst>
+      <p:ext uri="{BB962C8B-B14F-4D97-AF65-F5344CB8AC3E}">
+        <p14:creationId xmlns:p14="http://schemas.microsoft.com/office/powerpoint/2010/main" val="3328103845"/>
+      </p:ext>
+    </p:extLst>
   </p:cSld>
   <p:clrMapOvr>
     <a:masterClrMapping/>
@@ -1104,13 +1122,19 @@
         </p:spPr>
         <p:txBody>
           <a:bodyPr vert="eaVert"/>
-          <a:lstStyle/>
-          <a:p>
-            <a:r>
-              <a:rPr lang="en-CA" smtClean="0"/>
+          <a:lstStyle>
+            <a:lvl1pPr>
+              <a:defRPr>
+                <a:latin typeface="+mj-lt"/>
+              </a:defRPr>
+            </a:lvl1pPr>
+          </a:lstStyle>
+          <a:p>
+            <a:r>
+              <a:rPr lang="en-CA" dirty="0"/>
               <a:t>Click to edit Master title style</a:t>
             </a:r>
-            <a:endParaRPr lang="en-US"/>
+            <a:endParaRPr lang="en-US" dirty="0"/>
           </a:p>
         </p:txBody>
       </p:sp>
@@ -1132,125 +1156,132 @@
         </p:spPr>
         <p:txBody>
           <a:bodyPr vert="eaVert"/>
-          <a:lstStyle/>
+          <a:lstStyle>
+            <a:lvl1pPr>
+              <a:defRPr>
+                <a:latin typeface="+mn-lt"/>
+              </a:defRPr>
+            </a:lvl1pPr>
+            <a:lvl2pPr>
+              <a:defRPr>
+                <a:latin typeface="+mn-lt"/>
+              </a:defRPr>
+            </a:lvl2pPr>
+            <a:lvl3pPr>
+              <a:defRPr>
+                <a:latin typeface="+mn-lt"/>
+              </a:defRPr>
+            </a:lvl3pPr>
+            <a:lvl4pPr>
+              <a:defRPr>
+                <a:latin typeface="+mn-lt"/>
+              </a:defRPr>
+            </a:lvl4pPr>
+            <a:lvl5pPr>
+              <a:defRPr>
+                <a:latin typeface="+mn-lt"/>
+              </a:defRPr>
+            </a:lvl5pPr>
+          </a:lstStyle>
           <a:p>
             <a:pPr lvl="0"/>
             <a:r>
-              <a:rPr lang="en-CA" smtClean="0"/>
+              <a:rPr lang="en-CA" dirty="0"/>
               <a:t>Click to edit Master text styles</a:t>
             </a:r>
           </a:p>
           <a:p>
             <a:pPr lvl="1"/>
             <a:r>
-              <a:rPr lang="en-CA" smtClean="0"/>
+              <a:rPr lang="en-CA" dirty="0"/>
               <a:t>Second level</a:t>
             </a:r>
           </a:p>
           <a:p>
             <a:pPr lvl="2"/>
             <a:r>
-              <a:rPr lang="en-CA" smtClean="0"/>
+              <a:rPr lang="en-CA" dirty="0"/>
               <a:t>Third level</a:t>
             </a:r>
           </a:p>
           <a:p>
             <a:pPr lvl="3"/>
             <a:r>
-              <a:rPr lang="en-CA" smtClean="0"/>
+              <a:rPr lang="en-CA" dirty="0"/>
               <a:t>Fourth level</a:t>
             </a:r>
           </a:p>
           <a:p>
             <a:pPr lvl="4"/>
             <a:r>
-              <a:rPr lang="en-CA" smtClean="0"/>
+              <a:rPr lang="en-CA" dirty="0"/>
               <a:t>Fifth level</a:t>
             </a:r>
-            <a:endParaRPr lang="en-US"/>
+            <a:endParaRPr lang="en-US" dirty="0"/>
           </a:p>
         </p:txBody>
       </p:sp>
       <p:sp>
         <p:nvSpPr>
-          <p:cNvPr id="4" name="Date Placeholder 3"/>
+          <p:cNvPr id="7" name="Footer Placeholder 6">
+            <a:extLst>
+              <a:ext uri="{FF2B5EF4-FFF2-40B4-BE49-F238E27FC236}">
+                <a16:creationId xmlns:a16="http://schemas.microsoft.com/office/drawing/2014/main" id="{AB010344-6C51-EF4E-81B3-87005283EB16}"/>
+              </a:ext>
+            </a:extLst>
+          </p:cNvPr>
           <p:cNvSpPr>
             <a:spLocks noGrp="1"/>
           </p:cNvSpPr>
           <p:nvPr>
-            <p:ph type="dt" sz="half" idx="10"/>
+            <p:ph type="ftr" sz="quarter" idx="10"/>
           </p:nvPr>
         </p:nvSpPr>
         <p:spPr/>
         <p:txBody>
           <a:bodyPr/>
-          <a:lstStyle>
-            <a:lvl1pPr>
-              <a:defRPr smtClean="0"/>
-            </a:lvl1pPr>
-          </a:lstStyle>
-          <a:p>
-            <a:fld id="{AA390CCA-7701-5B45-8716-66BB74E54742}" type="datetime1">
-              <a:rPr lang="en-US"/>
-              <a:pPr/>
-              <a:t>16-06-21</a:t>
-            </a:fld>
+          <a:lstStyle/>
+          <a:p>
             <a:endParaRPr lang="en-US"/>
           </a:p>
         </p:txBody>
       </p:sp>
       <p:sp>
         <p:nvSpPr>
-          <p:cNvPr id="5" name="Footer Placeholder 4"/>
+          <p:cNvPr id="8" name="Slide Number Placeholder 7">
+            <a:extLst>
+              <a:ext uri="{FF2B5EF4-FFF2-40B4-BE49-F238E27FC236}">
+                <a16:creationId xmlns:a16="http://schemas.microsoft.com/office/drawing/2014/main" id="{5ED49F94-3724-5E4A-B082-D0D7C38EC60C}"/>
+              </a:ext>
+            </a:extLst>
+          </p:cNvPr>
           <p:cNvSpPr>
             <a:spLocks noGrp="1"/>
           </p:cNvSpPr>
           <p:nvPr>
-            <p:ph type="ftr" sz="quarter" idx="11"/>
+            <p:ph type="sldNum" sz="quarter" idx="11"/>
           </p:nvPr>
         </p:nvSpPr>
         <p:spPr/>
         <p:txBody>
           <a:bodyPr/>
-          <a:lstStyle>
-            <a:lvl1pPr>
-              <a:defRPr/>
-            </a:lvl1pPr>
-          </a:lstStyle>
-          <a:p>
-            <a:endParaRPr lang="en-US"/>
-          </a:p>
-        </p:txBody>
-      </p:sp>
-      <p:sp>
-        <p:nvSpPr>
-          <p:cNvPr id="6" name="Slide Number Placeholder 5"/>
-          <p:cNvSpPr>
-            <a:spLocks noGrp="1"/>
-          </p:cNvSpPr>
-          <p:nvPr>
-            <p:ph type="sldNum" sz="quarter" idx="12"/>
-          </p:nvPr>
-        </p:nvSpPr>
-        <p:spPr/>
-        <p:txBody>
-          <a:bodyPr/>
-          <a:lstStyle>
-            <a:lvl1pPr>
-              <a:defRPr smtClean="0"/>
-            </a:lvl1pPr>
-          </a:lstStyle>
-          <a:p>
-            <a:fld id="{AA03017D-6E24-C24E-9D3F-CE3F3C770A2F}" type="slidenum">
-              <a:rPr lang="en-US"/>
+          <a:lstStyle/>
+          <a:p>
+            <a:fld id="{95FC67CD-6733-D04F-B9BE-AD105949F24E}" type="slidenum">
+              <a:rPr lang="en-US" smtClean="0"/>
               <a:pPr/>
               <a:t>‹#›</a:t>
             </a:fld>
-            <a:endParaRPr lang="en-US"/>
+            <a:endParaRPr lang="en-US" dirty="0"/>
           </a:p>
         </p:txBody>
       </p:sp>
     </p:spTree>
+    <p:extLst>
+      <p:ext uri="{BB962C8B-B14F-4D97-AF65-F5344CB8AC3E}">
+        <p14:creationId xmlns:p14="http://schemas.microsoft.com/office/powerpoint/2010/main" val="2225718864"/>
+      </p:ext>
+    </p:extLst>
   </p:cSld>
   <p:clrMapOvr>
     <a:masterClrMapping/>
@@ -1288,13 +1319,19 @@
         <p:spPr/>
         <p:txBody>
           <a:bodyPr/>
-          <a:lstStyle/>
-          <a:p>
-            <a:r>
-              <a:rPr lang="en-CA" smtClean="0"/>
+          <a:lstStyle>
+            <a:lvl1pPr>
+              <a:defRPr>
+                <a:latin typeface="+mj-lt"/>
+              </a:defRPr>
+            </a:lvl1pPr>
+          </a:lstStyle>
+          <a:p>
+            <a:r>
+              <a:rPr lang="en-CA" dirty="0"/>
               <a:t>Click to edit Master title style</a:t>
             </a:r>
-            <a:endParaRPr lang="en-US"/>
+            <a:endParaRPr lang="en-US" dirty="0"/>
           </a:p>
         </p:txBody>
       </p:sp>
@@ -1311,70 +1348,68 @@
         <p:spPr/>
         <p:txBody>
           <a:bodyPr/>
-          <a:lstStyle/>
-          <a:p>
-            <a:pPr lvl="0"/>
-            <a:r>
-              <a:rPr lang="en-CA" smtClean="0"/>
-              <a:t>Click to edit Master text styles</a:t>
-            </a:r>
-          </a:p>
-          <a:p>
-            <a:pPr lvl="1"/>
-            <a:r>
-              <a:rPr lang="en-CA" smtClean="0"/>
-              <a:t>Second level</a:t>
-            </a:r>
-          </a:p>
-          <a:p>
-            <a:pPr lvl="2"/>
-            <a:r>
-              <a:rPr lang="en-CA" smtClean="0"/>
-              <a:t>Third level</a:t>
-            </a:r>
-          </a:p>
-          <a:p>
-            <a:pPr lvl="3"/>
-            <a:r>
-              <a:rPr lang="en-CA" smtClean="0"/>
-              <a:t>Fourth level</a:t>
-            </a:r>
-          </a:p>
-          <a:p>
-            <a:pPr lvl="4"/>
-            <a:r>
-              <a:rPr lang="en-CA" smtClean="0"/>
-              <a:t>Fifth level</a:t>
-            </a:r>
-            <a:endParaRPr lang="en-US"/>
-          </a:p>
-        </p:txBody>
-      </p:sp>
-      <p:sp>
-        <p:nvSpPr>
-          <p:cNvPr id="4" name="Date Placeholder 3"/>
-          <p:cNvSpPr>
-            <a:spLocks noGrp="1"/>
-          </p:cNvSpPr>
-          <p:nvPr>
-            <p:ph type="dt" sz="half" idx="10"/>
-          </p:nvPr>
-        </p:nvSpPr>
-        <p:spPr/>
-        <p:txBody>
-          <a:bodyPr/>
           <a:lstStyle>
             <a:lvl1pPr>
-              <a:defRPr smtClean="0"/>
+              <a:defRPr>
+                <a:latin typeface="+mn-lt"/>
+              </a:defRPr>
             </a:lvl1pPr>
+            <a:lvl2pPr>
+              <a:defRPr>
+                <a:latin typeface="+mn-lt"/>
+              </a:defRPr>
+            </a:lvl2pPr>
+            <a:lvl3pPr>
+              <a:defRPr>
+                <a:latin typeface="+mn-lt"/>
+              </a:defRPr>
+            </a:lvl3pPr>
+            <a:lvl4pPr>
+              <a:defRPr>
+                <a:latin typeface="+mn-lt"/>
+              </a:defRPr>
+            </a:lvl4pPr>
+            <a:lvl5pPr>
+              <a:defRPr>
+                <a:latin typeface="+mn-lt"/>
+              </a:defRPr>
+            </a:lvl5pPr>
           </a:lstStyle>
           <a:p>
-            <a:fld id="{EF36E096-31EA-354B-8AAC-9D7DF09A3C8D}" type="datetime1">
-              <a:rPr lang="en-US"/>
-              <a:pPr/>
-              <a:t>16-06-21</a:t>
-            </a:fld>
-            <a:endParaRPr lang="en-US"/>
+            <a:pPr lvl="0"/>
+            <a:r>
+              <a:rPr lang="en-CA" dirty="0"/>
+              <a:t>Click to edit Master text styles</a:t>
+            </a:r>
+          </a:p>
+          <a:p>
+            <a:pPr lvl="1"/>
+            <a:r>
+              <a:rPr lang="en-CA" dirty="0"/>
+              <a:t>Second level</a:t>
+            </a:r>
+          </a:p>
+          <a:p>
+            <a:pPr lvl="2"/>
+            <a:r>
+              <a:rPr lang="en-CA" dirty="0"/>
+              <a:t>Third level</a:t>
+            </a:r>
+          </a:p>
+          <a:p>
+            <a:pPr lvl="3"/>
+            <a:r>
+              <a:rPr lang="en-CA" dirty="0"/>
+              <a:t>Fourth level</a:t>
+            </a:r>
+          </a:p>
+          <a:p>
+            <a:pPr lvl="4"/>
+            <a:r>
+              <a:rPr lang="en-CA" dirty="0"/>
+              <a:t>Fifth level</a:t>
+            </a:r>
+            <a:endParaRPr lang="en-US" dirty="0"/>
           </a:p>
         </p:txBody>
       </p:sp>
@@ -1388,7 +1423,15 @@
             <p:ph type="ftr" sz="quarter" idx="11"/>
           </p:nvPr>
         </p:nvSpPr>
-        <p:spPr/>
+        <p:spPr>
+          <a:xfrm>
+            <a:off x="3124200" y="6248400"/>
+            <a:ext cx="2895600" cy="457200"/>
+          </a:xfrm>
+          <a:prstGeom prst="rect">
+            <a:avLst/>
+          </a:prstGeom>
+        </p:spPr>
         <p:txBody>
           <a:bodyPr/>
           <a:lstStyle>
@@ -1420,7 +1463,7 @@
             </a:lvl1pPr>
           </a:lstStyle>
           <a:p>
-            <a:fld id="{EF43BF25-6C5C-E54C-A6BE-4C60D00A6801}" type="slidenum">
+            <a:fld id="{D94201BD-6681-B946-ACD9-A8F6D28AC38D}" type="slidenum">
               <a:rPr lang="en-US"/>
               <a:pPr/>
               <a:t>‹#›</a:t>
@@ -1430,6 +1473,11 @@
         </p:txBody>
       </p:sp>
     </p:spTree>
+    <p:extLst>
+      <p:ext uri="{BB962C8B-B14F-4D97-AF65-F5344CB8AC3E}">
+        <p14:creationId xmlns:p14="http://schemas.microsoft.com/office/powerpoint/2010/main" val="2064687611"/>
+      </p:ext>
+    </p:extLst>
   </p:cSld>
   <p:clrMapOvr>
     <a:masterClrMapping/>
@@ -1474,15 +1522,17 @@
           <a:bodyPr anchor="t"/>
           <a:lstStyle>
             <a:lvl1pPr algn="l">
-              <a:defRPr sz="4000" b="1" cap="all"/>
+              <a:defRPr sz="4000" b="1" cap="all">
+                <a:latin typeface="+mj-lt"/>
+              </a:defRPr>
             </a:lvl1pPr>
           </a:lstStyle>
           <a:p>
             <a:r>
-              <a:rPr lang="en-CA" smtClean="0"/>
+              <a:rPr lang="en-CA" dirty="0"/>
               <a:t>Click to edit Master title style</a:t>
             </a:r>
-            <a:endParaRPr lang="en-US"/>
+            <a:endParaRPr lang="en-US" dirty="0"/>
           </a:p>
         </p:txBody>
       </p:sp>
@@ -1507,7 +1557,9 @@
           <a:lstStyle>
             <a:lvl1pPr marL="0" indent="0">
               <a:buNone/>
-              <a:defRPr sz="2000"/>
+              <a:defRPr sz="2000">
+                <a:latin typeface="+mn-lt"/>
+              </a:defRPr>
             </a:lvl1pPr>
             <a:lvl2pPr marL="457200" indent="0">
               <a:buNone/>
@@ -1545,7 +1597,7 @@
           <a:p>
             <a:pPr lvl="0"/>
             <a:r>
-              <a:rPr lang="en-CA" smtClean="0"/>
+              <a:rPr lang="en-CA" dirty="0"/>
               <a:t>Click to edit Master text styles</a:t>
             </a:r>
           </a:p>
@@ -1553,84 +1605,65 @@
       </p:sp>
       <p:sp>
         <p:nvSpPr>
-          <p:cNvPr id="4" name="Date Placeholder 3"/>
+          <p:cNvPr id="7" name="Footer Placeholder 6">
+            <a:extLst>
+              <a:ext uri="{FF2B5EF4-FFF2-40B4-BE49-F238E27FC236}">
+                <a16:creationId xmlns:a16="http://schemas.microsoft.com/office/drawing/2014/main" id="{2B039AA2-523D-0546-920D-E32D1313510F}"/>
+              </a:ext>
+            </a:extLst>
+          </p:cNvPr>
           <p:cNvSpPr>
             <a:spLocks noGrp="1"/>
           </p:cNvSpPr>
           <p:nvPr>
-            <p:ph type="dt" sz="half" idx="10"/>
+            <p:ph type="ftr" sz="quarter" idx="10"/>
           </p:nvPr>
         </p:nvSpPr>
         <p:spPr/>
         <p:txBody>
           <a:bodyPr/>
-          <a:lstStyle>
-            <a:lvl1pPr>
-              <a:defRPr smtClean="0"/>
-            </a:lvl1pPr>
-          </a:lstStyle>
-          <a:p>
-            <a:fld id="{8581EF2F-FDA0-5241-95A3-96FF0F802A30}" type="datetime1">
-              <a:rPr lang="en-US"/>
-              <a:pPr/>
-              <a:t>16-06-21</a:t>
-            </a:fld>
+          <a:lstStyle/>
+          <a:p>
             <a:endParaRPr lang="en-US"/>
           </a:p>
         </p:txBody>
       </p:sp>
       <p:sp>
         <p:nvSpPr>
-          <p:cNvPr id="5" name="Footer Placeholder 4"/>
+          <p:cNvPr id="8" name="Slide Number Placeholder 7">
+            <a:extLst>
+              <a:ext uri="{FF2B5EF4-FFF2-40B4-BE49-F238E27FC236}">
+                <a16:creationId xmlns:a16="http://schemas.microsoft.com/office/drawing/2014/main" id="{F86BC01E-DD3B-5E4B-95A4-DD35BF84807C}"/>
+              </a:ext>
+            </a:extLst>
+          </p:cNvPr>
           <p:cNvSpPr>
             <a:spLocks noGrp="1"/>
           </p:cNvSpPr>
           <p:nvPr>
-            <p:ph type="ftr" sz="quarter" idx="11"/>
+            <p:ph type="sldNum" sz="quarter" idx="11"/>
           </p:nvPr>
         </p:nvSpPr>
         <p:spPr/>
         <p:txBody>
           <a:bodyPr/>
-          <a:lstStyle>
-            <a:lvl1pPr>
-              <a:defRPr/>
-            </a:lvl1pPr>
-          </a:lstStyle>
-          <a:p>
-            <a:endParaRPr lang="en-US"/>
-          </a:p>
-        </p:txBody>
-      </p:sp>
-      <p:sp>
-        <p:nvSpPr>
-          <p:cNvPr id="6" name="Slide Number Placeholder 5"/>
-          <p:cNvSpPr>
-            <a:spLocks noGrp="1"/>
-          </p:cNvSpPr>
-          <p:nvPr>
-            <p:ph type="sldNum" sz="quarter" idx="12"/>
-          </p:nvPr>
-        </p:nvSpPr>
-        <p:spPr/>
-        <p:txBody>
-          <a:bodyPr/>
-          <a:lstStyle>
-            <a:lvl1pPr>
-              <a:defRPr smtClean="0"/>
-            </a:lvl1pPr>
-          </a:lstStyle>
-          <a:p>
-            <a:fld id="{C0CF9E21-01C7-4442-A5EB-C9D0A76A7F49}" type="slidenum">
-              <a:rPr lang="en-US"/>
+          <a:lstStyle/>
+          <a:p>
+            <a:fld id="{95FC67CD-6733-D04F-B9BE-AD105949F24E}" type="slidenum">
+              <a:rPr lang="en-US" smtClean="0"/>
               <a:pPr/>
               <a:t>‹#›</a:t>
             </a:fld>
-            <a:endParaRPr lang="en-US"/>
+            <a:endParaRPr lang="en-US" dirty="0"/>
           </a:p>
         </p:txBody>
       </p:sp>
     </p:spTree>
+    <p:extLst>
+      <p:ext uri="{BB962C8B-B14F-4D97-AF65-F5344CB8AC3E}">
+        <p14:creationId xmlns:p14="http://schemas.microsoft.com/office/powerpoint/2010/main" val="1666342432"/>
+      </p:ext>
+    </p:extLst>
   </p:cSld>
   <p:clrMapOvr>
     <a:masterClrMapping/>
@@ -1668,13 +1701,19 @@
         <p:spPr/>
         <p:txBody>
           <a:bodyPr/>
-          <a:lstStyle/>
-          <a:p>
-            <a:r>
-              <a:rPr lang="en-CA" smtClean="0"/>
+          <a:lstStyle>
+            <a:lvl1pPr>
+              <a:defRPr>
+                <a:latin typeface="+mj-lt"/>
+              </a:defRPr>
+            </a:lvl1pPr>
+          </a:lstStyle>
+          <a:p>
+            <a:r>
+              <a:rPr lang="en-CA" dirty="0"/>
               <a:t>Click to edit Master title style</a:t>
             </a:r>
-            <a:endParaRPr lang="en-US"/>
+            <a:endParaRPr lang="en-US" dirty="0"/>
           </a:p>
         </p:txBody>
       </p:sp>
@@ -1698,19 +1737,29 @@
           <a:bodyPr/>
           <a:lstStyle>
             <a:lvl1pPr>
-              <a:defRPr sz="2800"/>
+              <a:defRPr sz="2800">
+                <a:latin typeface="+mn-lt"/>
+              </a:defRPr>
             </a:lvl1pPr>
             <a:lvl2pPr>
-              <a:defRPr sz="2400"/>
+              <a:defRPr sz="2400">
+                <a:latin typeface="+mn-lt"/>
+              </a:defRPr>
             </a:lvl2pPr>
             <a:lvl3pPr>
-              <a:defRPr sz="2000"/>
+              <a:defRPr sz="2000">
+                <a:latin typeface="+mn-lt"/>
+              </a:defRPr>
             </a:lvl3pPr>
             <a:lvl4pPr>
-              <a:defRPr sz="1800"/>
+              <a:defRPr sz="1800">
+                <a:latin typeface="+mn-lt"/>
+              </a:defRPr>
             </a:lvl4pPr>
             <a:lvl5pPr>
-              <a:defRPr sz="1800"/>
+              <a:defRPr sz="1800">
+                <a:latin typeface="+mn-lt"/>
+              </a:defRPr>
             </a:lvl5pPr>
             <a:lvl6pPr>
               <a:defRPr sz="1800"/>
@@ -1728,38 +1777,38 @@
           <a:p>
             <a:pPr lvl="0"/>
             <a:r>
-              <a:rPr lang="en-CA" smtClean="0"/>
+              <a:rPr lang="en-CA" dirty="0"/>
               <a:t>Click to edit Master text styles</a:t>
             </a:r>
           </a:p>
           <a:p>
             <a:pPr lvl="1"/>
             <a:r>
-              <a:rPr lang="en-CA" smtClean="0"/>
+              <a:rPr lang="en-CA" dirty="0"/>
               <a:t>Second level</a:t>
             </a:r>
           </a:p>
           <a:p>
             <a:pPr lvl="2"/>
             <a:r>
-              <a:rPr lang="en-CA" smtClean="0"/>
+              <a:rPr lang="en-CA" dirty="0"/>
               <a:t>Third level</a:t>
             </a:r>
           </a:p>
           <a:p>
             <a:pPr lvl="3"/>
             <a:r>
-              <a:rPr lang="en-CA" smtClean="0"/>
+              <a:rPr lang="en-CA" dirty="0"/>
               <a:t>Fourth level</a:t>
             </a:r>
           </a:p>
           <a:p>
             <a:pPr lvl="4"/>
             <a:r>
-              <a:rPr lang="en-CA" smtClean="0"/>
+              <a:rPr lang="en-CA" dirty="0"/>
               <a:t>Fifth level</a:t>
             </a:r>
-            <a:endParaRPr lang="en-US"/>
+            <a:endParaRPr lang="en-US" dirty="0"/>
           </a:p>
         </p:txBody>
       </p:sp>
@@ -1783,19 +1832,29 @@
           <a:bodyPr/>
           <a:lstStyle>
             <a:lvl1pPr>
-              <a:defRPr sz="2800"/>
+              <a:defRPr sz="2800">
+                <a:latin typeface="+mn-lt"/>
+              </a:defRPr>
             </a:lvl1pPr>
             <a:lvl2pPr>
-              <a:defRPr sz="2400"/>
+              <a:defRPr sz="2400">
+                <a:latin typeface="+mn-lt"/>
+              </a:defRPr>
             </a:lvl2pPr>
             <a:lvl3pPr>
-              <a:defRPr sz="2000"/>
+              <a:defRPr sz="2000">
+                <a:latin typeface="+mn-lt"/>
+              </a:defRPr>
             </a:lvl3pPr>
             <a:lvl4pPr>
-              <a:defRPr sz="1800"/>
+              <a:defRPr sz="1800">
+                <a:latin typeface="+mn-lt"/>
+              </a:defRPr>
             </a:lvl4pPr>
             <a:lvl5pPr>
-              <a:defRPr sz="1800"/>
+              <a:defRPr sz="1800">
+                <a:latin typeface="+mn-lt"/>
+              </a:defRPr>
             </a:lvl5pPr>
             <a:lvl6pPr>
               <a:defRPr sz="1800"/>
@@ -1813,121 +1872,102 @@
           <a:p>
             <a:pPr lvl="0"/>
             <a:r>
-              <a:rPr lang="en-CA" smtClean="0"/>
+              <a:rPr lang="en-CA" dirty="0"/>
               <a:t>Click to edit Master text styles</a:t>
             </a:r>
           </a:p>
           <a:p>
             <a:pPr lvl="1"/>
             <a:r>
-              <a:rPr lang="en-CA" smtClean="0"/>
+              <a:rPr lang="en-CA" dirty="0"/>
               <a:t>Second level</a:t>
             </a:r>
           </a:p>
           <a:p>
             <a:pPr lvl="2"/>
             <a:r>
-              <a:rPr lang="en-CA" smtClean="0"/>
+              <a:rPr lang="en-CA" dirty="0"/>
               <a:t>Third level</a:t>
             </a:r>
           </a:p>
           <a:p>
             <a:pPr lvl="3"/>
             <a:r>
-              <a:rPr lang="en-CA" smtClean="0"/>
+              <a:rPr lang="en-CA" dirty="0"/>
               <a:t>Fourth level</a:t>
             </a:r>
           </a:p>
           <a:p>
             <a:pPr lvl="4"/>
             <a:r>
-              <a:rPr lang="en-CA" smtClean="0"/>
+              <a:rPr lang="en-CA" dirty="0"/>
               <a:t>Fifth level</a:t>
             </a:r>
-            <a:endParaRPr lang="en-US"/>
+            <a:endParaRPr lang="en-US" dirty="0"/>
           </a:p>
         </p:txBody>
       </p:sp>
       <p:sp>
         <p:nvSpPr>
-          <p:cNvPr id="5" name="Date Placeholder 4"/>
+          <p:cNvPr id="8" name="Footer Placeholder 7">
+            <a:extLst>
+              <a:ext uri="{FF2B5EF4-FFF2-40B4-BE49-F238E27FC236}">
+                <a16:creationId xmlns:a16="http://schemas.microsoft.com/office/drawing/2014/main" id="{DA945EC4-37BF-4E43-B2AD-837601045EC0}"/>
+              </a:ext>
+            </a:extLst>
+          </p:cNvPr>
           <p:cNvSpPr>
             <a:spLocks noGrp="1"/>
           </p:cNvSpPr>
           <p:nvPr>
-            <p:ph type="dt" sz="half" idx="10"/>
+            <p:ph type="ftr" sz="quarter" idx="10"/>
           </p:nvPr>
         </p:nvSpPr>
         <p:spPr/>
         <p:txBody>
           <a:bodyPr/>
-          <a:lstStyle>
-            <a:lvl1pPr>
-              <a:defRPr smtClean="0"/>
-            </a:lvl1pPr>
-          </a:lstStyle>
-          <a:p>
-            <a:fld id="{41B4CBDB-CBA4-BE4D-8AEA-3A06BC16045F}" type="datetime1">
-              <a:rPr lang="en-US"/>
-              <a:pPr/>
-              <a:t>16-06-21</a:t>
-            </a:fld>
+          <a:lstStyle/>
+          <a:p>
             <a:endParaRPr lang="en-US"/>
           </a:p>
         </p:txBody>
       </p:sp>
       <p:sp>
         <p:nvSpPr>
-          <p:cNvPr id="6" name="Footer Placeholder 5"/>
+          <p:cNvPr id="9" name="Slide Number Placeholder 8">
+            <a:extLst>
+              <a:ext uri="{FF2B5EF4-FFF2-40B4-BE49-F238E27FC236}">
+                <a16:creationId xmlns:a16="http://schemas.microsoft.com/office/drawing/2014/main" id="{BEFEF4CF-D098-9549-A3AC-4A120E0BFA05}"/>
+              </a:ext>
+            </a:extLst>
+          </p:cNvPr>
           <p:cNvSpPr>
             <a:spLocks noGrp="1"/>
           </p:cNvSpPr>
           <p:nvPr>
-            <p:ph type="ftr" sz="quarter" idx="11"/>
+            <p:ph type="sldNum" sz="quarter" idx="11"/>
           </p:nvPr>
         </p:nvSpPr>
         <p:spPr/>
         <p:txBody>
           <a:bodyPr/>
-          <a:lstStyle>
-            <a:lvl1pPr>
-              <a:defRPr/>
-            </a:lvl1pPr>
-          </a:lstStyle>
-          <a:p>
-            <a:endParaRPr lang="en-US"/>
-          </a:p>
-        </p:txBody>
-      </p:sp>
-      <p:sp>
-        <p:nvSpPr>
-          <p:cNvPr id="7" name="Slide Number Placeholder 6"/>
-          <p:cNvSpPr>
-            <a:spLocks noGrp="1"/>
-          </p:cNvSpPr>
-          <p:nvPr>
-            <p:ph type="sldNum" sz="quarter" idx="12"/>
-          </p:nvPr>
-        </p:nvSpPr>
-        <p:spPr/>
-        <p:txBody>
-          <a:bodyPr/>
-          <a:lstStyle>
-            <a:lvl1pPr>
-              <a:defRPr smtClean="0"/>
-            </a:lvl1pPr>
-          </a:lstStyle>
-          <a:p>
-            <a:fld id="{726EB581-4992-9843-9616-65D8A0765604}" type="slidenum">
-              <a:rPr lang="en-US"/>
+          <a:lstStyle/>
+          <a:p>
+            <a:fld id="{95FC67CD-6733-D04F-B9BE-AD105949F24E}" type="slidenum">
+              <a:rPr lang="en-US" smtClean="0"/>
               <a:pPr/>
               <a:t>‹#›</a:t>
             </a:fld>
-            <a:endParaRPr lang="en-US"/>
+            <a:endParaRPr lang="en-US" dirty="0"/>
           </a:p>
         </p:txBody>
       </p:sp>
     </p:spTree>
+    <p:extLst>
+      <p:ext uri="{BB962C8B-B14F-4D97-AF65-F5344CB8AC3E}">
+        <p14:creationId xmlns:p14="http://schemas.microsoft.com/office/powerpoint/2010/main" val="2904750936"/>
+      </p:ext>
+    </p:extLst>
   </p:cSld>
   <p:clrMapOvr>
     <a:masterClrMapping/>
@@ -1972,15 +2012,17 @@
           <a:bodyPr/>
           <a:lstStyle>
             <a:lvl1pPr>
-              <a:defRPr/>
+              <a:defRPr>
+                <a:latin typeface="+mj-lt"/>
+              </a:defRPr>
             </a:lvl1pPr>
           </a:lstStyle>
           <a:p>
             <a:r>
-              <a:rPr lang="en-CA" smtClean="0"/>
+              <a:rPr lang="en-CA" dirty="0"/>
               <a:t>Click to edit Master title style</a:t>
             </a:r>
-            <a:endParaRPr lang="en-US"/>
+            <a:endParaRPr lang="en-US" dirty="0"/>
           </a:p>
         </p:txBody>
       </p:sp>
@@ -2005,7 +2047,9 @@
           <a:lstStyle>
             <a:lvl1pPr marL="0" indent="0">
               <a:buNone/>
-              <a:defRPr sz="2400" b="1"/>
+              <a:defRPr sz="2400" b="1">
+                <a:latin typeface="+mj-lt"/>
+              </a:defRPr>
             </a:lvl1pPr>
             <a:lvl2pPr marL="457200" indent="0">
               <a:buNone/>
@@ -2043,7 +2087,7 @@
           <a:p>
             <a:pPr lvl="0"/>
             <a:r>
-              <a:rPr lang="en-CA" smtClean="0"/>
+              <a:rPr lang="en-CA" dirty="0"/>
               <a:t>Click to edit Master text styles</a:t>
             </a:r>
           </a:p>
@@ -2069,19 +2113,29 @@
           <a:bodyPr/>
           <a:lstStyle>
             <a:lvl1pPr>
-              <a:defRPr sz="2400"/>
+              <a:defRPr sz="2400">
+                <a:latin typeface="+mn-lt"/>
+              </a:defRPr>
             </a:lvl1pPr>
             <a:lvl2pPr>
-              <a:defRPr sz="2000"/>
+              <a:defRPr sz="2000">
+                <a:latin typeface="+mn-lt"/>
+              </a:defRPr>
             </a:lvl2pPr>
             <a:lvl3pPr>
-              <a:defRPr sz="1800"/>
+              <a:defRPr sz="1800">
+                <a:latin typeface="+mn-lt"/>
+              </a:defRPr>
             </a:lvl3pPr>
             <a:lvl4pPr>
-              <a:defRPr sz="1600"/>
+              <a:defRPr sz="1600">
+                <a:latin typeface="+mn-lt"/>
+              </a:defRPr>
             </a:lvl4pPr>
             <a:lvl5pPr>
-              <a:defRPr sz="1600"/>
+              <a:defRPr sz="1600">
+                <a:latin typeface="+mn-lt"/>
+              </a:defRPr>
             </a:lvl5pPr>
             <a:lvl6pPr>
               <a:defRPr sz="1600"/>
@@ -2099,38 +2153,38 @@
           <a:p>
             <a:pPr lvl="0"/>
             <a:r>
-              <a:rPr lang="en-CA" smtClean="0"/>
+              <a:rPr lang="en-CA" dirty="0"/>
               <a:t>Click to edit Master text styles</a:t>
             </a:r>
           </a:p>
           <a:p>
             <a:pPr lvl="1"/>
             <a:r>
-              <a:rPr lang="en-CA" smtClean="0"/>
+              <a:rPr lang="en-CA" dirty="0"/>
               <a:t>Second level</a:t>
             </a:r>
           </a:p>
           <a:p>
             <a:pPr lvl="2"/>
             <a:r>
-              <a:rPr lang="en-CA" smtClean="0"/>
+              <a:rPr lang="en-CA" dirty="0"/>
               <a:t>Third level</a:t>
             </a:r>
           </a:p>
           <a:p>
             <a:pPr lvl="3"/>
             <a:r>
-              <a:rPr lang="en-CA" smtClean="0"/>
+              <a:rPr lang="en-CA" dirty="0"/>
               <a:t>Fourth level</a:t>
             </a:r>
           </a:p>
           <a:p>
             <a:pPr lvl="4"/>
             <a:r>
-              <a:rPr lang="en-CA" smtClean="0"/>
+              <a:rPr lang="en-CA" dirty="0"/>
               <a:t>Fifth level</a:t>
             </a:r>
-            <a:endParaRPr lang="en-US"/>
+            <a:endParaRPr lang="en-US" dirty="0"/>
           </a:p>
         </p:txBody>
       </p:sp>
@@ -2155,7 +2209,9 @@
           <a:lstStyle>
             <a:lvl1pPr marL="0" indent="0">
               <a:buNone/>
-              <a:defRPr sz="2400" b="1"/>
+              <a:defRPr sz="2400" b="1">
+                <a:latin typeface="+mj-lt"/>
+              </a:defRPr>
             </a:lvl1pPr>
             <a:lvl2pPr marL="457200" indent="0">
               <a:buNone/>
@@ -2193,7 +2249,7 @@
           <a:p>
             <a:pPr lvl="0"/>
             <a:r>
-              <a:rPr lang="en-CA" smtClean="0"/>
+              <a:rPr lang="en-CA" dirty="0"/>
               <a:t>Click to edit Master text styles</a:t>
             </a:r>
           </a:p>
@@ -2219,19 +2275,29 @@
           <a:bodyPr/>
           <a:lstStyle>
             <a:lvl1pPr>
-              <a:defRPr sz="2400"/>
+              <a:defRPr sz="2400">
+                <a:latin typeface="+mn-lt"/>
+              </a:defRPr>
             </a:lvl1pPr>
             <a:lvl2pPr>
-              <a:defRPr sz="2000"/>
+              <a:defRPr sz="2000">
+                <a:latin typeface="+mn-lt"/>
+              </a:defRPr>
             </a:lvl2pPr>
             <a:lvl3pPr>
-              <a:defRPr sz="1800"/>
+              <a:defRPr sz="1800">
+                <a:latin typeface="+mn-lt"/>
+              </a:defRPr>
             </a:lvl3pPr>
             <a:lvl4pPr>
-              <a:defRPr sz="1600"/>
+              <a:defRPr sz="1600">
+                <a:latin typeface="+mn-lt"/>
+              </a:defRPr>
             </a:lvl4pPr>
             <a:lvl5pPr>
-              <a:defRPr sz="1600"/>
+              <a:defRPr sz="1600">
+                <a:latin typeface="+mn-lt"/>
+              </a:defRPr>
             </a:lvl5pPr>
             <a:lvl6pPr>
               <a:defRPr sz="1600"/>
@@ -2249,121 +2315,102 @@
           <a:p>
             <a:pPr lvl="0"/>
             <a:r>
-              <a:rPr lang="en-CA" smtClean="0"/>
+              <a:rPr lang="en-CA" dirty="0"/>
               <a:t>Click to edit Master text styles</a:t>
             </a:r>
           </a:p>
           <a:p>
             <a:pPr lvl="1"/>
             <a:r>
-              <a:rPr lang="en-CA" smtClean="0"/>
+              <a:rPr lang="en-CA" dirty="0"/>
               <a:t>Second level</a:t>
             </a:r>
           </a:p>
           <a:p>
             <a:pPr lvl="2"/>
             <a:r>
-              <a:rPr lang="en-CA" smtClean="0"/>
+              <a:rPr lang="en-CA" dirty="0"/>
               <a:t>Third level</a:t>
             </a:r>
           </a:p>
           <a:p>
             <a:pPr lvl="3"/>
             <a:r>
-              <a:rPr lang="en-CA" smtClean="0"/>
+              <a:rPr lang="en-CA" dirty="0"/>
               <a:t>Fourth level</a:t>
             </a:r>
           </a:p>
           <a:p>
             <a:pPr lvl="4"/>
             <a:r>
-              <a:rPr lang="en-CA" smtClean="0"/>
+              <a:rPr lang="en-CA" dirty="0"/>
               <a:t>Fifth level</a:t>
             </a:r>
-            <a:endParaRPr lang="en-US"/>
+            <a:endParaRPr lang="en-US" dirty="0"/>
           </a:p>
         </p:txBody>
       </p:sp>
       <p:sp>
         <p:nvSpPr>
-          <p:cNvPr id="7" name="Date Placeholder 6"/>
+          <p:cNvPr id="10" name="Footer Placeholder 9">
+            <a:extLst>
+              <a:ext uri="{FF2B5EF4-FFF2-40B4-BE49-F238E27FC236}">
+                <a16:creationId xmlns:a16="http://schemas.microsoft.com/office/drawing/2014/main" id="{0912E499-92DE-AB4A-A5B0-FD67B2273F7D}"/>
+              </a:ext>
+            </a:extLst>
+          </p:cNvPr>
           <p:cNvSpPr>
             <a:spLocks noGrp="1"/>
           </p:cNvSpPr>
           <p:nvPr>
-            <p:ph type="dt" sz="half" idx="10"/>
+            <p:ph type="ftr" sz="quarter" idx="10"/>
           </p:nvPr>
         </p:nvSpPr>
         <p:spPr/>
         <p:txBody>
           <a:bodyPr/>
-          <a:lstStyle>
-            <a:lvl1pPr>
-              <a:defRPr smtClean="0"/>
-            </a:lvl1pPr>
-          </a:lstStyle>
-          <a:p>
-            <a:fld id="{23D0F818-B531-DD4E-BCFE-DBFDB2A7C934}" type="datetime1">
-              <a:rPr lang="en-US"/>
-              <a:pPr/>
-              <a:t>16-06-21</a:t>
-            </a:fld>
+          <a:lstStyle/>
+          <a:p>
             <a:endParaRPr lang="en-US"/>
           </a:p>
         </p:txBody>
       </p:sp>
       <p:sp>
         <p:nvSpPr>
-          <p:cNvPr id="8" name="Footer Placeholder 7"/>
+          <p:cNvPr id="11" name="Slide Number Placeholder 10">
+            <a:extLst>
+              <a:ext uri="{FF2B5EF4-FFF2-40B4-BE49-F238E27FC236}">
+                <a16:creationId xmlns:a16="http://schemas.microsoft.com/office/drawing/2014/main" id="{80D4789F-B319-FB45-8996-99D418A3599C}"/>
+              </a:ext>
+            </a:extLst>
+          </p:cNvPr>
           <p:cNvSpPr>
             <a:spLocks noGrp="1"/>
           </p:cNvSpPr>
           <p:nvPr>
-            <p:ph type="ftr" sz="quarter" idx="11"/>
+            <p:ph type="sldNum" sz="quarter" idx="11"/>
           </p:nvPr>
         </p:nvSpPr>
         <p:spPr/>
         <p:txBody>
           <a:bodyPr/>
-          <a:lstStyle>
-            <a:lvl1pPr>
-              <a:defRPr/>
-            </a:lvl1pPr>
-          </a:lstStyle>
-          <a:p>
-            <a:endParaRPr lang="en-US"/>
-          </a:p>
-        </p:txBody>
-      </p:sp>
-      <p:sp>
-        <p:nvSpPr>
-          <p:cNvPr id="9" name="Slide Number Placeholder 8"/>
-          <p:cNvSpPr>
-            <a:spLocks noGrp="1"/>
-          </p:cNvSpPr>
-          <p:nvPr>
-            <p:ph type="sldNum" sz="quarter" idx="12"/>
-          </p:nvPr>
-        </p:nvSpPr>
-        <p:spPr/>
-        <p:txBody>
-          <a:bodyPr/>
-          <a:lstStyle>
-            <a:lvl1pPr>
-              <a:defRPr smtClean="0"/>
-            </a:lvl1pPr>
-          </a:lstStyle>
-          <a:p>
-            <a:fld id="{B598BD8B-70C7-3944-AA5D-BEB61B1275CB}" type="slidenum">
-              <a:rPr lang="en-US"/>
+          <a:lstStyle/>
+          <a:p>
+            <a:fld id="{95FC67CD-6733-D04F-B9BE-AD105949F24E}" type="slidenum">
+              <a:rPr lang="en-US" smtClean="0"/>
               <a:pPr/>
               <a:t>‹#›</a:t>
             </a:fld>
-            <a:endParaRPr lang="en-US"/>
+            <a:endParaRPr lang="en-US" dirty="0"/>
           </a:p>
         </p:txBody>
       </p:sp>
     </p:spTree>
+    <p:extLst>
+      <p:ext uri="{BB962C8B-B14F-4D97-AF65-F5344CB8AC3E}">
+        <p14:creationId xmlns:p14="http://schemas.microsoft.com/office/powerpoint/2010/main" val="2978047219"/>
+      </p:ext>
+    </p:extLst>
   </p:cSld>
   <p:clrMapOvr>
     <a:masterClrMapping/>
@@ -2401,96 +2448,83 @@
         <p:spPr/>
         <p:txBody>
           <a:bodyPr/>
-          <a:lstStyle/>
-          <a:p>
-            <a:r>
-              <a:rPr lang="en-CA" smtClean="0"/>
+          <a:lstStyle>
+            <a:lvl1pPr>
+              <a:defRPr>
+                <a:latin typeface="+mj-lt"/>
+              </a:defRPr>
+            </a:lvl1pPr>
+          </a:lstStyle>
+          <a:p>
+            <a:r>
+              <a:rPr lang="en-CA" dirty="0"/>
               <a:t>Click to edit Master title style</a:t>
             </a:r>
-            <a:endParaRPr lang="en-US"/>
+            <a:endParaRPr lang="en-US" dirty="0"/>
           </a:p>
         </p:txBody>
       </p:sp>
       <p:sp>
         <p:nvSpPr>
-          <p:cNvPr id="3" name="Date Placeholder 2"/>
+          <p:cNvPr id="6" name="Footer Placeholder 5">
+            <a:extLst>
+              <a:ext uri="{FF2B5EF4-FFF2-40B4-BE49-F238E27FC236}">
+                <a16:creationId xmlns:a16="http://schemas.microsoft.com/office/drawing/2014/main" id="{96BDBB7E-298A-4445-97E1-4B099A07ED3A}"/>
+              </a:ext>
+            </a:extLst>
+          </p:cNvPr>
           <p:cNvSpPr>
             <a:spLocks noGrp="1"/>
           </p:cNvSpPr>
           <p:nvPr>
-            <p:ph type="dt" sz="half" idx="10"/>
+            <p:ph type="ftr" sz="quarter" idx="10"/>
           </p:nvPr>
         </p:nvSpPr>
         <p:spPr/>
         <p:txBody>
           <a:bodyPr/>
-          <a:lstStyle>
-            <a:lvl1pPr>
-              <a:defRPr smtClean="0"/>
-            </a:lvl1pPr>
-          </a:lstStyle>
-          <a:p>
-            <a:fld id="{D6E0157A-9C9E-A042-8383-B5FB3C74E9A3}" type="datetime1">
-              <a:rPr lang="en-US"/>
-              <a:pPr/>
-              <a:t>16-06-21</a:t>
-            </a:fld>
+          <a:lstStyle/>
+          <a:p>
             <a:endParaRPr lang="en-US"/>
           </a:p>
         </p:txBody>
       </p:sp>
       <p:sp>
         <p:nvSpPr>
-          <p:cNvPr id="4" name="Footer Placeholder 3"/>
+          <p:cNvPr id="7" name="Slide Number Placeholder 6">
+            <a:extLst>
+              <a:ext uri="{FF2B5EF4-FFF2-40B4-BE49-F238E27FC236}">
+                <a16:creationId xmlns:a16="http://schemas.microsoft.com/office/drawing/2014/main" id="{A7895EC8-D916-8648-B520-23F9FC802EB0}"/>
+              </a:ext>
+            </a:extLst>
+          </p:cNvPr>
           <p:cNvSpPr>
             <a:spLocks noGrp="1"/>
           </p:cNvSpPr>
           <p:nvPr>
-            <p:ph type="ftr" sz="quarter" idx="11"/>
+            <p:ph type="sldNum" sz="quarter" idx="11"/>
           </p:nvPr>
         </p:nvSpPr>
         <p:spPr/>
         <p:txBody>
           <a:bodyPr/>
-          <a:lstStyle>
-            <a:lvl1pPr>
-              <a:defRPr/>
-            </a:lvl1pPr>
-          </a:lstStyle>
-          <a:p>
-            <a:endParaRPr lang="en-US"/>
-          </a:p>
-        </p:txBody>
-      </p:sp>
-      <p:sp>
-        <p:nvSpPr>
-          <p:cNvPr id="5" name="Slide Number Placeholder 4"/>
-          <p:cNvSpPr>
-            <a:spLocks noGrp="1"/>
-          </p:cNvSpPr>
-          <p:nvPr>
-            <p:ph type="sldNum" sz="quarter" idx="12"/>
-          </p:nvPr>
-        </p:nvSpPr>
-        <p:spPr/>
-        <p:txBody>
-          <a:bodyPr/>
-          <a:lstStyle>
-            <a:lvl1pPr>
-              <a:defRPr smtClean="0"/>
-            </a:lvl1pPr>
-          </a:lstStyle>
-          <a:p>
-            <a:fld id="{1F6EED23-977A-E044-88F1-21215A418E9E}" type="slidenum">
-              <a:rPr lang="en-US"/>
+          <a:lstStyle/>
+          <a:p>
+            <a:fld id="{95FC67CD-6733-D04F-B9BE-AD105949F24E}" type="slidenum">
+              <a:rPr lang="en-US" smtClean="0"/>
               <a:pPr/>
               <a:t>‹#›</a:t>
             </a:fld>
-            <a:endParaRPr lang="en-US"/>
+            <a:endParaRPr lang="en-US" dirty="0"/>
           </a:p>
         </p:txBody>
       </p:sp>
     </p:spTree>
+    <p:extLst>
+      <p:ext uri="{BB962C8B-B14F-4D97-AF65-F5344CB8AC3E}">
+        <p14:creationId xmlns:p14="http://schemas.microsoft.com/office/powerpoint/2010/main" val="2110708007"/>
+      </p:ext>
+    </p:extLst>
   </p:cSld>
   <p:clrMapOvr>
     <a:masterClrMapping/>
@@ -2517,84 +2551,65 @@
       </p:grpSpPr>
       <p:sp>
         <p:nvSpPr>
-          <p:cNvPr id="2" name="Date Placeholder 1"/>
+          <p:cNvPr id="5" name="Footer Placeholder 4">
+            <a:extLst>
+              <a:ext uri="{FF2B5EF4-FFF2-40B4-BE49-F238E27FC236}">
+                <a16:creationId xmlns:a16="http://schemas.microsoft.com/office/drawing/2014/main" id="{5DF03754-C429-BF4B-85C9-F1D1C975E80F}"/>
+              </a:ext>
+            </a:extLst>
+          </p:cNvPr>
           <p:cNvSpPr>
             <a:spLocks noGrp="1"/>
           </p:cNvSpPr>
           <p:nvPr>
-            <p:ph type="dt" sz="half" idx="10"/>
+            <p:ph type="ftr" sz="quarter" idx="10"/>
           </p:nvPr>
         </p:nvSpPr>
         <p:spPr/>
         <p:txBody>
           <a:bodyPr/>
-          <a:lstStyle>
-            <a:lvl1pPr>
-              <a:defRPr smtClean="0"/>
-            </a:lvl1pPr>
-          </a:lstStyle>
-          <a:p>
-            <a:fld id="{041083B5-29F6-C64E-ADC6-CE0EE8BD0150}" type="datetime1">
-              <a:rPr lang="en-US"/>
-              <a:pPr/>
-              <a:t>16-06-21</a:t>
-            </a:fld>
+          <a:lstStyle/>
+          <a:p>
             <a:endParaRPr lang="en-US"/>
           </a:p>
         </p:txBody>
       </p:sp>
       <p:sp>
         <p:nvSpPr>
-          <p:cNvPr id="3" name="Footer Placeholder 2"/>
+          <p:cNvPr id="6" name="Slide Number Placeholder 5">
+            <a:extLst>
+              <a:ext uri="{FF2B5EF4-FFF2-40B4-BE49-F238E27FC236}">
+                <a16:creationId xmlns:a16="http://schemas.microsoft.com/office/drawing/2014/main" id="{53E846D2-4831-1148-91F0-086A1F9C711D}"/>
+              </a:ext>
+            </a:extLst>
+          </p:cNvPr>
           <p:cNvSpPr>
             <a:spLocks noGrp="1"/>
           </p:cNvSpPr>
           <p:nvPr>
-            <p:ph type="ftr" sz="quarter" idx="11"/>
+            <p:ph type="sldNum" sz="quarter" idx="11"/>
           </p:nvPr>
         </p:nvSpPr>
         <p:spPr/>
         <p:txBody>
           <a:bodyPr/>
-          <a:lstStyle>
-            <a:lvl1pPr>
-              <a:defRPr/>
-            </a:lvl1pPr>
-          </a:lstStyle>
-          <a:p>
-            <a:endParaRPr lang="en-US"/>
-          </a:p>
-        </p:txBody>
-      </p:sp>
-      <p:sp>
-        <p:nvSpPr>
-          <p:cNvPr id="4" name="Slide Number Placeholder 3"/>
-          <p:cNvSpPr>
-            <a:spLocks noGrp="1"/>
-          </p:cNvSpPr>
-          <p:nvPr>
-            <p:ph type="sldNum" sz="quarter" idx="12"/>
-          </p:nvPr>
-        </p:nvSpPr>
-        <p:spPr/>
-        <p:txBody>
-          <a:bodyPr/>
-          <a:lstStyle>
-            <a:lvl1pPr>
-              <a:defRPr smtClean="0"/>
-            </a:lvl1pPr>
-          </a:lstStyle>
-          <a:p>
-            <a:fld id="{6685D10C-903B-FD40-80F0-D6DB00CBD96B}" type="slidenum">
-              <a:rPr lang="en-US"/>
+          <a:lstStyle/>
+          <a:p>
+            <a:fld id="{95FC67CD-6733-D04F-B9BE-AD105949F24E}" type="slidenum">
+              <a:rPr lang="en-US" smtClean="0"/>
               <a:pPr/>
               <a:t>‹#›</a:t>
             </a:fld>
-            <a:endParaRPr lang="en-US"/>
+            <a:endParaRPr lang="en-US" dirty="0"/>
           </a:p>
         </p:txBody>
       </p:sp>
     </p:spTree>
+    <p:extLst>
+      <p:ext uri="{BB962C8B-B14F-4D97-AF65-F5344CB8AC3E}">
+        <p14:creationId xmlns:p14="http://schemas.microsoft.com/office/powerpoint/2010/main" val="1016574991"/>
+      </p:ext>
+    </p:extLst>
   </p:cSld>
   <p:clrMapOvr>
     <a:masterClrMapping/>
@@ -2639,15 +2654,17 @@
           <a:bodyPr anchor="b"/>
           <a:lstStyle>
             <a:lvl1pPr algn="l">
-              <a:defRPr sz="2000" b="1"/>
+              <a:defRPr sz="2000" b="1">
+                <a:latin typeface="+mj-lt"/>
+              </a:defRPr>
             </a:lvl1pPr>
           </a:lstStyle>
           <a:p>
             <a:r>
-              <a:rPr lang="en-CA" smtClean="0"/>
+              <a:rPr lang="en-CA" dirty="0"/>
               <a:t>Click to edit Master title style</a:t>
             </a:r>
-            <a:endParaRPr lang="en-US"/>
+            <a:endParaRPr lang="en-US" dirty="0"/>
           </a:p>
         </p:txBody>
       </p:sp>
@@ -2671,19 +2688,29 @@
           <a:bodyPr/>
           <a:lstStyle>
             <a:lvl1pPr>
-              <a:defRPr sz="3200"/>
+              <a:defRPr sz="3200">
+                <a:latin typeface="+mn-lt"/>
+              </a:defRPr>
             </a:lvl1pPr>
             <a:lvl2pPr>
-              <a:defRPr sz="2800"/>
+              <a:defRPr sz="2800">
+                <a:latin typeface="+mn-lt"/>
+              </a:defRPr>
             </a:lvl2pPr>
             <a:lvl3pPr>
-              <a:defRPr sz="2400"/>
+              <a:defRPr sz="2400">
+                <a:latin typeface="+mn-lt"/>
+              </a:defRPr>
             </a:lvl3pPr>
             <a:lvl4pPr>
-              <a:defRPr sz="2000"/>
+              <a:defRPr sz="2000">
+                <a:latin typeface="+mn-lt"/>
+              </a:defRPr>
             </a:lvl4pPr>
             <a:lvl5pPr>
-              <a:defRPr sz="2000"/>
+              <a:defRPr sz="2000">
+                <a:latin typeface="+mn-lt"/>
+              </a:defRPr>
             </a:lvl5pPr>
             <a:lvl6pPr>
               <a:defRPr sz="2000"/>
@@ -2701,38 +2728,38 @@
           <a:p>
             <a:pPr lvl="0"/>
             <a:r>
-              <a:rPr lang="en-CA" smtClean="0"/>
+              <a:rPr lang="en-CA" dirty="0"/>
               <a:t>Click to edit Master text styles</a:t>
             </a:r>
           </a:p>
           <a:p>
             <a:pPr lvl="1"/>
             <a:r>
-              <a:rPr lang="en-CA" smtClean="0"/>
+              <a:rPr lang="en-CA" dirty="0"/>
               <a:t>Second level</a:t>
             </a:r>
           </a:p>
           <a:p>
             <a:pPr lvl="2"/>
             <a:r>
-              <a:rPr lang="en-CA" smtClean="0"/>
+              <a:rPr lang="en-CA" dirty="0"/>
               <a:t>Third level</a:t>
             </a:r>
           </a:p>
           <a:p>
             <a:pPr lvl="3"/>
             <a:r>
-              <a:rPr lang="en-CA" smtClean="0"/>
+              <a:rPr lang="en-CA" dirty="0"/>
               <a:t>Fourth level</a:t>
             </a:r>
           </a:p>
           <a:p>
             <a:pPr lvl="4"/>
             <a:r>
-              <a:rPr lang="en-CA" smtClean="0"/>
+              <a:rPr lang="en-CA" dirty="0"/>
               <a:t>Fifth level</a:t>
             </a:r>
-            <a:endParaRPr lang="en-US"/>
+            <a:endParaRPr lang="en-US" dirty="0"/>
           </a:p>
         </p:txBody>
       </p:sp>
@@ -2757,7 +2784,9 @@
           <a:lstStyle>
             <a:lvl1pPr marL="0" indent="0">
               <a:buNone/>
-              <a:defRPr sz="1400"/>
+              <a:defRPr sz="1400">
+                <a:latin typeface="+mn-lt"/>
+              </a:defRPr>
             </a:lvl1pPr>
             <a:lvl2pPr marL="457200" indent="0">
               <a:buNone/>
@@ -2795,7 +2824,7 @@
           <a:p>
             <a:pPr lvl="0"/>
             <a:r>
-              <a:rPr lang="en-CA" smtClean="0"/>
+              <a:rPr lang="en-CA" dirty="0"/>
               <a:t>Click to edit Master text styles</a:t>
             </a:r>
           </a:p>
@@ -2803,84 +2832,65 @@
       </p:sp>
       <p:sp>
         <p:nvSpPr>
-          <p:cNvPr id="5" name="Date Placeholder 4"/>
+          <p:cNvPr id="8" name="Footer Placeholder 7">
+            <a:extLst>
+              <a:ext uri="{FF2B5EF4-FFF2-40B4-BE49-F238E27FC236}">
+                <a16:creationId xmlns:a16="http://schemas.microsoft.com/office/drawing/2014/main" id="{1FB8657E-D33B-074B-AE26-E7CBD7232F89}"/>
+              </a:ext>
+            </a:extLst>
+          </p:cNvPr>
           <p:cNvSpPr>
             <a:spLocks noGrp="1"/>
           </p:cNvSpPr>
           <p:nvPr>
-            <p:ph type="dt" sz="half" idx="10"/>
+            <p:ph type="ftr" sz="quarter" idx="10"/>
           </p:nvPr>
         </p:nvSpPr>
         <p:spPr/>
         <p:txBody>
           <a:bodyPr/>
-          <a:lstStyle>
-            <a:lvl1pPr>
-              <a:defRPr smtClean="0"/>
-            </a:lvl1pPr>
-          </a:lstStyle>
-          <a:p>
-            <a:fld id="{51C2E3EA-4968-974F-9F07-56025A680D2A}" type="datetime1">
-              <a:rPr lang="en-US"/>
-              <a:pPr/>
-              <a:t>16-06-21</a:t>
-            </a:fld>
+          <a:lstStyle/>
+          <a:p>
             <a:endParaRPr lang="en-US"/>
           </a:p>
         </p:txBody>
       </p:sp>
       <p:sp>
         <p:nvSpPr>
-          <p:cNvPr id="6" name="Footer Placeholder 5"/>
+          <p:cNvPr id="9" name="Slide Number Placeholder 8">
+            <a:extLst>
+              <a:ext uri="{FF2B5EF4-FFF2-40B4-BE49-F238E27FC236}">
+                <a16:creationId xmlns:a16="http://schemas.microsoft.com/office/drawing/2014/main" id="{212E3D66-C201-A64A-A27B-A535DB26C750}"/>
+              </a:ext>
+            </a:extLst>
+          </p:cNvPr>
           <p:cNvSpPr>
             <a:spLocks noGrp="1"/>
           </p:cNvSpPr>
           <p:nvPr>
-            <p:ph type="ftr" sz="quarter" idx="11"/>
+            <p:ph type="sldNum" sz="quarter" idx="11"/>
           </p:nvPr>
         </p:nvSpPr>
         <p:spPr/>
         <p:txBody>
           <a:bodyPr/>
-          <a:lstStyle>
-            <a:lvl1pPr>
-              <a:defRPr/>
-            </a:lvl1pPr>
-          </a:lstStyle>
-          <a:p>
-            <a:endParaRPr lang="en-US"/>
-          </a:p>
-        </p:txBody>
-      </p:sp>
-      <p:sp>
-        <p:nvSpPr>
-          <p:cNvPr id="7" name="Slide Number Placeholder 6"/>
-          <p:cNvSpPr>
-            <a:spLocks noGrp="1"/>
-          </p:cNvSpPr>
-          <p:nvPr>
-            <p:ph type="sldNum" sz="quarter" idx="12"/>
-          </p:nvPr>
-        </p:nvSpPr>
-        <p:spPr/>
-        <p:txBody>
-          <a:bodyPr/>
-          <a:lstStyle>
-            <a:lvl1pPr>
-              <a:defRPr smtClean="0"/>
-            </a:lvl1pPr>
-          </a:lstStyle>
-          <a:p>
-            <a:fld id="{C7C2D42D-B9F6-5247-BDBB-D1C2E0658038}" type="slidenum">
-              <a:rPr lang="en-US"/>
+          <a:lstStyle/>
+          <a:p>
+            <a:fld id="{95FC67CD-6733-D04F-B9BE-AD105949F24E}" type="slidenum">
+              <a:rPr lang="en-US" smtClean="0"/>
               <a:pPr/>
               <a:t>‹#›</a:t>
             </a:fld>
-            <a:endParaRPr lang="en-US"/>
+            <a:endParaRPr lang="en-US" dirty="0"/>
           </a:p>
         </p:txBody>
       </p:sp>
     </p:spTree>
+    <p:extLst>
+      <p:ext uri="{BB962C8B-B14F-4D97-AF65-F5344CB8AC3E}">
+        <p14:creationId xmlns:p14="http://schemas.microsoft.com/office/powerpoint/2010/main" val="357958816"/>
+      </p:ext>
+    </p:extLst>
   </p:cSld>
   <p:clrMapOvr>
     <a:masterClrMapping/>
@@ -2925,15 +2935,17 @@
           <a:bodyPr anchor="b"/>
           <a:lstStyle>
             <a:lvl1pPr algn="l">
-              <a:defRPr sz="2000" b="1"/>
+              <a:defRPr sz="2000" b="1">
+                <a:latin typeface="+mj-lt"/>
+              </a:defRPr>
             </a:lvl1pPr>
           </a:lstStyle>
           <a:p>
             <a:r>
-              <a:rPr lang="en-CA" smtClean="0"/>
+              <a:rPr lang="en-CA" dirty="0"/>
               <a:t>Click to edit Master title style</a:t>
             </a:r>
-            <a:endParaRPr lang="en-US"/>
+            <a:endParaRPr lang="en-US" dirty="0"/>
           </a:p>
         </p:txBody>
       </p:sp>
@@ -2994,7 +3006,7 @@
             </a:lvl9pPr>
           </a:lstStyle>
           <a:p>
-            <a:endParaRPr lang="en-US"/>
+            <a:endParaRPr lang="en-US" dirty="0"/>
           </a:p>
         </p:txBody>
       </p:sp>
@@ -3019,7 +3031,9 @@
           <a:lstStyle>
             <a:lvl1pPr marL="0" indent="0">
               <a:buNone/>
-              <a:defRPr sz="1400"/>
+              <a:defRPr sz="1400">
+                <a:latin typeface="+mn-lt"/>
+              </a:defRPr>
             </a:lvl1pPr>
             <a:lvl2pPr marL="457200" indent="0">
               <a:buNone/>
@@ -3057,7 +3071,7 @@
           <a:p>
             <a:pPr lvl="0"/>
             <a:r>
-              <a:rPr lang="en-CA" smtClean="0"/>
+              <a:rPr lang="en-CA" dirty="0"/>
               <a:t>Click to edit Master text styles</a:t>
             </a:r>
           </a:p>
@@ -3065,84 +3079,65 @@
       </p:sp>
       <p:sp>
         <p:nvSpPr>
-          <p:cNvPr id="5" name="Date Placeholder 4"/>
+          <p:cNvPr id="8" name="Footer Placeholder 7">
+            <a:extLst>
+              <a:ext uri="{FF2B5EF4-FFF2-40B4-BE49-F238E27FC236}">
+                <a16:creationId xmlns:a16="http://schemas.microsoft.com/office/drawing/2014/main" id="{B5BB785B-8CD1-0040-A247-EDEF010C15C9}"/>
+              </a:ext>
+            </a:extLst>
+          </p:cNvPr>
           <p:cNvSpPr>
             <a:spLocks noGrp="1"/>
           </p:cNvSpPr>
           <p:nvPr>
-            <p:ph type="dt" sz="half" idx="10"/>
+            <p:ph type="ftr" sz="quarter" idx="10"/>
           </p:nvPr>
         </p:nvSpPr>
         <p:spPr/>
         <p:txBody>
           <a:bodyPr/>
-          <a:lstStyle>
-            <a:lvl1pPr>
-              <a:defRPr smtClean="0"/>
-            </a:lvl1pPr>
-          </a:lstStyle>
-          <a:p>
-            <a:fld id="{C54B69E3-70D1-024E-B41C-EE02C4CE6EBD}" type="datetime1">
-              <a:rPr lang="en-US"/>
-              <a:pPr/>
-              <a:t>16-06-21</a:t>
-            </a:fld>
+          <a:lstStyle/>
+          <a:p>
             <a:endParaRPr lang="en-US"/>
           </a:p>
         </p:txBody>
       </p:sp>
       <p:sp>
         <p:nvSpPr>
-          <p:cNvPr id="6" name="Footer Placeholder 5"/>
+          <p:cNvPr id="9" name="Slide Number Placeholder 8">
+            <a:extLst>
+              <a:ext uri="{FF2B5EF4-FFF2-40B4-BE49-F238E27FC236}">
+                <a16:creationId xmlns:a16="http://schemas.microsoft.com/office/drawing/2014/main" id="{A1275E30-5B29-BD43-B756-3D1D1E7E12BD}"/>
+              </a:ext>
+            </a:extLst>
+          </p:cNvPr>
           <p:cNvSpPr>
             <a:spLocks noGrp="1"/>
           </p:cNvSpPr>
           <p:nvPr>
-            <p:ph type="ftr" sz="quarter" idx="11"/>
+            <p:ph type="sldNum" sz="quarter" idx="11"/>
           </p:nvPr>
         </p:nvSpPr>
         <p:spPr/>
         <p:txBody>
           <a:bodyPr/>
-          <a:lstStyle>
-            <a:lvl1pPr>
-              <a:defRPr/>
-            </a:lvl1pPr>
-          </a:lstStyle>
-          <a:p>
-            <a:endParaRPr lang="en-US"/>
-          </a:p>
-        </p:txBody>
-      </p:sp>
-      <p:sp>
-        <p:nvSpPr>
-          <p:cNvPr id="7" name="Slide Number Placeholder 6"/>
-          <p:cNvSpPr>
-            <a:spLocks noGrp="1"/>
-          </p:cNvSpPr>
-          <p:nvPr>
-            <p:ph type="sldNum" sz="quarter" idx="12"/>
-          </p:nvPr>
-        </p:nvSpPr>
-        <p:spPr/>
-        <p:txBody>
-          <a:bodyPr/>
-          <a:lstStyle>
-            <a:lvl1pPr>
-              <a:defRPr smtClean="0"/>
-            </a:lvl1pPr>
-          </a:lstStyle>
-          <a:p>
-            <a:fld id="{68E64FD6-CC54-0D41-BBDC-58C60354F927}" type="slidenum">
-              <a:rPr lang="en-US"/>
+          <a:lstStyle/>
+          <a:p>
+            <a:fld id="{95FC67CD-6733-D04F-B9BE-AD105949F24E}" type="slidenum">
+              <a:rPr lang="en-US" smtClean="0"/>
               <a:pPr/>
               <a:t>‹#›</a:t>
             </a:fld>
-            <a:endParaRPr lang="en-US"/>
+            <a:endParaRPr lang="en-US" dirty="0"/>
           </a:p>
         </p:txBody>
       </p:sp>
     </p:spTree>
+    <p:extLst>
+      <p:ext uri="{BB962C8B-B14F-4D97-AF65-F5344CB8AC3E}">
+        <p14:creationId xmlns:p14="http://schemas.microsoft.com/office/powerpoint/2010/main" val="1649438187"/>
+      </p:ext>
+    </p:extLst>
   </p:cSld>
   <p:clrMapOvr>
     <a:masterClrMapping/>
@@ -3151,7 +3146,7 @@
 </file>
 
 <file path=ppt/slideMasters/slideMaster1.xml><?xml version="1.0" encoding="utf-8"?>
-<p:sldMaster xmlns:a="http://schemas.openxmlformats.org/drawingml/2006/main" xmlns:r="http://schemas.openxmlformats.org/officeDocument/2006/relationships" xmlns:p="http://schemas.openxmlformats.org/presentationml/2006/main">
+<p:sldMaster xmlns:a="http://schemas.openxmlformats.org/drawingml/2006/main" xmlns:r="http://schemas.openxmlformats.org/officeDocument/2006/relationships" xmlns:p="http://schemas.openxmlformats.org/presentationml/2006/main" preserve="1">
   <p:cSld>
     <p:bg>
       <p:bgPr>
@@ -3291,100 +3286,6 @@
       </p:sp>
       <p:sp>
         <p:nvSpPr>
-          <p:cNvPr id="1028" name="Rectangle 4"/>
-          <p:cNvSpPr>
-            <a:spLocks noGrp="1" noChangeArrowheads="1"/>
-          </p:cNvSpPr>
-          <p:nvPr>
-            <p:ph type="dt" sz="half" idx="2"/>
-          </p:nvPr>
-        </p:nvSpPr>
-        <p:spPr bwMode="auto">
-          <a:xfrm>
-            <a:off x="685800" y="6248400"/>
-            <a:ext cx="1905000" cy="457200"/>
-          </a:xfrm>
-          <a:prstGeom prst="rect">
-            <a:avLst/>
-          </a:prstGeom>
-          <a:noFill/>
-          <a:ln w="9525">
-            <a:noFill/>
-            <a:miter lim="800000"/>
-            <a:headEnd/>
-            <a:tailEnd/>
-          </a:ln>
-          <a:effectLst/>
-        </p:spPr>
-        <p:txBody>
-          <a:bodyPr vert="horz" wrap="square" lIns="91440" tIns="45720" rIns="91440" bIns="45720" numCol="1" anchor="t" anchorCtr="0" compatLnSpc="1">
-            <a:prstTxWarp prst="textNoShape">
-              <a:avLst/>
-            </a:prstTxWarp>
-          </a:bodyPr>
-          <a:lstStyle>
-            <a:lvl1pPr>
-              <a:defRPr sz="1400">
-                <a:latin typeface="Candara"/>
-                <a:cs typeface="Candara"/>
-              </a:defRPr>
-            </a:lvl1pPr>
-          </a:lstStyle>
-          <a:p>
-            <a:fld id="{F72937B8-AFFE-4441-BF36-29891B0CD643}" type="datetime1">
-              <a:rPr lang="en-US" smtClean="0"/>
-              <a:pPr/>
-              <a:t>16-06-21</a:t>
-            </a:fld>
-            <a:endParaRPr lang="en-US" dirty="0"/>
-          </a:p>
-        </p:txBody>
-      </p:sp>
-      <p:sp>
-        <p:nvSpPr>
-          <p:cNvPr id="1029" name="Rectangle 5"/>
-          <p:cNvSpPr>
-            <a:spLocks noGrp="1" noChangeArrowheads="1"/>
-          </p:cNvSpPr>
-          <p:nvPr>
-            <p:ph type="ftr" sz="quarter" idx="3"/>
-          </p:nvPr>
-        </p:nvSpPr>
-        <p:spPr bwMode="auto">
-          <a:xfrm>
-            <a:off x="3124200" y="6248400"/>
-            <a:ext cx="2895600" cy="457200"/>
-          </a:xfrm>
-          <a:prstGeom prst="rect">
-            <a:avLst/>
-          </a:prstGeom>
-          <a:noFill/>
-          <a:ln w="9525">
-            <a:noFill/>
-            <a:miter lim="800000"/>
-            <a:headEnd/>
-            <a:tailEnd/>
-          </a:ln>
-          <a:effectLst/>
-        </p:spPr>
-        <p:txBody>
-          <a:bodyPr vert="horz" wrap="square" lIns="91440" tIns="45720" rIns="91440" bIns="45720" numCol="1" anchor="t" anchorCtr="0" compatLnSpc="1">
-            <a:prstTxWarp prst="textNoShape">
-              <a:avLst/>
-            </a:prstTxWarp>
-          </a:bodyPr>
-          <a:lstStyle>
-            <a:lvl1pPr algn="ctr">
-              <a:defRPr sz="1400"/>
-            </a:lvl1pPr>
-          </a:lstStyle>
-          <a:p>
-            <a:endParaRPr lang="en-US" dirty="0"/>
-          </a:p>
-        </p:txBody>
-      </p:sp>
-      <p:sp>
-        <p:nvSpPr>
           <p:cNvPr id="1030" name="Rectangle 6"/>
           <p:cNvSpPr>
             <a:spLocks noGrp="1" noChangeArrowheads="1"/>
@@ -3419,13 +3320,13 @@
           <a:lstStyle>
             <a:lvl1pPr algn="r">
               <a:defRPr sz="1400">
-                <a:latin typeface="Candara"/>
+                <a:latin typeface="+mn-lt"/>
                 <a:cs typeface="Candara"/>
               </a:defRPr>
             </a:lvl1pPr>
           </a:lstStyle>
           <a:p>
-            <a:fld id="{5F9B6264-6F0D-5D49-BBFF-77536D94DF97}" type="slidenum">
+            <a:fld id="{95FC67CD-6733-D04F-B9BE-AD105949F24E}" type="slidenum">
               <a:rPr lang="en-US" smtClean="0"/>
               <a:pPr/>
               <a:t>‹#›</a:t>
@@ -3434,21 +3335,69 @@
           </a:p>
         </p:txBody>
       </p:sp>
+      <p:sp>
+        <p:nvSpPr>
+          <p:cNvPr id="2" name="Footer Placeholder 1">
+            <a:extLst>
+              <a:ext uri="{FF2B5EF4-FFF2-40B4-BE49-F238E27FC236}">
+                <a16:creationId xmlns:a16="http://schemas.microsoft.com/office/drawing/2014/main" id="{20CEA516-DB0A-A54B-8590-B485BCFD422E}"/>
+              </a:ext>
+            </a:extLst>
+          </p:cNvPr>
+          <p:cNvSpPr>
+            <a:spLocks noGrp="1"/>
+          </p:cNvSpPr>
+          <p:nvPr>
+            <p:ph type="ftr" sz="quarter" idx="3"/>
+          </p:nvPr>
+        </p:nvSpPr>
+        <p:spPr>
+          <a:xfrm>
+            <a:off x="3028950" y="6356350"/>
+            <a:ext cx="3086100" cy="365125"/>
+          </a:xfrm>
+          <a:prstGeom prst="rect">
+            <a:avLst/>
+          </a:prstGeom>
+        </p:spPr>
+        <p:txBody>
+          <a:bodyPr vert="horz" lIns="91440" tIns="45720" rIns="91440" bIns="45720" rtlCol="0" anchor="ctr"/>
+          <a:lstStyle>
+            <a:lvl1pPr algn="ctr">
+              <a:defRPr sz="1200">
+                <a:solidFill>
+                  <a:schemeClr val="tx1">
+                    <a:tint val="75000"/>
+                  </a:schemeClr>
+                </a:solidFill>
+              </a:defRPr>
+            </a:lvl1pPr>
+          </a:lstStyle>
+          <a:p>
+            <a:endParaRPr lang="en-US"/>
+          </a:p>
+        </p:txBody>
+      </p:sp>
     </p:spTree>
+    <p:extLst>
+      <p:ext uri="{BB962C8B-B14F-4D97-AF65-F5344CB8AC3E}">
+        <p14:creationId xmlns:p14="http://schemas.microsoft.com/office/powerpoint/2010/main" val="1745157588"/>
+      </p:ext>
+    </p:extLst>
   </p:cSld>
   <p:clrMap bg1="lt1" tx1="dk1" bg2="lt2" tx2="dk2" accent1="accent1" accent2="accent2" accent3="accent3" accent4="accent4" accent5="accent5" accent6="accent6" hlink="hlink" folHlink="folHlink"/>
   <p:sldLayoutIdLst>
-    <p:sldLayoutId id="2147483649" r:id="rId1"/>
-    <p:sldLayoutId id="2147483650" r:id="rId2"/>
-    <p:sldLayoutId id="2147483651" r:id="rId3"/>
-    <p:sldLayoutId id="2147483652" r:id="rId4"/>
-    <p:sldLayoutId id="2147483653" r:id="rId5"/>
-    <p:sldLayoutId id="2147483654" r:id="rId6"/>
-    <p:sldLayoutId id="2147483655" r:id="rId7"/>
-    <p:sldLayoutId id="2147483656" r:id="rId8"/>
-    <p:sldLayoutId id="2147483657" r:id="rId9"/>
-    <p:sldLayoutId id="2147483658" r:id="rId10"/>
-    <p:sldLayoutId id="2147483659" r:id="rId11"/>
+    <p:sldLayoutId id="2147483661" r:id="rId1"/>
+    <p:sldLayoutId id="2147483662" r:id="rId2"/>
+    <p:sldLayoutId id="2147483663" r:id="rId3"/>
+    <p:sldLayoutId id="2147483664" r:id="rId4"/>
+    <p:sldLayoutId id="2147483665" r:id="rId5"/>
+    <p:sldLayoutId id="2147483666" r:id="rId6"/>
+    <p:sldLayoutId id="2147483667" r:id="rId7"/>
+    <p:sldLayoutId id="2147483668" r:id="rId8"/>
+    <p:sldLayoutId id="2147483669" r:id="rId9"/>
+    <p:sldLayoutId id="2147483670" r:id="rId10"/>
+    <p:sldLayoutId id="2147483671" r:id="rId11"/>
   </p:sldLayoutIdLst>
   <p:hf hdr="0" ftr="0"/>
   <p:txStyles>
@@ -3464,7 +3413,7 @@
           <a:solidFill>
             <a:schemeClr val="tx2"/>
           </a:solidFill>
-          <a:latin typeface="Candara"/>
+          <a:latin typeface="+mj-lt"/>
           <a:ea typeface="+mj-ea"/>
           <a:cs typeface="Candara"/>
         </a:defRPr>
@@ -3595,7 +3544,7 @@
           <a:solidFill>
             <a:schemeClr val="tx1"/>
           </a:solidFill>
-          <a:latin typeface="Candara"/>
+          <a:latin typeface="+mn-lt"/>
           <a:ea typeface="+mn-ea"/>
           <a:cs typeface="Candara"/>
         </a:defRPr>
@@ -3612,7 +3561,7 @@
           <a:solidFill>
             <a:schemeClr val="tx1"/>
           </a:solidFill>
-          <a:latin typeface="Candara"/>
+          <a:latin typeface="+mn-lt"/>
           <a:ea typeface="ＭＳ Ｐゴシック" charset="-128"/>
           <a:cs typeface="Candara"/>
         </a:defRPr>
@@ -3629,7 +3578,7 @@
           <a:solidFill>
             <a:schemeClr val="tx1"/>
           </a:solidFill>
-          <a:latin typeface="Candara"/>
+          <a:latin typeface="+mn-lt"/>
           <a:ea typeface="ＭＳ Ｐゴシック" charset="-128"/>
           <a:cs typeface="Candara"/>
         </a:defRPr>
@@ -3646,7 +3595,7 @@
           <a:solidFill>
             <a:schemeClr val="tx1"/>
           </a:solidFill>
-          <a:latin typeface="Candara"/>
+          <a:latin typeface="+mn-lt"/>
           <a:ea typeface="ＭＳ Ｐゴシック" charset="-128"/>
           <a:cs typeface="Candara"/>
         </a:defRPr>
@@ -3663,7 +3612,7 @@
           <a:solidFill>
             <a:schemeClr val="tx1"/>
           </a:solidFill>
-          <a:latin typeface="Candara"/>
+          <a:latin typeface="+mn-lt"/>
           <a:ea typeface="ＭＳ Ｐゴシック" charset="-128"/>
           <a:cs typeface="Candara"/>
         </a:defRPr>
@@ -3890,7 +3839,7 @@
               <a:buNone/>
             </a:pPr>
             <a:r>
-              <a:rPr lang="en-US" sz="4400" dirty="0" smtClean="0">
+              <a:rPr lang="en-US" sz="4400" dirty="0">
                 <a:latin typeface="Calibri"/>
                 <a:ea typeface="Calibri"/>
                 <a:cs typeface="Calibri"/>
@@ -3898,12 +3847,6 @@
               </a:rPr>
               <a:t>LR Parsing</a:t>
             </a:r>
-            <a:endParaRPr lang="en-US" sz="4400" dirty="0">
-              <a:latin typeface="Calibri"/>
-              <a:ea typeface="Calibri"/>
-              <a:cs typeface="Calibri"/>
-              <a:sym typeface="Calibri"/>
-            </a:endParaRPr>
           </a:p>
         </p:txBody>
       </p:sp>
@@ -4062,7 +4005,7 @@
               <a:buNone/>
             </a:pPr>
             <a:r>
-              <a:rPr lang="en-US" sz="2400" dirty="0" smtClean="0">
+              <a:rPr lang="en-US" sz="2400" dirty="0">
                 <a:solidFill>
                   <a:schemeClr val="dk1"/>
                 </a:solidFill>
@@ -4071,29 +4014,8 @@
                 <a:cs typeface="Calibri"/>
                 <a:sym typeface="Calibri"/>
               </a:rPr>
-              <a:t>LR1: </a:t>
-            </a:r>
-            <a:r>
-              <a:rPr lang="en-US" sz="2400" dirty="0" smtClean="0">
-                <a:solidFill>
-                  <a:schemeClr val="dk1"/>
-                </a:solidFill>
-                <a:latin typeface="Calibri"/>
-                <a:ea typeface="Calibri"/>
-                <a:cs typeface="Calibri"/>
-                <a:sym typeface="Calibri"/>
-              </a:rPr>
-              <a:t>Shift-Reduce Parsing</a:t>
-            </a:r>
-            <a:endParaRPr lang="en-US" sz="2400" dirty="0">
-              <a:solidFill>
-                <a:schemeClr val="dk1"/>
-              </a:solidFill>
-              <a:latin typeface="Calibri"/>
-              <a:ea typeface="Calibri"/>
-              <a:cs typeface="Calibri"/>
-              <a:sym typeface="Calibri"/>
-            </a:endParaRPr>
+              <a:t>LR1: Shift-Reduce Parsing</a:t>
+            </a:r>
           </a:p>
         </p:txBody>
       </p:sp>
@@ -4143,10 +4065,9 @@
           <a:lstStyle/>
           <a:p>
             <a:r>
-              <a:rPr lang="en-CA" dirty="0" smtClean="0"/>
+              <a:rPr lang="en-CA" dirty="0"/>
               <a:t>Stack</a:t>
             </a:r>
-            <a:endParaRPr lang="en-CA" dirty="0"/>
           </a:p>
         </p:txBody>
       </p:sp>
@@ -4166,18 +4087,18 @@
           <a:lstStyle/>
           <a:p>
             <a:r>
-              <a:rPr lang="en-CA" dirty="0" smtClean="0"/>
+              <a:rPr lang="en-CA" dirty="0"/>
               <a:t>Left string can be implemented by a stack </a:t>
             </a:r>
           </a:p>
           <a:p>
             <a:pPr lvl="1"/>
             <a:r>
-              <a:rPr lang="en-CA" dirty="0" smtClean="0"/>
+              <a:rPr lang="en-CA" dirty="0"/>
               <a:t>Top of the stack is the </a:t>
             </a:r>
             <a:r>
-              <a:rPr lang="en-CA" dirty="0" smtClean="0">
+              <a:rPr lang="en-CA" dirty="0">
                 <a:solidFill>
                   <a:srgbClr val="FF0000"/>
                 </a:solidFill>
@@ -4187,86 +4108,37 @@
           </a:p>
           <a:p>
             <a:r>
-              <a:rPr lang="en-CA" dirty="0" smtClean="0"/>
+              <a:rPr lang="en-CA" dirty="0"/>
               <a:t>Shift pushes a terminal on the stack</a:t>
             </a:r>
           </a:p>
           <a:p>
             <a:r>
-              <a:rPr lang="en-CA" dirty="0" smtClean="0"/>
+              <a:rPr lang="en-CA" dirty="0"/>
               <a:t>Reduce</a:t>
             </a:r>
           </a:p>
           <a:p>
             <a:pPr lvl="1"/>
             <a:r>
-              <a:rPr lang="en-CA" dirty="0" smtClean="0"/>
+              <a:rPr lang="en-CA" dirty="0"/>
               <a:t>Pops 0 or more symbols off of the stack (production </a:t>
             </a:r>
             <a:r>
-              <a:rPr lang="en-CA" dirty="0" err="1" smtClean="0"/>
+              <a:rPr lang="en-CA" dirty="0" err="1"/>
               <a:t>rhs</a:t>
             </a:r>
             <a:r>
-              <a:rPr lang="en-CA" dirty="0" smtClean="0"/>
+              <a:rPr lang="en-CA" dirty="0"/>
               <a:t>)</a:t>
             </a:r>
           </a:p>
           <a:p>
             <a:pPr lvl="1"/>
             <a:r>
-              <a:rPr lang="en-CA" dirty="0" smtClean="0"/>
+              <a:rPr lang="en-CA" dirty="0"/>
               <a:t>Pushes a non-terminal on the stack (production lhs)</a:t>
             </a:r>
-            <a:endParaRPr lang="en-CA" dirty="0"/>
-          </a:p>
-        </p:txBody>
-      </p:sp>
-      <p:sp>
-        <p:nvSpPr>
-          <p:cNvPr id="4" name="Date Placeholder 3"/>
-          <p:cNvSpPr>
-            <a:spLocks noGrp="1"/>
-          </p:cNvSpPr>
-          <p:nvPr>
-            <p:ph type="dt" sz="half" idx="10"/>
-          </p:nvPr>
-        </p:nvSpPr>
-        <p:spPr/>
-        <p:txBody>
-          <a:bodyPr/>
-          <a:lstStyle/>
-          <a:p>
-            <a:fld id="{EF36E096-31EA-354B-8AAC-9D7DF09A3C8D}" type="datetime1">
-              <a:rPr lang="en-US" smtClean="0"/>
-              <a:pPr/>
-              <a:t>16-06-21</a:t>
-            </a:fld>
-            <a:endParaRPr lang="en-US"/>
-          </a:p>
-        </p:txBody>
-      </p:sp>
-      <p:sp>
-        <p:nvSpPr>
-          <p:cNvPr id="5" name="Slide Number Placeholder 4"/>
-          <p:cNvSpPr>
-            <a:spLocks noGrp="1"/>
-          </p:cNvSpPr>
-          <p:nvPr>
-            <p:ph type="sldNum" sz="quarter" idx="12"/>
-          </p:nvPr>
-        </p:nvSpPr>
-        <p:spPr/>
-        <p:txBody>
-          <a:bodyPr/>
-          <a:lstStyle/>
-          <a:p>
-            <a:fld id="{EF43BF25-6C5C-E54C-A6BE-4C60D00A6801}" type="slidenum">
-              <a:rPr lang="en-US" smtClean="0"/>
-              <a:pPr/>
-              <a:t>10</a:t>
-            </a:fld>
-            <a:endParaRPr lang="en-US"/>
           </a:p>
         </p:txBody>
       </p:sp>
@@ -4280,13 +4152,6 @@
   <p:clrMapOvr>
     <a:masterClrMapping/>
   </p:clrMapOvr>
-  <p:timing>
-    <p:tnLst>
-      <p:par>
-        <p:cTn xmlns:p14="http://schemas.microsoft.com/office/powerpoint/2010/main" id="1" dur="indefinite" restart="never" nodeType="tmRoot"/>
-      </p:par>
-    </p:tnLst>
-  </p:timing>
 </p:sld>
 </file>
 
@@ -4323,10 +4188,9 @@
           <a:lstStyle/>
           <a:p>
             <a:r>
-              <a:rPr lang="en-CA" dirty="0" smtClean="0"/>
+              <a:rPr lang="en-CA" dirty="0"/>
               <a:t>Conflicts</a:t>
             </a:r>
-            <a:endParaRPr lang="en-CA" dirty="0"/>
           </a:p>
         </p:txBody>
       </p:sp>
@@ -4351,17 +4215,17 @@
           <a:lstStyle/>
           <a:p>
             <a:r>
-              <a:rPr lang="en-CA" sz="2800" dirty="0" smtClean="0"/>
+              <a:rPr lang="en-CA" sz="2800" dirty="0"/>
               <a:t>In a given state, more than one action (shift/reduce) may lead to different valid parse</a:t>
             </a:r>
           </a:p>
           <a:p>
             <a:r>
-              <a:rPr lang="en-CA" sz="2800" dirty="0" smtClean="0"/>
+              <a:rPr lang="en-CA" sz="2800" dirty="0"/>
               <a:t>If it is legal to shift or reduce, there is a </a:t>
             </a:r>
             <a:r>
-              <a:rPr lang="en-CA" sz="2800" dirty="0" smtClean="0">
+              <a:rPr lang="en-CA" sz="2800" dirty="0">
                 <a:solidFill>
                   <a:srgbClr val="FF0000"/>
                 </a:solidFill>
@@ -4369,24 +4233,24 @@
               <a:t>shift-reduce</a:t>
             </a:r>
             <a:r>
-              <a:rPr lang="en-CA" sz="2800" dirty="0" smtClean="0"/>
+              <a:rPr lang="en-CA" sz="2800" dirty="0"/>
               <a:t> conflicts</a:t>
             </a:r>
           </a:p>
           <a:p>
             <a:pPr lvl="1"/>
             <a:r>
-              <a:rPr lang="en-CA" sz="2400" dirty="0" smtClean="0"/>
+              <a:rPr lang="en-CA" sz="2400" dirty="0"/>
               <a:t>Can be fixed (precedence and associativity declaration)</a:t>
             </a:r>
           </a:p>
           <a:p>
             <a:r>
-              <a:rPr lang="en-CA" sz="2800" dirty="0" smtClean="0"/>
+              <a:rPr lang="en-CA" sz="2800" dirty="0"/>
               <a:t>If it is legal to reduce by two different productions there is a </a:t>
             </a:r>
             <a:r>
-              <a:rPr lang="en-CA" sz="2800" dirty="0" smtClean="0">
+              <a:rPr lang="en-CA" sz="2800" dirty="0">
                 <a:solidFill>
                   <a:srgbClr val="FF0000"/>
                 </a:solidFill>
@@ -4394,64 +4258,16 @@
               <a:t>reduce-reduce</a:t>
             </a:r>
             <a:r>
-              <a:rPr lang="en-CA" sz="2800" dirty="0" smtClean="0"/>
+              <a:rPr lang="en-CA" sz="2800" dirty="0"/>
               <a:t> conflicts</a:t>
             </a:r>
           </a:p>
           <a:p>
             <a:pPr lvl="1"/>
             <a:r>
-              <a:rPr lang="en-CA" sz="2400" dirty="0" smtClean="0"/>
+              <a:rPr lang="en-CA" sz="2400" dirty="0"/>
               <a:t>There is ambiguity in the grammar</a:t>
             </a:r>
-          </a:p>
-        </p:txBody>
-      </p:sp>
-      <p:sp>
-        <p:nvSpPr>
-          <p:cNvPr id="4" name="Date Placeholder 3"/>
-          <p:cNvSpPr>
-            <a:spLocks noGrp="1"/>
-          </p:cNvSpPr>
-          <p:nvPr>
-            <p:ph type="dt" sz="half" idx="10"/>
-          </p:nvPr>
-        </p:nvSpPr>
-        <p:spPr/>
-        <p:txBody>
-          <a:bodyPr/>
-          <a:lstStyle/>
-          <a:p>
-            <a:fld id="{EF36E096-31EA-354B-8AAC-9D7DF09A3C8D}" type="datetime1">
-              <a:rPr lang="en-US" smtClean="0"/>
-              <a:pPr/>
-              <a:t>16-06-21</a:t>
-            </a:fld>
-            <a:endParaRPr lang="en-US"/>
-          </a:p>
-        </p:txBody>
-      </p:sp>
-      <p:sp>
-        <p:nvSpPr>
-          <p:cNvPr id="5" name="Slide Number Placeholder 4"/>
-          <p:cNvSpPr>
-            <a:spLocks noGrp="1"/>
-          </p:cNvSpPr>
-          <p:nvPr>
-            <p:ph type="sldNum" sz="quarter" idx="12"/>
-          </p:nvPr>
-        </p:nvSpPr>
-        <p:spPr/>
-        <p:txBody>
-          <a:bodyPr/>
-          <a:lstStyle/>
-          <a:p>
-            <a:fld id="{EF43BF25-6C5C-E54C-A6BE-4C60D00A6801}" type="slidenum">
-              <a:rPr lang="en-US" smtClean="0"/>
-              <a:pPr/>
-              <a:t>11</a:t>
-            </a:fld>
-            <a:endParaRPr lang="en-US"/>
           </a:p>
         </p:txBody>
       </p:sp>
@@ -4465,13 +4281,6 @@
   <p:clrMapOvr>
     <a:masterClrMapping/>
   </p:clrMapOvr>
-  <p:timing>
-    <p:tnLst>
-      <p:par>
-        <p:cTn xmlns:p14="http://schemas.microsoft.com/office/powerpoint/2010/main" id="1" dur="indefinite" restart="never" nodeType="tmRoot"/>
-      </p:par>
-    </p:tnLst>
-  </p:timing>
 </p:sld>
 </file>
 
@@ -4509,13 +4318,8 @@
           <a:p>
             <a:r>
               <a:rPr lang="en-CA" dirty="0"/>
-              <a:t>When to shift/reduce</a:t>
-            </a:r>
-            <a:r>
-              <a:rPr lang="en-CA" dirty="0" smtClean="0"/>
-              <a:t>?</a:t>
-            </a:r>
-            <a:endParaRPr lang="en-CA" dirty="0"/>
+              <a:t>When to shift/reduce?</a:t>
+            </a:r>
           </a:p>
         </p:txBody>
       </p:sp>
@@ -4540,11 +4344,11 @@
           <a:lstStyle/>
           <a:p>
             <a:r>
-              <a:rPr lang="en-CA" dirty="0" smtClean="0"/>
+              <a:rPr lang="en-CA" dirty="0"/>
               <a:t>Consider step </a:t>
             </a:r>
             <a:r>
-              <a:rPr lang="en-CA" dirty="0" err="1" smtClean="0">
+              <a:rPr lang="en-CA" dirty="0" err="1">
                 <a:solidFill>
                   <a:schemeClr val="accent2"/>
                 </a:solidFill>
@@ -4552,7 +4356,7 @@
               <a:t>int</a:t>
             </a:r>
             <a:r>
-              <a:rPr lang="en-CA" dirty="0" smtClean="0">
+              <a:rPr lang="en-CA" dirty="0">
                 <a:solidFill>
                   <a:schemeClr val="accent2"/>
                 </a:solidFill>
@@ -4560,7 +4364,7 @@
               <a:t> </a:t>
             </a:r>
             <a:r>
-              <a:rPr lang="en-CA" dirty="0" smtClean="0">
+              <a:rPr lang="en-CA" dirty="0">
                 <a:solidFill>
                   <a:srgbClr val="FF0000"/>
                 </a:solidFill>
@@ -4568,7 +4372,7 @@
               <a:t>|</a:t>
             </a:r>
             <a:r>
-              <a:rPr lang="en-CA" dirty="0" smtClean="0">
+              <a:rPr lang="en-CA" dirty="0">
                 <a:solidFill>
                   <a:schemeClr val="accent2"/>
                 </a:solidFill>
@@ -4576,7 +4380,7 @@
               <a:t> * </a:t>
             </a:r>
             <a:r>
-              <a:rPr lang="en-CA" dirty="0" err="1" smtClean="0">
+              <a:rPr lang="en-CA" dirty="0" err="1">
                 <a:solidFill>
                   <a:schemeClr val="accent2"/>
                 </a:solidFill>
@@ -4584,7 +4388,7 @@
               <a:t>int</a:t>
             </a:r>
             <a:r>
-              <a:rPr lang="en-CA" dirty="0" smtClean="0">
+              <a:rPr lang="en-CA" dirty="0">
                 <a:solidFill>
                   <a:schemeClr val="accent2"/>
                 </a:solidFill>
@@ -4592,14 +4396,14 @@
               <a:t> + </a:t>
             </a:r>
             <a:r>
-              <a:rPr lang="en-CA" dirty="0" err="1" smtClean="0">
+              <a:rPr lang="en-CA" dirty="0" err="1">
                 <a:solidFill>
                   <a:schemeClr val="accent2"/>
                 </a:solidFill>
               </a:rPr>
               <a:t>int</a:t>
             </a:r>
-            <a:endParaRPr lang="en-CA" dirty="0" smtClean="0">
+            <a:endParaRPr lang="en-CA" dirty="0">
               <a:solidFill>
                 <a:schemeClr val="accent2"/>
               </a:solidFill>
@@ -4609,20 +4413,16 @@
             <a:pPr lvl="1"/>
             <a:r>
               <a:rPr lang="en-CA" dirty="0"/>
-              <a:t>We </a:t>
-            </a:r>
-            <a:r>
-              <a:rPr lang="en-CA" dirty="0" smtClean="0"/>
-              <a:t>should shift,</a:t>
-            </a:r>
-            <a:r>
-              <a:rPr lang="en-US" dirty="0" smtClean="0">
+              <a:t>We should shift,</a:t>
+            </a:r>
+            <a:r>
+              <a:rPr lang="en-US" dirty="0">
                 <a:sym typeface="Symbol" charset="2"/>
               </a:rPr>
               <a:t> </a:t>
             </a:r>
             <a:r>
-              <a:rPr lang="en-US" dirty="0" err="1" smtClean="0">
+              <a:rPr lang="en-US" dirty="0" err="1">
                 <a:solidFill>
                   <a:schemeClr val="accent2"/>
                 </a:solidFill>
@@ -4631,7 +4431,7 @@
               <a:t>int</a:t>
             </a:r>
             <a:r>
-              <a:rPr lang="en-US" dirty="0" smtClean="0">
+              <a:rPr lang="en-US" dirty="0">
                 <a:solidFill>
                   <a:schemeClr val="accent2"/>
                 </a:solidFill>
@@ -4640,7 +4440,7 @@
               <a:t> * </a:t>
             </a:r>
             <a:r>
-              <a:rPr lang="en-US" dirty="0" smtClean="0">
+              <a:rPr lang="en-US" dirty="0">
                 <a:solidFill>
                   <a:srgbClr val="FF0000"/>
                 </a:solidFill>
@@ -4649,7 +4449,7 @@
               <a:t>| </a:t>
             </a:r>
             <a:r>
-              <a:rPr lang="en-US" dirty="0" err="1" smtClean="0">
+              <a:rPr lang="en-US" dirty="0" err="1">
                 <a:solidFill>
                   <a:schemeClr val="accent2"/>
                 </a:solidFill>
@@ -4658,13 +4458,38 @@
               <a:t>int</a:t>
             </a:r>
             <a:r>
-              <a:rPr lang="en-US" dirty="0" smtClean="0">
+              <a:rPr lang="en-US" dirty="0">
                 <a:solidFill>
                   <a:schemeClr val="accent2"/>
                 </a:solidFill>
                 <a:sym typeface="Symbol" charset="2"/>
               </a:rPr>
-              <a:t> </a:t>
+              <a:t> +</a:t>
+            </a:r>
+            <a:r>
+              <a:rPr lang="en-US" dirty="0" err="1">
+                <a:solidFill>
+                  <a:schemeClr val="accent2"/>
+                </a:solidFill>
+                <a:sym typeface="Symbol" charset="2"/>
+              </a:rPr>
+              <a:t>int</a:t>
+            </a:r>
+            <a:endParaRPr lang="en-CA" dirty="0"/>
+          </a:p>
+          <a:p>
+            <a:pPr lvl="1"/>
+            <a:r>
+              <a:rPr lang="en-CA" dirty="0"/>
+              <a:t>We could reduce by </a:t>
+            </a:r>
+            <a:r>
+              <a:rPr lang="en-CA" dirty="0">
+                <a:solidFill>
+                  <a:schemeClr val="accent2"/>
+                </a:solidFill>
+              </a:rPr>
+              <a:t>T</a:t>
             </a:r>
             <a:r>
               <a:rPr lang="en-US" dirty="0">
@@ -4673,7 +4498,7 @@
                 </a:solidFill>
                 <a:sym typeface="Symbol" charset="2"/>
               </a:rPr>
-              <a:t>+</a:t>
+              <a:t> </a:t>
             </a:r>
             <a:r>
               <a:rPr lang="en-US" dirty="0" err="1">
@@ -4684,110 +4509,67 @@
               </a:rPr>
               <a:t>int</a:t>
             </a:r>
-            <a:endParaRPr lang="en-CA" dirty="0" smtClean="0"/>
-          </a:p>
-          <a:p>
-            <a:pPr lvl="1"/>
-            <a:r>
-              <a:rPr lang="en-CA" dirty="0" smtClean="0"/>
-              <a:t>We could reduce by </a:t>
-            </a:r>
-            <a:r>
-              <a:rPr lang="en-CA" dirty="0" smtClean="0">
+            <a:r>
+              <a:rPr lang="en-US" dirty="0">
+                <a:sym typeface="Symbol" charset="2"/>
+              </a:rPr>
+              <a:t> giving </a:t>
+            </a:r>
+            <a:r>
+              <a:rPr lang="en-US" dirty="0">
                 <a:solidFill>
                   <a:schemeClr val="accent2"/>
                 </a:solidFill>
+                <a:sym typeface="Symbol" charset="2"/>
               </a:rPr>
               <a:t>T</a:t>
             </a:r>
             <a:r>
               <a:rPr lang="en-US" dirty="0">
                 <a:solidFill>
+                  <a:srgbClr val="FF0000"/>
+                </a:solidFill>
+                <a:sym typeface="Symbol" charset="2"/>
+              </a:rPr>
+              <a:t>|</a:t>
+            </a:r>
+            <a:r>
+              <a:rPr lang="en-US" dirty="0">
+                <a:solidFill>
                   <a:schemeClr val="accent2"/>
                 </a:solidFill>
                 <a:sym typeface="Symbol" charset="2"/>
               </a:rPr>
-              <a:t> </a:t>
-            </a:r>
-            <a:r>
-              <a:rPr lang="en-US" dirty="0" smtClean="0">
+              <a:t>*</a:t>
+            </a:r>
+            <a:r>
+              <a:rPr lang="en-US" dirty="0" err="1">
                 <a:solidFill>
                   <a:schemeClr val="accent2"/>
                 </a:solidFill>
                 <a:sym typeface="Symbol" charset="2"/>
               </a:rPr>
-              <a:t></a:t>
-            </a:r>
-            <a:r>
-              <a:rPr lang="en-US" dirty="0" err="1" smtClean="0">
+              <a:t>int</a:t>
+            </a:r>
+            <a:r>
+              <a:rPr lang="en-US" dirty="0">
                 <a:solidFill>
                   <a:schemeClr val="accent2"/>
                 </a:solidFill>
                 <a:sym typeface="Symbol" charset="2"/>
               </a:rPr>
+              <a:t> +</a:t>
+            </a:r>
+            <a:r>
+              <a:rPr lang="en-US" dirty="0" err="1">
+                <a:solidFill>
+                  <a:schemeClr val="accent2"/>
+                </a:solidFill>
+                <a:sym typeface="Symbol" charset="2"/>
+              </a:rPr>
               <a:t>int</a:t>
             </a:r>
-            <a:r>
-              <a:rPr lang="en-US" dirty="0" smtClean="0">
-                <a:sym typeface="Symbol" charset="2"/>
-              </a:rPr>
-              <a:t> giving </a:t>
-            </a:r>
-            <a:r>
-              <a:rPr lang="en-US" dirty="0" smtClean="0">
-                <a:solidFill>
-                  <a:schemeClr val="accent2"/>
-                </a:solidFill>
-                <a:sym typeface="Symbol" charset="2"/>
-              </a:rPr>
-              <a:t>T</a:t>
-            </a:r>
-            <a:r>
-              <a:rPr lang="en-US" dirty="0" smtClean="0">
-                <a:solidFill>
-                  <a:srgbClr val="FF0000"/>
-                </a:solidFill>
-                <a:sym typeface="Symbol" charset="2"/>
-              </a:rPr>
-              <a:t>|</a:t>
-            </a:r>
-            <a:r>
-              <a:rPr lang="en-US" dirty="0" smtClean="0">
-                <a:solidFill>
-                  <a:schemeClr val="accent2"/>
-                </a:solidFill>
-                <a:sym typeface="Symbol" charset="2"/>
-              </a:rPr>
-              <a:t>*</a:t>
-            </a:r>
-            <a:r>
-              <a:rPr lang="en-US" dirty="0" err="1" smtClean="0">
-                <a:solidFill>
-                  <a:schemeClr val="accent2"/>
-                </a:solidFill>
-                <a:sym typeface="Symbol" charset="2"/>
-              </a:rPr>
-              <a:t>int</a:t>
-            </a:r>
-            <a:r>
-              <a:rPr lang="en-US" dirty="0" smtClean="0">
-                <a:solidFill>
-                  <a:schemeClr val="accent2"/>
-                </a:solidFill>
-                <a:sym typeface="Symbol" charset="2"/>
-              </a:rPr>
-              <a:t> +</a:t>
-            </a:r>
-            <a:r>
-              <a:rPr lang="en-US" dirty="0" err="1" smtClean="0">
-                <a:solidFill>
-                  <a:schemeClr val="accent2"/>
-                </a:solidFill>
-                <a:sym typeface="Symbol" charset="2"/>
-              </a:rPr>
-              <a:t>int</a:t>
-            </a:r>
-            <a:endParaRPr lang="en-US" dirty="0" smtClean="0">
+            <a:endParaRPr lang="en-US" dirty="0">
               <a:solidFill>
                 <a:schemeClr val="accent2"/>
               </a:solidFill>
@@ -4797,7 +4579,7 @@
           <a:p>
             <a:pPr lvl="1"/>
             <a:r>
-              <a:rPr lang="en-US" dirty="0" smtClean="0">
+              <a:rPr lang="en-US" dirty="0">
                 <a:sym typeface="Symbol" charset="2"/>
               </a:rPr>
               <a:t>It causes fatal error:</a:t>
@@ -4806,7 +4588,7 @@
           <a:p>
             <a:pPr lvl="2"/>
             <a:r>
-              <a:rPr lang="en-US" dirty="0" smtClean="0">
+              <a:rPr lang="en-US" dirty="0">
                 <a:sym typeface="Symbol" charset="2"/>
               </a:rPr>
               <a:t>No way to reduce to the start symbol E</a:t>
@@ -4815,13 +4597,13 @@
           <a:p>
             <a:pPr lvl="1"/>
             <a:r>
-              <a:rPr lang="en-US" dirty="0" smtClean="0">
+              <a:rPr lang="en-US" dirty="0">
                 <a:sym typeface="Symbol" charset="2"/>
               </a:rPr>
               <a:t>Reduce is possible, but it is </a:t>
             </a:r>
             <a:r>
-              <a:rPr lang="en-US" dirty="0" smtClean="0">
+              <a:rPr lang="en-US" dirty="0">
                 <a:solidFill>
                   <a:srgbClr val="FF0000"/>
                 </a:solidFill>
@@ -4829,54 +4611,6 @@
               </a:rPr>
               <a:t>not a valid action</a:t>
             </a:r>
-          </a:p>
-        </p:txBody>
-      </p:sp>
-      <p:sp>
-        <p:nvSpPr>
-          <p:cNvPr id="4" name="Date Placeholder 3"/>
-          <p:cNvSpPr>
-            <a:spLocks noGrp="1"/>
-          </p:cNvSpPr>
-          <p:nvPr>
-            <p:ph type="dt" sz="half" idx="10"/>
-          </p:nvPr>
-        </p:nvSpPr>
-        <p:spPr/>
-        <p:txBody>
-          <a:bodyPr/>
-          <a:lstStyle/>
-          <a:p>
-            <a:fld id="{EF36E096-31EA-354B-8AAC-9D7DF09A3C8D}" type="datetime1">
-              <a:rPr lang="en-US" smtClean="0"/>
-              <a:pPr/>
-              <a:t>16-06-21</a:t>
-            </a:fld>
-            <a:endParaRPr lang="en-US"/>
-          </a:p>
-        </p:txBody>
-      </p:sp>
-      <p:sp>
-        <p:nvSpPr>
-          <p:cNvPr id="5" name="Slide Number Placeholder 4"/>
-          <p:cNvSpPr>
-            <a:spLocks noGrp="1"/>
-          </p:cNvSpPr>
-          <p:nvPr>
-            <p:ph type="sldNum" sz="quarter" idx="12"/>
-          </p:nvPr>
-        </p:nvSpPr>
-        <p:spPr/>
-        <p:txBody>
-          <a:bodyPr/>
-          <a:lstStyle/>
-          <a:p>
-            <a:fld id="{EF43BF25-6C5C-E54C-A6BE-4C60D00A6801}" type="slidenum">
-              <a:rPr lang="en-US" smtClean="0"/>
-              <a:pPr/>
-              <a:t>12</a:t>
-            </a:fld>
-            <a:endParaRPr lang="en-US"/>
           </a:p>
         </p:txBody>
       </p:sp>
@@ -4935,19 +4669,7 @@
               <a:rPr lang="en-US" sz="2000" dirty="0">
                 <a:sym typeface="Symbol" charset="2"/>
               </a:rPr>
-              <a:t>T</a:t>
-            </a:r>
-            <a:r>
-              <a:rPr lang="en-US" sz="2000" dirty="0" smtClean="0">
-                <a:sym typeface="Symbol" charset="2"/>
-              </a:rPr>
-              <a:t> + </a:t>
-            </a:r>
-            <a:r>
-              <a:rPr lang="en-US" sz="2000" dirty="0">
-                <a:sym typeface="Symbol" charset="2"/>
-              </a:rPr>
-              <a:t>E</a:t>
+              <a:t>T + E</a:t>
             </a:r>
           </a:p>
           <a:p>
@@ -4969,13 +4691,13 @@
               <a:t> </a:t>
             </a:r>
             <a:r>
-              <a:rPr lang="en-US" sz="2000" dirty="0" smtClean="0">
+              <a:rPr lang="en-US" sz="2000" dirty="0">
                 <a:sym typeface="Symbol" charset="2"/>
               </a:rPr>
               <a:t>T</a:t>
             </a:r>
             <a:br>
-              <a:rPr lang="en-US" sz="2000" dirty="0" smtClean="0">
+              <a:rPr lang="en-US" sz="2000" dirty="0">
                 <a:sym typeface="Symbol" charset="2"/>
               </a:rPr>
             </a:br>
@@ -5004,12 +4726,12 @@
               <a:t> </a:t>
             </a:r>
             <a:r>
-              <a:rPr lang="en-US" sz="2000" dirty="0" err="1" smtClean="0">
+              <a:rPr lang="en-US" sz="2000" dirty="0" err="1">
                 <a:sym typeface="Symbol" charset="2"/>
               </a:rPr>
               <a:t>int</a:t>
             </a:r>
-            <a:endParaRPr lang="en-US" sz="2000" dirty="0" smtClean="0">
+            <a:endParaRPr lang="en-US" sz="2000" dirty="0">
               <a:sym typeface="Symbol" charset="2"/>
             </a:endParaRPr>
           </a:p>
@@ -5038,20 +4760,17 @@
               <a:t> </a:t>
             </a:r>
             <a:r>
-              <a:rPr lang="en-US" sz="2000" dirty="0" err="1" smtClean="0">
+              <a:rPr lang="en-US" sz="2000" dirty="0" err="1">
                 <a:sym typeface="Symbol" charset="2"/>
               </a:rPr>
               <a:t>int</a:t>
             </a:r>
             <a:r>
-              <a:rPr lang="en-US" sz="2000" dirty="0" smtClean="0">
+              <a:rPr lang="en-US" sz="2000" dirty="0">
                 <a:sym typeface="Symbol" charset="2"/>
               </a:rPr>
               <a:t> * T</a:t>
             </a:r>
-            <a:endParaRPr lang="en-US" sz="2000" dirty="0">
-              <a:sym typeface="Symbol" charset="2"/>
-            </a:endParaRPr>
           </a:p>
           <a:p>
             <a:pPr eaLnBrk="1" hangingPunct="1">
@@ -5063,13 +4782,7 @@
               <a:rPr lang="en-US" sz="2000" dirty="0">
                 <a:sym typeface="Symbol" charset="2"/>
               </a:rPr>
-              <a:t>T</a:t>
-            </a:r>
-            <a:r>
-              <a:rPr lang="en-US" sz="2000" dirty="0" smtClean="0">
-                <a:sym typeface="Symbol" charset="2"/>
-              </a:rPr>
-              <a:t> </a:t>
+              <a:t>T </a:t>
             </a:r>
             <a:r>
               <a:rPr lang="en-US" sz="2000" b="1" dirty="0">
@@ -5081,17 +4794,8 @@
               <a:rPr lang="en-US" sz="2000" dirty="0">
                 <a:sym typeface="Symbol" charset="2"/>
               </a:rPr>
-              <a:t>( E </a:t>
-            </a:r>
-            <a:r>
-              <a:rPr lang="en-US" sz="2000" dirty="0" smtClean="0">
-                <a:sym typeface="Symbol" charset="2"/>
-              </a:rPr>
-              <a:t>)</a:t>
-            </a:r>
-            <a:endParaRPr lang="en-US" sz="2000" dirty="0">
-              <a:sym typeface="Symbol" charset="2"/>
-            </a:endParaRPr>
+              <a:t>( E )</a:t>
+            </a:r>
           </a:p>
         </p:txBody>
       </p:sp>
@@ -5108,7 +4812,7 @@
   <p:timing>
     <p:tnLst>
       <p:par>
-        <p:cTn xmlns:p14="http://schemas.microsoft.com/office/powerpoint/2010/main" id="1" dur="indefinite" restart="never" nodeType="tmRoot">
+        <p:cTn id="1" dur="indefinite" restart="never" nodeType="tmRoot">
           <p:childTnLst>
             <p:seq concurrent="1" nextAc="seek">
               <p:cTn id="2" dur="indefinite" nodeType="mainSeq">
@@ -5459,10 +5163,9 @@
           <a:lstStyle/>
           <a:p>
             <a:r>
-              <a:rPr lang="en-CA" dirty="0" smtClean="0"/>
+              <a:rPr lang="en-CA" dirty="0"/>
               <a:t>Handles</a:t>
             </a:r>
-            <a:endParaRPr lang="en-CA" dirty="0"/>
           </a:p>
         </p:txBody>
       </p:sp>
@@ -5482,20 +5185,20 @@
           <a:lstStyle/>
           <a:p>
             <a:r>
-              <a:rPr lang="en-CA" dirty="0" smtClean="0"/>
+              <a:rPr lang="en-CA" dirty="0"/>
               <a:t>Intuition: we want to reduce only if the result can still be reduced to the start symbol</a:t>
             </a:r>
           </a:p>
           <a:p>
             <a:r>
-              <a:rPr lang="en-CA" dirty="0" smtClean="0"/>
+              <a:rPr lang="en-CA" dirty="0"/>
               <a:t>Assume a rightmost derivation </a:t>
             </a:r>
           </a:p>
           <a:p>
             <a:pPr lvl="1"/>
             <a:r>
-              <a:rPr lang="en-US" dirty="0" smtClean="0">
+              <a:rPr lang="en-US" dirty="0">
                 <a:solidFill>
                   <a:schemeClr val="accent2"/>
                 </a:solidFill>
@@ -5506,7 +5209,7 @@
               <a:t>S</a:t>
             </a:r>
             <a:r>
-              <a:rPr lang="en-US" dirty="0" smtClean="0">
+              <a:rPr lang="en-US" dirty="0">
                 <a:solidFill>
                   <a:schemeClr val="accent2"/>
                 </a:solidFill>
@@ -5515,7 +5218,7 @@
               <a:t> *</a:t>
             </a:r>
             <a:r>
-              <a:rPr lang="en-US" dirty="0" smtClean="0">
+              <a:rPr lang="en-US" dirty="0">
                 <a:solidFill>
                   <a:schemeClr val="accent2"/>
                 </a:solidFill>
@@ -5526,7 +5229,7 @@
               <a:t> 𝜶X𝝎 </a:t>
             </a:r>
             <a:r>
-              <a:rPr lang="en-US" dirty="0" smtClean="0">
+              <a:rPr lang="en-US" dirty="0">
                 <a:solidFill>
                   <a:schemeClr val="accent2"/>
                 </a:solidFill>
@@ -5535,7 +5238,7 @@
               <a:t></a:t>
             </a:r>
             <a:r>
-              <a:rPr lang="en-US" dirty="0" smtClean="0">
+              <a:rPr lang="en-US" dirty="0">
                 <a:solidFill>
                   <a:schemeClr val="accent2"/>
                 </a:solidFill>
@@ -5543,7 +5246,16 @@
                 <a:ea typeface="Cambria Math"/>
                 <a:sym typeface="Symbol" charset="2"/>
               </a:rPr>
-              <a:t> </a:t>
+              <a:t> 𝜶𝜷𝝎</a:t>
+            </a:r>
+          </a:p>
+          <a:p>
+            <a:endParaRPr lang="en-CA" dirty="0"/>
+          </a:p>
+          <a:p>
+            <a:r>
+              <a:rPr lang="en-CA" dirty="0"/>
+              <a:t>Then </a:t>
             </a:r>
             <a:r>
               <a:rPr lang="en-US" dirty="0">
@@ -5554,19 +5266,26 @@
                 <a:ea typeface="Cambria Math"/>
                 <a:sym typeface="Symbol" charset="2"/>
               </a:rPr>
-              <a:t>𝜶𝜷𝝎</a:t>
-            </a:r>
-          </a:p>
-          <a:p>
-            <a:endParaRPr lang="en-CA" dirty="0" smtClean="0"/>
-          </a:p>
-          <a:p>
-            <a:r>
-              <a:rPr lang="en-CA" dirty="0" smtClean="0"/>
-              <a:t>Then </a:t>
-            </a:r>
-            <a:r>
-              <a:rPr lang="en-US" dirty="0" smtClean="0">
+              <a:t>𝜶𝜷 </a:t>
+            </a:r>
+            <a:r>
+              <a:rPr lang="en-CA" dirty="0"/>
+              <a:t>is a </a:t>
+            </a:r>
+            <a:r>
+              <a:rPr lang="en-CA" dirty="0">
+                <a:solidFill>
+                  <a:srgbClr val="FF0000"/>
+                </a:solidFill>
+              </a:rPr>
+              <a:t>handle</a:t>
+            </a:r>
+            <a:r>
+              <a:rPr lang="en-CA" dirty="0"/>
+              <a:t> of </a:t>
+            </a:r>
+            <a:r>
+              <a:rPr lang="en-US" dirty="0">
                 <a:solidFill>
                   <a:schemeClr val="accent2"/>
                 </a:solidFill>
@@ -5574,125 +5293,50 @@
                 <a:ea typeface="Cambria Math"/>
                 <a:sym typeface="Symbol" charset="2"/>
               </a:rPr>
-              <a:t>𝜶𝜷 </a:t>
-            </a:r>
-            <a:r>
-              <a:rPr lang="en-CA" dirty="0" smtClean="0"/>
-              <a:t>is a </a:t>
-            </a:r>
-            <a:r>
-              <a:rPr lang="en-CA" dirty="0" smtClean="0">
-                <a:solidFill>
-                  <a:srgbClr val="FF0000"/>
-                </a:solidFill>
-              </a:rPr>
-              <a:t>handle</a:t>
-            </a:r>
-            <a:r>
-              <a:rPr lang="en-CA" dirty="0" smtClean="0"/>
-              <a:t> of </a:t>
-            </a:r>
-            <a:r>
-              <a:rPr lang="en-US" dirty="0" smtClean="0">
-                <a:solidFill>
-                  <a:schemeClr val="accent2"/>
-                </a:solidFill>
+              <a:t>𝜶𝜷𝝎</a:t>
+            </a:r>
+          </a:p>
+          <a:p>
+            <a:pPr lvl="1"/>
+            <a:r>
+              <a:rPr lang="en-US" dirty="0">
                 <a:latin typeface="Cambria Math"/>
                 <a:ea typeface="Cambria Math"/>
                 <a:sym typeface="Symbol" charset="2"/>
               </a:rPr>
-              <a:t>𝜶𝜷𝝎</a:t>
-            </a:r>
-          </a:p>
-          <a:p>
-            <a:pPr lvl="1"/>
-            <a:r>
-              <a:rPr lang="en-US" dirty="0" smtClean="0">
+              <a:t>It says: it is OK to reduce</a:t>
+            </a:r>
+            <a:r>
+              <a:rPr lang="en-US" dirty="0">
+                <a:solidFill>
+                  <a:schemeClr val="accent2"/>
+                </a:solidFill>
                 <a:latin typeface="Cambria Math"/>
                 <a:ea typeface="Cambria Math"/>
                 <a:sym typeface="Symbol" charset="2"/>
               </a:rPr>
-              <a:t>It says: it is OK to reduce</a:t>
-            </a:r>
-            <a:r>
-              <a:rPr lang="en-US" dirty="0" smtClean="0">
-                <a:solidFill>
-                  <a:schemeClr val="accent2"/>
-                </a:solidFill>
+              <a:t> 𝜷 </a:t>
+            </a:r>
+            <a:r>
+              <a:rPr lang="en-US" dirty="0">
                 <a:latin typeface="Cambria Math"/>
                 <a:ea typeface="Cambria Math"/>
                 <a:sym typeface="Symbol" charset="2"/>
               </a:rPr>
-              <a:t> 𝜷 </a:t>
-            </a:r>
-            <a:r>
-              <a:rPr lang="en-US" dirty="0" smtClean="0">
+              <a:t>to</a:t>
+            </a:r>
+            <a:r>
+              <a:rPr lang="en-US" dirty="0">
+                <a:solidFill>
+                  <a:schemeClr val="accent2"/>
+                </a:solidFill>
                 <a:latin typeface="Cambria Math"/>
                 <a:ea typeface="Cambria Math"/>
                 <a:sym typeface="Symbol" charset="2"/>
               </a:rPr>
-              <a:t>to</a:t>
-            </a:r>
-            <a:r>
-              <a:rPr lang="en-US" dirty="0" smtClean="0">
-                <a:solidFill>
-                  <a:schemeClr val="accent2"/>
-                </a:solidFill>
-                <a:latin typeface="Cambria Math"/>
-                <a:ea typeface="Cambria Math"/>
-                <a:sym typeface="Symbol" charset="2"/>
-              </a:rPr>
               <a:t>  X</a:t>
             </a:r>
             <a:endParaRPr lang="en-CA" dirty="0"/>
-          </a:p>
-        </p:txBody>
-      </p:sp>
-      <p:sp>
-        <p:nvSpPr>
-          <p:cNvPr id="4" name="Date Placeholder 3"/>
-          <p:cNvSpPr>
-            <a:spLocks noGrp="1"/>
-          </p:cNvSpPr>
-          <p:nvPr>
-            <p:ph type="dt" sz="half" idx="10"/>
-          </p:nvPr>
-        </p:nvSpPr>
-        <p:spPr/>
-        <p:txBody>
-          <a:bodyPr/>
-          <a:lstStyle/>
-          <a:p>
-            <a:fld id="{EF36E096-31EA-354B-8AAC-9D7DF09A3C8D}" type="datetime1">
-              <a:rPr lang="en-US" smtClean="0"/>
-              <a:pPr/>
-              <a:t>16-06-21</a:t>
-            </a:fld>
-            <a:endParaRPr lang="en-US"/>
-          </a:p>
-        </p:txBody>
-      </p:sp>
-      <p:sp>
-        <p:nvSpPr>
-          <p:cNvPr id="5" name="Slide Number Placeholder 4"/>
-          <p:cNvSpPr>
-            <a:spLocks noGrp="1"/>
-          </p:cNvSpPr>
-          <p:nvPr>
-            <p:ph type="sldNum" sz="quarter" idx="12"/>
-          </p:nvPr>
-        </p:nvSpPr>
-        <p:spPr/>
-        <p:txBody>
-          <a:bodyPr/>
-          <a:lstStyle/>
-          <a:p>
-            <a:fld id="{EF43BF25-6C5C-E54C-A6BE-4C60D00A6801}" type="slidenum">
-              <a:rPr lang="en-US" smtClean="0"/>
-              <a:pPr/>
-              <a:t>13</a:t>
-            </a:fld>
-            <a:endParaRPr lang="en-US"/>
           </a:p>
         </p:txBody>
       </p:sp>
@@ -5747,10 +5391,9 @@
           <a:lstStyle/>
           <a:p>
             <a:r>
-              <a:rPr lang="en-CA" dirty="0" smtClean="0"/>
+              <a:rPr lang="en-CA" dirty="0"/>
               <a:t>reduction</a:t>
             </a:r>
-            <a:endParaRPr lang="en-CA" dirty="0"/>
           </a:p>
         </p:txBody>
       </p:sp>
@@ -5767,7 +5410,7 @@
   <p:timing>
     <p:tnLst>
       <p:par>
-        <p:cTn xmlns:p14="http://schemas.microsoft.com/office/powerpoint/2010/main" id="1" dur="indefinite" restart="never" nodeType="tmRoot">
+        <p:cTn id="1" dur="indefinite" restart="never" nodeType="tmRoot">
           <p:childTnLst>
             <p:seq concurrent="1" nextAc="seek">
               <p:cTn id="2" dur="indefinite" nodeType="mainSeq">
@@ -5985,10 +5628,9 @@
           <a:lstStyle/>
           <a:p>
             <a:r>
-              <a:rPr lang="en-CA" dirty="0" smtClean="0"/>
+              <a:rPr lang="en-CA" dirty="0"/>
               <a:t>Handles</a:t>
             </a:r>
-            <a:endParaRPr lang="en-CA" dirty="0"/>
           </a:p>
         </p:txBody>
       </p:sp>
@@ -6013,25 +5655,25 @@
           <a:lstStyle/>
           <a:p>
             <a:r>
-              <a:rPr lang="en-CA" sz="2800" dirty="0" smtClean="0"/>
+              <a:rPr lang="en-CA" sz="2800" dirty="0"/>
               <a:t>Handles formalize the intuition</a:t>
             </a:r>
           </a:p>
           <a:p>
             <a:pPr lvl="1"/>
             <a:r>
-              <a:rPr lang="en-CA" sz="2400" dirty="0" smtClean="0"/>
+              <a:rPr lang="en-CA" sz="2400" dirty="0"/>
               <a:t>A handle  is a reduction that also allows further reductions back to the start symbol</a:t>
             </a:r>
           </a:p>
           <a:p>
             <a:r>
-              <a:rPr lang="en-CA" sz="2800" dirty="0" smtClean="0"/>
+              <a:rPr lang="en-CA" sz="2800" dirty="0"/>
               <a:t>We only want to reduce at handles</a:t>
             </a:r>
           </a:p>
           <a:p>
-            <a:endParaRPr lang="en-CA" sz="2800" dirty="0" smtClean="0">
+            <a:endParaRPr lang="en-CA" sz="2800" dirty="0">
               <a:solidFill>
                 <a:schemeClr val="accent2"/>
               </a:solidFill>
@@ -6039,7 +5681,7 @@
           </a:p>
           <a:p>
             <a:r>
-              <a:rPr lang="en-CA" sz="2800" dirty="0" smtClean="0">
+              <a:rPr lang="en-CA" sz="2800" dirty="0">
                 <a:solidFill>
                   <a:schemeClr val="accent2"/>
                 </a:solidFill>
@@ -6047,11 +5689,11 @@
               <a:t>Important Fact:</a:t>
             </a:r>
             <a:r>
-              <a:rPr lang="en-CA" sz="2800" dirty="0" smtClean="0"/>
+              <a:rPr lang="en-CA" sz="2800" dirty="0"/>
               <a:t> Handles just appear on </a:t>
             </a:r>
             <a:r>
-              <a:rPr lang="en-CA" sz="2800" dirty="0" smtClean="0">
+              <a:rPr lang="en-CA" sz="2800" dirty="0">
                 <a:solidFill>
                   <a:srgbClr val="FF0000"/>
                 </a:solidFill>
@@ -6059,60 +5701,12 @@
               <a:t>top of the stack</a:t>
             </a:r>
             <a:r>
-              <a:rPr lang="en-CA" sz="2800" dirty="0" smtClean="0"/>
+              <a:rPr lang="en-CA" sz="2800" dirty="0"/>
               <a:t>, never inside</a:t>
             </a:r>
           </a:p>
           <a:p>
             <a:endParaRPr lang="en-CA" sz="2800" dirty="0"/>
-          </a:p>
-        </p:txBody>
-      </p:sp>
-      <p:sp>
-        <p:nvSpPr>
-          <p:cNvPr id="4" name="Date Placeholder 3"/>
-          <p:cNvSpPr>
-            <a:spLocks noGrp="1"/>
-          </p:cNvSpPr>
-          <p:nvPr>
-            <p:ph type="dt" sz="half" idx="10"/>
-          </p:nvPr>
-        </p:nvSpPr>
-        <p:spPr/>
-        <p:txBody>
-          <a:bodyPr/>
-          <a:lstStyle/>
-          <a:p>
-            <a:fld id="{EF36E096-31EA-354B-8AAC-9D7DF09A3C8D}" type="datetime1">
-              <a:rPr lang="en-US" smtClean="0"/>
-              <a:pPr/>
-              <a:t>16-06-21</a:t>
-            </a:fld>
-            <a:endParaRPr lang="en-US"/>
-          </a:p>
-        </p:txBody>
-      </p:sp>
-      <p:sp>
-        <p:nvSpPr>
-          <p:cNvPr id="5" name="Slide Number Placeholder 4"/>
-          <p:cNvSpPr>
-            <a:spLocks noGrp="1"/>
-          </p:cNvSpPr>
-          <p:nvPr>
-            <p:ph type="sldNum" sz="quarter" idx="12"/>
-          </p:nvPr>
-        </p:nvSpPr>
-        <p:spPr/>
-        <p:txBody>
-          <a:bodyPr/>
-          <a:lstStyle/>
-          <a:p>
-            <a:fld id="{EF43BF25-6C5C-E54C-A6BE-4C60D00A6801}" type="slidenum">
-              <a:rPr lang="en-US" smtClean="0"/>
-              <a:pPr/>
-              <a:t>14</a:t>
-            </a:fld>
-            <a:endParaRPr lang="en-US"/>
           </a:p>
         </p:txBody>
       </p:sp>
@@ -6129,7 +5723,7 @@
   <p:timing>
     <p:tnLst>
       <p:par>
-        <p:cTn xmlns:p14="http://schemas.microsoft.com/office/powerpoint/2010/main" id="1" dur="indefinite" restart="never" nodeType="tmRoot">
+        <p:cTn id="1" dur="indefinite" restart="never" nodeType="tmRoot">
           <p:childTnLst>
             <p:seq concurrent="1" nextAc="seek">
               <p:cTn id="2" dur="indefinite" nodeType="mainSeq">
@@ -6241,10 +5835,9 @@
           <a:lstStyle/>
           <a:p>
             <a:r>
-              <a:rPr lang="en-CA" dirty="0" smtClean="0"/>
+              <a:rPr lang="en-CA" dirty="0"/>
               <a:t>Recognizing Handles</a:t>
             </a:r>
-            <a:endParaRPr lang="en-CA" dirty="0"/>
           </a:p>
         </p:txBody>
       </p:sp>
@@ -6270,70 +5863,21 @@
           </a:p>
           <a:p>
             <a:r>
-              <a:rPr lang="en-CA" dirty="0" smtClean="0"/>
+              <a:rPr lang="en-CA" dirty="0"/>
               <a:t>No efficient algorithms to recognize handles</a:t>
             </a:r>
           </a:p>
           <a:p>
             <a:r>
-              <a:rPr lang="en-CA" dirty="0" smtClean="0"/>
+              <a:rPr lang="en-CA" dirty="0"/>
               <a:t>There are good heuristics for guessing handles</a:t>
             </a:r>
           </a:p>
           <a:p>
             <a:r>
-              <a:rPr lang="en-CA" dirty="0" smtClean="0"/>
+              <a:rPr lang="en-CA" dirty="0"/>
               <a:t>On some CFGs, the heuristics always work correctly</a:t>
             </a:r>
-            <a:endParaRPr lang="en-CA" dirty="0"/>
-          </a:p>
-        </p:txBody>
-      </p:sp>
-      <p:sp>
-        <p:nvSpPr>
-          <p:cNvPr id="4" name="Date Placeholder 3"/>
-          <p:cNvSpPr>
-            <a:spLocks noGrp="1"/>
-          </p:cNvSpPr>
-          <p:nvPr>
-            <p:ph type="dt" sz="half" idx="10"/>
-          </p:nvPr>
-        </p:nvSpPr>
-        <p:spPr/>
-        <p:txBody>
-          <a:bodyPr/>
-          <a:lstStyle/>
-          <a:p>
-            <a:fld id="{EF36E096-31EA-354B-8AAC-9D7DF09A3C8D}" type="datetime1">
-              <a:rPr lang="en-US" smtClean="0"/>
-              <a:pPr/>
-              <a:t>16-06-21</a:t>
-            </a:fld>
-            <a:endParaRPr lang="en-US"/>
-          </a:p>
-        </p:txBody>
-      </p:sp>
-      <p:sp>
-        <p:nvSpPr>
-          <p:cNvPr id="5" name="Slide Number Placeholder 4"/>
-          <p:cNvSpPr>
-            <a:spLocks noGrp="1"/>
-          </p:cNvSpPr>
-          <p:nvPr>
-            <p:ph type="sldNum" sz="quarter" idx="12"/>
-          </p:nvPr>
-        </p:nvSpPr>
-        <p:spPr/>
-        <p:txBody>
-          <a:bodyPr/>
-          <a:lstStyle/>
-          <a:p>
-            <a:fld id="{EF43BF25-6C5C-E54C-A6BE-4C60D00A6801}" type="slidenum">
-              <a:rPr lang="en-US" smtClean="0"/>
-              <a:pPr/>
-              <a:t>15</a:t>
-            </a:fld>
-            <a:endParaRPr lang="en-US"/>
           </a:p>
         </p:txBody>
       </p:sp>
@@ -6347,13 +5891,6 @@
   <p:clrMapOvr>
     <a:masterClrMapping/>
   </p:clrMapOvr>
-  <p:timing>
-    <p:tnLst>
-      <p:par>
-        <p:cTn xmlns:p14="http://schemas.microsoft.com/office/powerpoint/2010/main" id="1" dur="indefinite" restart="never" nodeType="tmRoot"/>
-      </p:par>
-    </p:tnLst>
-  </p:timing>
 </p:sld>
 </file>
 
@@ -6390,10 +5927,9 @@
           <a:lstStyle/>
           <a:p>
             <a:r>
-              <a:rPr lang="en-CA" dirty="0" smtClean="0"/>
+              <a:rPr lang="en-CA" dirty="0"/>
               <a:t>Bottom-up Parsing Algorithms</a:t>
             </a:r>
-            <a:endParaRPr lang="en-CA" dirty="0"/>
           </a:p>
         </p:txBody>
       </p:sp>
@@ -6413,7 +5949,7 @@
           <a:lstStyle/>
           <a:p>
             <a:r>
-              <a:rPr lang="en-CA" dirty="0" smtClean="0">
+              <a:rPr lang="en-CA" dirty="0">
                 <a:solidFill>
                   <a:srgbClr val="FF0000"/>
                 </a:solidFill>
@@ -6421,11 +5957,11 @@
               <a:t>LR</a:t>
             </a:r>
             <a:r>
-              <a:rPr lang="en-CA" dirty="0" smtClean="0"/>
+              <a:rPr lang="en-CA" dirty="0"/>
               <a:t>(</a:t>
             </a:r>
             <a:r>
-              <a:rPr lang="en-CA" dirty="0" smtClean="0">
+              <a:rPr lang="en-CA" dirty="0">
                 <a:solidFill>
                   <a:srgbClr val="FF0000"/>
                 </a:solidFill>
@@ -6433,14 +5969,14 @@
               <a:t>k</a:t>
             </a:r>
             <a:r>
-              <a:rPr lang="en-CA" dirty="0" smtClean="0"/>
+              <a:rPr lang="en-CA" dirty="0"/>
               <a:t>) parsing:</a:t>
             </a:r>
           </a:p>
           <a:p>
             <a:pPr lvl="1"/>
             <a:r>
-              <a:rPr lang="en-CA" dirty="0" smtClean="0">
+              <a:rPr lang="en-CA" dirty="0">
                 <a:solidFill>
                   <a:srgbClr val="FF0000"/>
                 </a:solidFill>
@@ -6448,11 +5984,11 @@
               <a:t>L</a:t>
             </a:r>
             <a:r>
-              <a:rPr lang="en-CA" dirty="0" smtClean="0"/>
+              <a:rPr lang="en-CA" dirty="0"/>
               <a:t>: scan input </a:t>
             </a:r>
             <a:r>
-              <a:rPr lang="en-CA" dirty="0" smtClean="0">
+              <a:rPr lang="en-CA" dirty="0">
                 <a:solidFill>
                   <a:srgbClr val="FF0000"/>
                 </a:solidFill>
@@ -6460,14 +5996,14 @@
               <a:t>L</a:t>
             </a:r>
             <a:r>
-              <a:rPr lang="en-CA" dirty="0" smtClean="0"/>
+              <a:rPr lang="en-CA" dirty="0"/>
               <a:t>eft-to-right</a:t>
             </a:r>
           </a:p>
           <a:p>
             <a:pPr lvl="1"/>
             <a:r>
-              <a:rPr lang="en-CA" dirty="0" smtClean="0">
+              <a:rPr lang="en-CA" dirty="0">
                 <a:solidFill>
                   <a:srgbClr val="FF0000"/>
                 </a:solidFill>
@@ -6475,11 +6011,11 @@
               <a:t>R</a:t>
             </a:r>
             <a:r>
-              <a:rPr lang="en-CA" dirty="0" smtClean="0"/>
+              <a:rPr lang="en-CA" dirty="0"/>
               <a:t>: produce </a:t>
             </a:r>
             <a:r>
-              <a:rPr lang="en-CA" dirty="0" smtClean="0">
+              <a:rPr lang="en-CA" dirty="0">
                 <a:solidFill>
                   <a:srgbClr val="FF0000"/>
                 </a:solidFill>
@@ -6487,14 +6023,14 @@
               <a:t>R</a:t>
             </a:r>
             <a:r>
-              <a:rPr lang="en-CA" dirty="0" smtClean="0"/>
+              <a:rPr lang="en-CA" dirty="0"/>
               <a:t>ightmost derivation</a:t>
             </a:r>
           </a:p>
           <a:p>
             <a:pPr lvl="1"/>
             <a:r>
-              <a:rPr lang="en-CA" dirty="0" smtClean="0">
+              <a:rPr lang="en-CA" dirty="0">
                 <a:solidFill>
                   <a:srgbClr val="FF0000"/>
                 </a:solidFill>
@@ -6502,25 +6038,25 @@
               <a:t>k</a:t>
             </a:r>
             <a:r>
-              <a:rPr lang="en-CA" dirty="0" smtClean="0"/>
+              <a:rPr lang="en-CA" dirty="0"/>
               <a:t>: tokens of </a:t>
             </a:r>
             <a:r>
-              <a:rPr lang="en-CA" dirty="0" err="1" smtClean="0"/>
+              <a:rPr lang="en-CA" dirty="0" err="1"/>
               <a:t>lookahead</a:t>
             </a:r>
             <a:r>
-              <a:rPr lang="en-CA" dirty="0" smtClean="0"/>
+              <a:rPr lang="en-CA" dirty="0"/>
               <a:t> (in practice k=1)</a:t>
             </a:r>
           </a:p>
           <a:p>
             <a:r>
-              <a:rPr lang="en-CA" dirty="0" smtClean="0"/>
+              <a:rPr lang="en-CA" dirty="0"/>
               <a:t>LR(</a:t>
             </a:r>
             <a:r>
-              <a:rPr lang="en-CA" dirty="0" smtClean="0">
+              <a:rPr lang="en-CA" dirty="0">
                 <a:solidFill>
                   <a:srgbClr val="FF0000"/>
                 </a:solidFill>
@@ -6528,11 +6064,11 @@
               <a:t>0</a:t>
             </a:r>
             <a:r>
-              <a:rPr lang="en-CA" dirty="0" smtClean="0"/>
+              <a:rPr lang="en-CA" dirty="0"/>
               <a:t>): </a:t>
             </a:r>
             <a:r>
-              <a:rPr lang="en-CA" dirty="0" smtClean="0">
+              <a:rPr lang="en-CA" dirty="0">
                 <a:solidFill>
                   <a:srgbClr val="FF0000"/>
                 </a:solidFill>
@@ -6540,75 +6076,26 @@
               <a:t>zero</a:t>
             </a:r>
             <a:r>
-              <a:rPr lang="en-CA" dirty="0" smtClean="0"/>
+              <a:rPr lang="en-CA" dirty="0"/>
               <a:t> tokens of </a:t>
             </a:r>
             <a:r>
-              <a:rPr lang="en-CA" dirty="0" err="1" smtClean="0"/>
+              <a:rPr lang="en-CA" dirty="0" err="1"/>
               <a:t>lookahead</a:t>
             </a:r>
-            <a:endParaRPr lang="en-CA" dirty="0" smtClean="0"/>
-          </a:p>
-          <a:p>
-            <a:r>
-              <a:rPr lang="en-CA" dirty="0" smtClean="0"/>
+            <a:endParaRPr lang="en-CA" dirty="0"/>
+          </a:p>
+          <a:p>
+            <a:r>
+              <a:rPr lang="en-CA" dirty="0"/>
               <a:t>SLR: Simple LR, similar to LR(0), but uses Follow sets</a:t>
             </a:r>
           </a:p>
           <a:p>
             <a:r>
-              <a:rPr lang="en-CA" dirty="0" smtClean="0"/>
+              <a:rPr lang="en-CA" dirty="0"/>
               <a:t>LALR(k)</a:t>
             </a:r>
-            <a:endParaRPr lang="en-CA" dirty="0"/>
-          </a:p>
-        </p:txBody>
-      </p:sp>
-      <p:sp>
-        <p:nvSpPr>
-          <p:cNvPr id="4" name="Date Placeholder 3"/>
-          <p:cNvSpPr>
-            <a:spLocks noGrp="1"/>
-          </p:cNvSpPr>
-          <p:nvPr>
-            <p:ph type="dt" sz="half" idx="10"/>
-          </p:nvPr>
-        </p:nvSpPr>
-        <p:spPr/>
-        <p:txBody>
-          <a:bodyPr/>
-          <a:lstStyle/>
-          <a:p>
-            <a:fld id="{EF36E096-31EA-354B-8AAC-9D7DF09A3C8D}" type="datetime1">
-              <a:rPr lang="en-US" smtClean="0"/>
-              <a:pPr/>
-              <a:t>16-06-21</a:t>
-            </a:fld>
-            <a:endParaRPr lang="en-US"/>
-          </a:p>
-        </p:txBody>
-      </p:sp>
-      <p:sp>
-        <p:nvSpPr>
-          <p:cNvPr id="5" name="Slide Number Placeholder 4"/>
-          <p:cNvSpPr>
-            <a:spLocks noGrp="1"/>
-          </p:cNvSpPr>
-          <p:nvPr>
-            <p:ph type="sldNum" sz="quarter" idx="12"/>
-          </p:nvPr>
-        </p:nvSpPr>
-        <p:spPr/>
-        <p:txBody>
-          <a:bodyPr/>
-          <a:lstStyle/>
-          <a:p>
-            <a:fld id="{EF43BF25-6C5C-E54C-A6BE-4C60D00A6801}" type="slidenum">
-              <a:rPr lang="en-US" smtClean="0"/>
-              <a:pPr/>
-              <a:t>16</a:t>
-            </a:fld>
-            <a:endParaRPr lang="en-US"/>
           </a:p>
         </p:txBody>
       </p:sp>
@@ -6622,13 +6109,6 @@
   <p:clrMapOvr>
     <a:masterClrMapping/>
   </p:clrMapOvr>
-  <p:timing>
-    <p:tnLst>
-      <p:par>
-        <p:cTn xmlns:p14="http://schemas.microsoft.com/office/powerpoint/2010/main" id="1" dur="indefinite" restart="never" nodeType="tmRoot"/>
-      </p:par>
-    </p:tnLst>
-  </p:timing>
 </p:sld>
 </file>
 
@@ -6751,10 +6231,9 @@
             <a:lstStyle/>
             <a:p>
               <a:r>
-                <a:rPr lang="en-CA" dirty="0" smtClean="0"/>
+                <a:rPr lang="en-CA" dirty="0"/>
                 <a:t>All CFGs</a:t>
               </a:r>
-              <a:endParaRPr lang="en-CA" dirty="0"/>
             </a:p>
           </p:txBody>
         </p:sp>
@@ -6861,10 +6340,9 @@
             <a:lstStyle/>
             <a:p>
               <a:r>
-                <a:rPr lang="en-CA" dirty="0" smtClean="0"/>
+                <a:rPr lang="en-CA" dirty="0"/>
                 <a:t>Unambiguous CFGs</a:t>
               </a:r>
-              <a:endParaRPr lang="en-CA" dirty="0"/>
             </a:p>
           </p:txBody>
         </p:sp>
@@ -6971,10 +6449,9 @@
             <a:lstStyle/>
             <a:p>
               <a:r>
-                <a:rPr lang="en-CA" dirty="0" smtClean="0"/>
+                <a:rPr lang="en-CA" dirty="0"/>
                 <a:t>LR(k) CFGs</a:t>
               </a:r>
-              <a:endParaRPr lang="en-CA" dirty="0"/>
             </a:p>
           </p:txBody>
         </p:sp>
@@ -7081,10 +6558,9 @@
             <a:lstStyle/>
             <a:p>
               <a:r>
-                <a:rPr lang="en-CA" dirty="0" smtClean="0"/>
+                <a:rPr lang="en-CA" dirty="0"/>
                 <a:t>LALR(k) CFGs</a:t>
               </a:r>
-              <a:endParaRPr lang="en-CA" dirty="0"/>
             </a:p>
           </p:txBody>
         </p:sp>
@@ -7192,13 +6668,8 @@
             <a:p>
               <a:r>
                 <a:rPr lang="en-CA" dirty="0"/>
-                <a:t>S</a:t>
+                <a:t>SLR(k) CFGs</a:t>
               </a:r>
-              <a:r>
-                <a:rPr lang="en-CA" dirty="0" smtClean="0"/>
-                <a:t>LR(k) CFGs</a:t>
-              </a:r>
-              <a:endParaRPr lang="en-CA" dirty="0"/>
             </a:p>
           </p:txBody>
         </p:sp>
@@ -7219,58 +6690,9 @@
           <a:lstStyle/>
           <a:p>
             <a:r>
-              <a:rPr lang="en-CA" dirty="0" smtClean="0"/>
+              <a:rPr lang="en-CA" dirty="0"/>
               <a:t>Bottom-up Parsing Algorithms</a:t>
             </a:r>
-            <a:endParaRPr lang="en-CA" dirty="0"/>
-          </a:p>
-        </p:txBody>
-      </p:sp>
-      <p:sp>
-        <p:nvSpPr>
-          <p:cNvPr id="4" name="Date Placeholder 3"/>
-          <p:cNvSpPr>
-            <a:spLocks noGrp="1"/>
-          </p:cNvSpPr>
-          <p:nvPr>
-            <p:ph type="dt" sz="half" idx="10"/>
-          </p:nvPr>
-        </p:nvSpPr>
-        <p:spPr/>
-        <p:txBody>
-          <a:bodyPr/>
-          <a:lstStyle/>
-          <a:p>
-            <a:fld id="{EF36E096-31EA-354B-8AAC-9D7DF09A3C8D}" type="datetime1">
-              <a:rPr lang="en-US" smtClean="0"/>
-              <a:pPr/>
-              <a:t>16-06-21</a:t>
-            </a:fld>
-            <a:endParaRPr lang="en-US"/>
-          </a:p>
-        </p:txBody>
-      </p:sp>
-      <p:sp>
-        <p:nvSpPr>
-          <p:cNvPr id="5" name="Slide Number Placeholder 4"/>
-          <p:cNvSpPr>
-            <a:spLocks noGrp="1"/>
-          </p:cNvSpPr>
-          <p:nvPr>
-            <p:ph type="sldNum" sz="quarter" idx="12"/>
-          </p:nvPr>
-        </p:nvSpPr>
-        <p:spPr/>
-        <p:txBody>
-          <a:bodyPr/>
-          <a:lstStyle/>
-          <a:p>
-            <a:fld id="{EF43BF25-6C5C-E54C-A6BE-4C60D00A6801}" type="slidenum">
-              <a:rPr lang="en-US" smtClean="0"/>
-              <a:pPr/>
-              <a:t>17</a:t>
-            </a:fld>
-            <a:endParaRPr lang="en-US"/>
           </a:p>
         </p:txBody>
       </p:sp>
@@ -7287,7 +6709,7 @@
   <p:timing>
     <p:tnLst>
       <p:par>
-        <p:cTn xmlns:p14="http://schemas.microsoft.com/office/powerpoint/2010/main" id="1" dur="indefinite" restart="never" nodeType="tmRoot">
+        <p:cTn id="1" dur="indefinite" restart="never" nodeType="tmRoot">
           <p:childTnLst>
             <p:seq concurrent="1" nextAc="seek">
               <p:cTn id="2" dur="indefinite" nodeType="mainSeq">
@@ -7575,10 +6997,9 @@
           <a:lstStyle/>
           <a:p>
             <a:r>
-              <a:rPr lang="en-CA" dirty="0" smtClean="0"/>
+              <a:rPr lang="en-CA" dirty="0"/>
               <a:t>Bottom-Up Parsing</a:t>
             </a:r>
-            <a:endParaRPr lang="en-CA" dirty="0"/>
           </a:p>
         </p:txBody>
       </p:sp>
@@ -7598,84 +7019,35 @@
           <a:lstStyle/>
           <a:p>
             <a:r>
-              <a:rPr lang="en-CA" dirty="0" smtClean="0"/>
+              <a:rPr lang="en-CA" dirty="0"/>
               <a:t>Bottom-up parsing is more general than (deterministic) top-down parsing </a:t>
             </a:r>
           </a:p>
           <a:p>
             <a:pPr lvl="1"/>
             <a:r>
-              <a:rPr lang="en-CA" dirty="0" smtClean="0"/>
+              <a:rPr lang="en-CA" dirty="0"/>
               <a:t>Just as efficient </a:t>
             </a:r>
           </a:p>
           <a:p>
             <a:pPr lvl="1"/>
             <a:r>
-              <a:rPr lang="en-CA" dirty="0" smtClean="0"/>
+              <a:rPr lang="en-CA" dirty="0"/>
               <a:t>Builds on ideas in top-down parsing</a:t>
             </a:r>
           </a:p>
           <a:p>
             <a:r>
-              <a:rPr lang="en-CA" dirty="0" smtClean="0"/>
+              <a:rPr lang="en-CA" dirty="0"/>
               <a:t>Preferred method in practice</a:t>
             </a:r>
           </a:p>
           <a:p>
             <a:r>
-              <a:rPr lang="en-CA" dirty="0" smtClean="0"/>
+              <a:rPr lang="en-CA" dirty="0"/>
               <a:t>Do not need left-factored grammars!</a:t>
             </a:r>
-            <a:endParaRPr lang="en-CA" dirty="0"/>
-          </a:p>
-        </p:txBody>
-      </p:sp>
-      <p:sp>
-        <p:nvSpPr>
-          <p:cNvPr id="4" name="Date Placeholder 3"/>
-          <p:cNvSpPr>
-            <a:spLocks noGrp="1"/>
-          </p:cNvSpPr>
-          <p:nvPr>
-            <p:ph type="dt" sz="half" idx="10"/>
-          </p:nvPr>
-        </p:nvSpPr>
-        <p:spPr/>
-        <p:txBody>
-          <a:bodyPr/>
-          <a:lstStyle/>
-          <a:p>
-            <a:fld id="{EF36E096-31EA-354B-8AAC-9D7DF09A3C8D}" type="datetime1">
-              <a:rPr lang="en-US" smtClean="0"/>
-              <a:pPr/>
-              <a:t>16-06-21</a:t>
-            </a:fld>
-            <a:endParaRPr lang="en-US"/>
-          </a:p>
-        </p:txBody>
-      </p:sp>
-      <p:sp>
-        <p:nvSpPr>
-          <p:cNvPr id="5" name="Slide Number Placeholder 4"/>
-          <p:cNvSpPr>
-            <a:spLocks noGrp="1"/>
-          </p:cNvSpPr>
-          <p:nvPr>
-            <p:ph type="sldNum" sz="quarter" idx="12"/>
-          </p:nvPr>
-        </p:nvSpPr>
-        <p:spPr/>
-        <p:txBody>
-          <a:bodyPr/>
-          <a:lstStyle/>
-          <a:p>
-            <a:fld id="{EF43BF25-6C5C-E54C-A6BE-4C60D00A6801}" type="slidenum">
-              <a:rPr lang="en-US" smtClean="0"/>
-              <a:pPr/>
-              <a:t>2</a:t>
-            </a:fld>
-            <a:endParaRPr lang="en-US"/>
           </a:p>
         </p:txBody>
       </p:sp>
@@ -7689,13 +7061,6 @@
   <p:clrMapOvr>
     <a:masterClrMapping/>
   </p:clrMapOvr>
-  <p:timing>
-    <p:tnLst>
-      <p:par>
-        <p:cTn xmlns:p14="http://schemas.microsoft.com/office/powerpoint/2010/main" id="1" dur="indefinite" restart="never" nodeType="tmRoot"/>
-      </p:par>
-    </p:tnLst>
-  </p:timing>
 </p:sld>
 </file>
 
@@ -7732,10 +7097,9 @@
           <a:lstStyle/>
           <a:p>
             <a:r>
-              <a:rPr lang="en-CA" dirty="0" smtClean="0"/>
+              <a:rPr lang="en-CA" dirty="0"/>
               <a:t>Bottom-Up parsing</a:t>
             </a:r>
-            <a:endParaRPr lang="en-CA" dirty="0"/>
           </a:p>
         </p:txBody>
       </p:sp>
@@ -7760,66 +7124,17 @@
           <a:lstStyle/>
           <a:p>
             <a:r>
-              <a:rPr lang="en-CA" dirty="0" smtClean="0"/>
+              <a:rPr lang="en-CA" dirty="0"/>
               <a:t>Bottom-up parsing </a:t>
             </a:r>
             <a:r>
-              <a:rPr lang="en-CA" i="1" u="sng" dirty="0" smtClean="0"/>
+              <a:rPr lang="en-CA" i="1" u="sng" dirty="0"/>
               <a:t>reduces</a:t>
             </a:r>
             <a:r>
-              <a:rPr lang="en-CA" dirty="0" smtClean="0"/>
+              <a:rPr lang="en-CA" dirty="0"/>
               <a:t> a string to the start symbol by inverting the derivation</a:t>
             </a:r>
-            <a:endParaRPr lang="en-CA" dirty="0"/>
-          </a:p>
-        </p:txBody>
-      </p:sp>
-      <p:sp>
-        <p:nvSpPr>
-          <p:cNvPr id="4" name="Date Placeholder 3"/>
-          <p:cNvSpPr>
-            <a:spLocks noGrp="1"/>
-          </p:cNvSpPr>
-          <p:nvPr>
-            <p:ph type="dt" sz="half" idx="10"/>
-          </p:nvPr>
-        </p:nvSpPr>
-        <p:spPr/>
-        <p:txBody>
-          <a:bodyPr/>
-          <a:lstStyle/>
-          <a:p>
-            <a:fld id="{EF36E096-31EA-354B-8AAC-9D7DF09A3C8D}" type="datetime1">
-              <a:rPr lang="en-US" smtClean="0"/>
-              <a:pPr/>
-              <a:t>16-06-21</a:t>
-            </a:fld>
-            <a:endParaRPr lang="en-US"/>
-          </a:p>
-        </p:txBody>
-      </p:sp>
-      <p:sp>
-        <p:nvSpPr>
-          <p:cNvPr id="5" name="Slide Number Placeholder 4"/>
-          <p:cNvSpPr>
-            <a:spLocks noGrp="1"/>
-          </p:cNvSpPr>
-          <p:nvPr>
-            <p:ph type="sldNum" sz="quarter" idx="12"/>
-          </p:nvPr>
-        </p:nvSpPr>
-        <p:spPr/>
-        <p:txBody>
-          <a:bodyPr/>
-          <a:lstStyle/>
-          <a:p>
-            <a:fld id="{EF43BF25-6C5C-E54C-A6BE-4C60D00A6801}" type="slidenum">
-              <a:rPr lang="en-US" smtClean="0"/>
-              <a:pPr/>
-              <a:t>3</a:t>
-            </a:fld>
-            <a:endParaRPr lang="en-US"/>
           </a:p>
         </p:txBody>
       </p:sp>
@@ -7878,19 +7193,7 @@
               <a:rPr lang="en-US" dirty="0">
                 <a:sym typeface="Symbol" charset="2"/>
               </a:rPr>
-              <a:t>T</a:t>
-            </a:r>
-            <a:r>
-              <a:rPr lang="en-US" dirty="0" smtClean="0">
-                <a:sym typeface="Symbol" charset="2"/>
-              </a:rPr>
-              <a:t> + </a:t>
-            </a:r>
-            <a:r>
-              <a:rPr lang="en-US" dirty="0">
-                <a:sym typeface="Symbol" charset="2"/>
-              </a:rPr>
-              <a:t>E</a:t>
+              <a:t>T + E</a:t>
             </a:r>
           </a:p>
           <a:p>
@@ -7912,13 +7215,13 @@
               <a:t> </a:t>
             </a:r>
             <a:r>
-              <a:rPr lang="en-US" dirty="0" smtClean="0">
+              <a:rPr lang="en-US" dirty="0">
                 <a:sym typeface="Symbol" charset="2"/>
               </a:rPr>
               <a:t>T</a:t>
             </a:r>
             <a:br>
-              <a:rPr lang="en-US" dirty="0" smtClean="0">
+              <a:rPr lang="en-US" dirty="0">
                 <a:sym typeface="Symbol" charset="2"/>
               </a:rPr>
             </a:br>
@@ -7947,12 +7250,12 @@
               <a:t> </a:t>
             </a:r>
             <a:r>
-              <a:rPr lang="en-US" dirty="0" err="1" smtClean="0">
+              <a:rPr lang="en-US" dirty="0" err="1">
                 <a:sym typeface="Symbol" charset="2"/>
               </a:rPr>
               <a:t>int</a:t>
             </a:r>
-            <a:endParaRPr lang="en-US" dirty="0" smtClean="0">
+            <a:endParaRPr lang="en-US" dirty="0">
               <a:sym typeface="Symbol" charset="2"/>
             </a:endParaRPr>
           </a:p>
@@ -7981,20 +7284,17 @@
               <a:t> </a:t>
             </a:r>
             <a:r>
-              <a:rPr lang="en-US" dirty="0" err="1" smtClean="0">
+              <a:rPr lang="en-US" dirty="0" err="1">
                 <a:sym typeface="Symbol" charset="2"/>
               </a:rPr>
               <a:t>int</a:t>
             </a:r>
             <a:r>
-              <a:rPr lang="en-US" dirty="0" smtClean="0">
+              <a:rPr lang="en-US" dirty="0">
                 <a:sym typeface="Symbol" charset="2"/>
               </a:rPr>
               <a:t> * T</a:t>
             </a:r>
-            <a:endParaRPr lang="en-US" dirty="0">
-              <a:sym typeface="Symbol" charset="2"/>
-            </a:endParaRPr>
           </a:p>
           <a:p>
             <a:pPr eaLnBrk="1" hangingPunct="1">
@@ -8006,13 +7306,7 @@
               <a:rPr lang="en-US" dirty="0">
                 <a:sym typeface="Symbol" charset="2"/>
               </a:rPr>
-              <a:t>T</a:t>
-            </a:r>
-            <a:r>
-              <a:rPr lang="en-US" dirty="0" smtClean="0">
-                <a:sym typeface="Symbol" charset="2"/>
-              </a:rPr>
-              <a:t> </a:t>
+              <a:t>T </a:t>
             </a:r>
             <a:r>
               <a:rPr lang="en-US" b="1" dirty="0">
@@ -8024,17 +7318,8 @@
               <a:rPr lang="en-US" dirty="0">
                 <a:sym typeface="Symbol" charset="2"/>
               </a:rPr>
-              <a:t>( E </a:t>
-            </a:r>
-            <a:r>
-              <a:rPr lang="en-US" dirty="0" smtClean="0">
-                <a:sym typeface="Symbol" charset="2"/>
-              </a:rPr>
-              <a:t>)</a:t>
-            </a:r>
-            <a:endParaRPr lang="en-US" dirty="0">
-              <a:sym typeface="Symbol" charset="2"/>
-            </a:endParaRPr>
+              <a:t>( E )</a:t>
+            </a:r>
           </a:p>
         </p:txBody>
       </p:sp>
@@ -8226,26 +7511,26 @@
               <a:buNone/>
             </a:pPr>
             <a:r>
-              <a:rPr lang="en-CA" sz="2400" kern="0" dirty="0" err="1" smtClean="0"/>
+              <a:rPr lang="en-CA" sz="2400" kern="0" dirty="0" err="1"/>
               <a:t>int</a:t>
             </a:r>
             <a:r>
-              <a:rPr lang="en-CA" sz="2400" kern="0" dirty="0" smtClean="0"/>
+              <a:rPr lang="en-CA" sz="2400" kern="0" dirty="0"/>
               <a:t> * </a:t>
             </a:r>
             <a:r>
-              <a:rPr lang="en-CA" sz="2400" kern="0" dirty="0" err="1" smtClean="0"/>
+              <a:rPr lang="en-CA" sz="2400" kern="0" dirty="0" err="1"/>
               <a:t>int</a:t>
             </a:r>
             <a:r>
-              <a:rPr lang="en-CA" sz="2400" kern="0" dirty="0" smtClean="0"/>
+              <a:rPr lang="en-CA" sz="2400" kern="0" dirty="0"/>
               <a:t> + </a:t>
             </a:r>
             <a:r>
-              <a:rPr lang="en-CA" sz="2400" kern="0" dirty="0" err="1" smtClean="0"/>
+              <a:rPr lang="en-CA" sz="2400" kern="0" dirty="0" err="1"/>
               <a:t>int</a:t>
             </a:r>
-            <a:endParaRPr lang="en-CA" sz="2400" kern="0" dirty="0" smtClean="0"/>
+            <a:endParaRPr lang="en-CA" sz="2400" kern="0" dirty="0"/>
           </a:p>
           <a:p>
             <a:pPr marL="0" indent="0" eaLnBrk="1" hangingPunct="1">
@@ -8254,49 +7539,40 @@
             </a:pPr>
             <a:r>
               <a:rPr lang="en-CA" sz="2400" kern="0" dirty="0" err="1"/>
-              <a:t>i</a:t>
-            </a:r>
-            <a:r>
-              <a:rPr lang="en-CA" sz="2400" kern="0" dirty="0" err="1" smtClean="0"/>
-              <a:t>nt</a:t>
-            </a:r>
-            <a:r>
-              <a:rPr lang="en-CA" sz="2400" kern="0" dirty="0" smtClean="0"/>
+              <a:t>int</a:t>
+            </a:r>
+            <a:r>
+              <a:rPr lang="en-CA" sz="2400" kern="0" dirty="0"/>
               <a:t> *  T  + </a:t>
             </a:r>
             <a:r>
-              <a:rPr lang="en-CA" sz="2400" kern="0" dirty="0" err="1" smtClean="0"/>
+              <a:rPr lang="en-CA" sz="2400" kern="0" dirty="0" err="1"/>
               <a:t>int</a:t>
             </a:r>
-            <a:endParaRPr lang="en-CA" sz="2400" kern="0" dirty="0" smtClean="0"/>
+            <a:endParaRPr lang="en-CA" sz="2400" kern="0" dirty="0"/>
           </a:p>
           <a:p>
             <a:pPr marL="0" indent="0" eaLnBrk="1" hangingPunct="1">
               <a:buNone/>
             </a:pPr>
             <a:r>
-              <a:rPr lang="en-CA" sz="2400" kern="0" dirty="0" smtClean="0"/>
-              <a:t>T  </a:t>
-            </a:r>
-            <a:r>
               <a:rPr lang="en-CA" sz="2400" kern="0" dirty="0"/>
-              <a:t>+ </a:t>
-            </a:r>
-            <a:r>
-              <a:rPr lang="en-CA" sz="2400" kern="0" dirty="0" err="1" smtClean="0"/>
+              <a:t>T  + </a:t>
+            </a:r>
+            <a:r>
+              <a:rPr lang="en-CA" sz="2400" kern="0" dirty="0" err="1"/>
               <a:t>int</a:t>
             </a:r>
-            <a:endParaRPr lang="en-CA" sz="2400" kern="0" dirty="0" smtClean="0"/>
+            <a:endParaRPr lang="en-CA" sz="2400" kern="0" dirty="0"/>
           </a:p>
           <a:p>
             <a:pPr marL="0" indent="0" eaLnBrk="1" hangingPunct="1">
               <a:buNone/>
             </a:pPr>
             <a:r>
-              <a:rPr lang="en-CA" sz="2400" kern="0" dirty="0" smtClean="0"/>
+              <a:rPr lang="en-CA" sz="2400" kern="0" dirty="0"/>
               <a:t>T + T</a:t>
             </a:r>
-            <a:endParaRPr lang="en-CA" sz="2400" kern="0" dirty="0"/>
           </a:p>
           <a:p>
             <a:pPr marL="0" indent="0" eaLnBrk="1" hangingPunct="1">
@@ -8304,7 +7580,7 @@
               <a:buNone/>
             </a:pPr>
             <a:r>
-              <a:rPr lang="en-CA" sz="2400" kern="0" dirty="0" smtClean="0"/>
+              <a:rPr lang="en-CA" sz="2400" kern="0" dirty="0"/>
               <a:t>T + E</a:t>
             </a:r>
           </a:p>
@@ -8507,7 +7783,7 @@
               <a:buNone/>
             </a:pPr>
             <a:r>
-              <a:rPr lang="en-CA" sz="2400" kern="0" dirty="0" smtClean="0"/>
+              <a:rPr lang="en-CA" sz="2400" kern="0" dirty="0"/>
               <a:t>T </a:t>
             </a:r>
             <a:r>
@@ -8523,12 +7799,12 @@
               <a:t> </a:t>
             </a:r>
             <a:r>
-              <a:rPr lang="en-US" sz="2400" dirty="0" err="1" smtClean="0">
+              <a:rPr lang="en-US" sz="2400" dirty="0" err="1">
                 <a:sym typeface="Symbol" charset="2"/>
               </a:rPr>
               <a:t>int</a:t>
             </a:r>
-            <a:endParaRPr lang="en-US" sz="2400" dirty="0" smtClean="0">
+            <a:endParaRPr lang="en-US" sz="2400" dirty="0">
               <a:sym typeface="Symbol" charset="2"/>
             </a:endParaRPr>
           </a:p>
@@ -8553,13 +7829,13 @@
               <a:t> </a:t>
             </a:r>
             <a:r>
-              <a:rPr lang="en-US" sz="2400" dirty="0" err="1" smtClean="0">
+              <a:rPr lang="en-US" sz="2400" dirty="0" err="1">
                 <a:sym typeface="Symbol" charset="2"/>
               </a:rPr>
               <a:t>int</a:t>
             </a:r>
             <a:r>
-              <a:rPr lang="en-US" sz="2400" dirty="0" smtClean="0">
+              <a:rPr lang="en-US" sz="2400" dirty="0">
                 <a:sym typeface="Symbol" charset="2"/>
               </a:rPr>
               <a:t> * T</a:t>
@@ -8586,12 +7862,12 @@
               <a:t> </a:t>
             </a:r>
             <a:r>
-              <a:rPr lang="en-US" sz="2400" dirty="0" err="1" smtClean="0">
+              <a:rPr lang="en-US" sz="2400" dirty="0" err="1">
                 <a:sym typeface="Symbol" charset="2"/>
               </a:rPr>
               <a:t>int</a:t>
             </a:r>
-            <a:endParaRPr lang="en-US" sz="2400" dirty="0" smtClean="0">
+            <a:endParaRPr lang="en-US" sz="2400" dirty="0">
               <a:sym typeface="Symbol" charset="2"/>
             </a:endParaRPr>
           </a:p>
@@ -8600,7 +7876,7 @@
               <a:buNone/>
             </a:pPr>
             <a:r>
-              <a:rPr lang="en-US" sz="2400" dirty="0" smtClean="0">
+              <a:rPr lang="en-US" sz="2400" dirty="0">
                 <a:sym typeface="Symbol" charset="2"/>
               </a:rPr>
               <a:t>E</a:t>
@@ -8619,13 +7895,7 @@
               <a:rPr lang="en-US" sz="2400" dirty="0">
                 <a:sym typeface="Symbol" charset="2"/>
               </a:rPr>
-              <a:t> </a:t>
-            </a:r>
-            <a:r>
-              <a:rPr lang="en-US" sz="2400" dirty="0" smtClean="0">
-                <a:sym typeface="Symbol" charset="2"/>
-              </a:rPr>
-              <a:t>T</a:t>
+              <a:t> T</a:t>
             </a:r>
           </a:p>
           <a:p>
@@ -8652,13 +7922,7 @@
               <a:rPr lang="en-US" sz="2400" dirty="0">
                 <a:sym typeface="Symbol" charset="2"/>
               </a:rPr>
-              <a:t> </a:t>
-            </a:r>
-            <a:r>
-              <a:rPr lang="en-US" sz="2400" dirty="0" smtClean="0">
-                <a:sym typeface="Symbol" charset="2"/>
-              </a:rPr>
-              <a:t>T + E</a:t>
+              <a:t> T + E</a:t>
             </a:r>
           </a:p>
           <a:p>
@@ -8739,7 +8003,7 @@
               </a:spcBef>
             </a:pPr>
             <a:r>
-              <a:rPr lang="en-US" dirty="0" smtClean="0">
+              <a:rPr lang="en-US" dirty="0">
                 <a:solidFill>
                   <a:srgbClr val="000099"/>
                 </a:solidFill>
@@ -8794,7 +8058,7 @@
               </a:spcBef>
             </a:pPr>
             <a:r>
-              <a:rPr lang="en-US" dirty="0" smtClean="0">
+              <a:rPr lang="en-US" dirty="0">
                 <a:solidFill>
                   <a:srgbClr val="000099"/>
                 </a:solidFill>
@@ -8823,7 +8087,7 @@
   <p:timing>
     <p:tnLst>
       <p:par>
-        <p:cTn xmlns:p14="http://schemas.microsoft.com/office/powerpoint/2010/main" id="1" dur="indefinite" restart="never" nodeType="tmRoot">
+        <p:cTn id="1" dur="indefinite" restart="never" nodeType="tmRoot">
           <p:childTnLst>
             <p:seq concurrent="1" nextAc="seek">
               <p:cTn id="2" dur="indefinite" nodeType="mainSeq">
@@ -9548,10 +8812,9 @@
           <a:lstStyle/>
           <a:p>
             <a:r>
-              <a:rPr lang="en-CA" dirty="0" smtClean="0"/>
+              <a:rPr lang="en-CA" dirty="0"/>
               <a:t>Bottom-up parse</a:t>
             </a:r>
-            <a:endParaRPr lang="en-CA" dirty="0"/>
           </a:p>
         </p:txBody>
       </p:sp>
@@ -9576,58 +8839,9 @@
           <a:lstStyle/>
           <a:p>
             <a:r>
-              <a:rPr lang="en-CA" dirty="0" smtClean="0"/>
+              <a:rPr lang="en-CA" dirty="0"/>
               <a:t>Fact #1: A bottom-up parser traces a rightmost derivation in reverse</a:t>
             </a:r>
-            <a:endParaRPr lang="en-CA" dirty="0"/>
-          </a:p>
-        </p:txBody>
-      </p:sp>
-      <p:sp>
-        <p:nvSpPr>
-          <p:cNvPr id="4" name="Date Placeholder 3"/>
-          <p:cNvSpPr>
-            <a:spLocks noGrp="1"/>
-          </p:cNvSpPr>
-          <p:nvPr>
-            <p:ph type="dt" sz="half" idx="10"/>
-          </p:nvPr>
-        </p:nvSpPr>
-        <p:spPr/>
-        <p:txBody>
-          <a:bodyPr/>
-          <a:lstStyle/>
-          <a:p>
-            <a:fld id="{EF36E096-31EA-354B-8AAC-9D7DF09A3C8D}" type="datetime1">
-              <a:rPr lang="en-US" smtClean="0"/>
-              <a:pPr/>
-              <a:t>16-06-21</a:t>
-            </a:fld>
-            <a:endParaRPr lang="en-US"/>
-          </a:p>
-        </p:txBody>
-      </p:sp>
-      <p:sp>
-        <p:nvSpPr>
-          <p:cNvPr id="5" name="Slide Number Placeholder 4"/>
-          <p:cNvSpPr>
-            <a:spLocks noGrp="1"/>
-          </p:cNvSpPr>
-          <p:nvPr>
-            <p:ph type="sldNum" sz="quarter" idx="12"/>
-          </p:nvPr>
-        </p:nvSpPr>
-        <p:spPr/>
-        <p:txBody>
-          <a:bodyPr/>
-          <a:lstStyle/>
-          <a:p>
-            <a:fld id="{EF43BF25-6C5C-E54C-A6BE-4C60D00A6801}" type="slidenum">
-              <a:rPr lang="en-US" smtClean="0"/>
-              <a:pPr/>
-              <a:t>4</a:t>
-            </a:fld>
-            <a:endParaRPr lang="en-US"/>
           </a:p>
         </p:txBody>
       </p:sp>
@@ -9819,26 +9033,26 @@
               <a:buNone/>
             </a:pPr>
             <a:r>
-              <a:rPr lang="en-CA" sz="2400" kern="0" dirty="0" err="1" smtClean="0"/>
+              <a:rPr lang="en-CA" sz="2400" kern="0" dirty="0" err="1"/>
               <a:t>int</a:t>
             </a:r>
             <a:r>
-              <a:rPr lang="en-CA" sz="2400" kern="0" dirty="0" smtClean="0"/>
+              <a:rPr lang="en-CA" sz="2400" kern="0" dirty="0"/>
               <a:t> * </a:t>
             </a:r>
             <a:r>
-              <a:rPr lang="en-CA" sz="2400" kern="0" dirty="0" err="1" smtClean="0"/>
+              <a:rPr lang="en-CA" sz="2400" kern="0" dirty="0" err="1"/>
               <a:t>int</a:t>
             </a:r>
             <a:r>
-              <a:rPr lang="en-CA" sz="2400" kern="0" dirty="0" smtClean="0"/>
+              <a:rPr lang="en-CA" sz="2400" kern="0" dirty="0"/>
               <a:t> + </a:t>
             </a:r>
             <a:r>
-              <a:rPr lang="en-CA" sz="2400" kern="0" dirty="0" err="1" smtClean="0"/>
+              <a:rPr lang="en-CA" sz="2400" kern="0" dirty="0" err="1"/>
               <a:t>int</a:t>
             </a:r>
-            <a:endParaRPr lang="en-CA" sz="2400" kern="0" dirty="0" smtClean="0"/>
+            <a:endParaRPr lang="en-CA" sz="2400" kern="0" dirty="0"/>
           </a:p>
           <a:p>
             <a:pPr marL="0" indent="0" eaLnBrk="1" hangingPunct="1">
@@ -9847,49 +9061,40 @@
             </a:pPr>
             <a:r>
               <a:rPr lang="en-CA" sz="2400" kern="0" dirty="0" err="1"/>
-              <a:t>i</a:t>
-            </a:r>
-            <a:r>
-              <a:rPr lang="en-CA" sz="2400" kern="0" dirty="0" err="1" smtClean="0"/>
-              <a:t>nt</a:t>
-            </a:r>
-            <a:r>
-              <a:rPr lang="en-CA" sz="2400" kern="0" dirty="0" smtClean="0"/>
+              <a:t>int</a:t>
+            </a:r>
+            <a:r>
+              <a:rPr lang="en-CA" sz="2400" kern="0" dirty="0"/>
               <a:t> *  T  + </a:t>
             </a:r>
             <a:r>
-              <a:rPr lang="en-CA" sz="2400" kern="0" dirty="0" err="1" smtClean="0"/>
+              <a:rPr lang="en-CA" sz="2400" kern="0" dirty="0" err="1"/>
               <a:t>int</a:t>
             </a:r>
-            <a:endParaRPr lang="en-CA" sz="2400" kern="0" dirty="0" smtClean="0"/>
+            <a:endParaRPr lang="en-CA" sz="2400" kern="0" dirty="0"/>
           </a:p>
           <a:p>
             <a:pPr marL="0" indent="0" eaLnBrk="1" hangingPunct="1">
               <a:buNone/>
             </a:pPr>
             <a:r>
-              <a:rPr lang="en-CA" sz="2400" kern="0" dirty="0" smtClean="0"/>
-              <a:t>T  </a:t>
-            </a:r>
-            <a:r>
               <a:rPr lang="en-CA" sz="2400" kern="0" dirty="0"/>
-              <a:t>+ </a:t>
-            </a:r>
-            <a:r>
-              <a:rPr lang="en-CA" sz="2400" kern="0" dirty="0" err="1" smtClean="0"/>
+              <a:t>T  + </a:t>
+            </a:r>
+            <a:r>
+              <a:rPr lang="en-CA" sz="2400" kern="0" dirty="0" err="1"/>
               <a:t>int</a:t>
             </a:r>
-            <a:endParaRPr lang="en-CA" sz="2400" kern="0" dirty="0" smtClean="0"/>
+            <a:endParaRPr lang="en-CA" sz="2400" kern="0" dirty="0"/>
           </a:p>
           <a:p>
             <a:pPr marL="0" indent="0" eaLnBrk="1" hangingPunct="1">
               <a:buNone/>
             </a:pPr>
             <a:r>
-              <a:rPr lang="en-CA" sz="2400" kern="0" dirty="0" smtClean="0"/>
+              <a:rPr lang="en-CA" sz="2400" kern="0" dirty="0"/>
               <a:t>T + T</a:t>
             </a:r>
-            <a:endParaRPr lang="en-CA" sz="2400" kern="0" dirty="0"/>
           </a:p>
           <a:p>
             <a:pPr marL="0" indent="0" eaLnBrk="1" hangingPunct="1">
@@ -9897,7 +9102,7 @@
               <a:buNone/>
             </a:pPr>
             <a:r>
-              <a:rPr lang="en-CA" sz="2400" kern="0" dirty="0" smtClean="0"/>
+              <a:rPr lang="en-CA" sz="2400" kern="0" dirty="0"/>
               <a:t>T + E</a:t>
             </a:r>
           </a:p>
@@ -9948,10 +9153,9 @@
           <a:lstStyle/>
           <a:p>
             <a:r>
-              <a:rPr lang="en-US" dirty="0" smtClean="0"/>
+              <a:rPr lang="en-US" dirty="0"/>
               <a:t>E</a:t>
             </a:r>
-            <a:endParaRPr lang="en-US" dirty="0"/>
           </a:p>
         </p:txBody>
       </p:sp>
@@ -9990,10 +9194,9 @@
           <a:lstStyle/>
           <a:p>
             <a:r>
-              <a:rPr lang="en-US" dirty="0" smtClean="0"/>
+              <a:rPr lang="en-US" dirty="0"/>
               <a:t>E</a:t>
             </a:r>
-            <a:endParaRPr lang="en-US" dirty="0"/>
           </a:p>
         </p:txBody>
       </p:sp>
@@ -10163,7 +9366,7 @@
           <a:lstStyle/>
           <a:p>
             <a:r>
-              <a:rPr lang="en-US" dirty="0" err="1" smtClean="0"/>
+              <a:rPr lang="en-US" dirty="0" err="1"/>
               <a:t>int</a:t>
             </a:r>
             <a:endParaRPr lang="en-US" dirty="0"/>
@@ -10255,19 +9458,7 @@
               <a:rPr lang="en-US" dirty="0">
                 <a:sym typeface="Symbol" charset="2"/>
               </a:rPr>
-              <a:t>T</a:t>
-            </a:r>
-            <a:r>
-              <a:rPr lang="en-US" dirty="0" smtClean="0">
-                <a:sym typeface="Symbol" charset="2"/>
-              </a:rPr>
-              <a:t> + </a:t>
-            </a:r>
-            <a:r>
-              <a:rPr lang="en-US" dirty="0">
-                <a:sym typeface="Symbol" charset="2"/>
-              </a:rPr>
-              <a:t>E</a:t>
+              <a:t>T + E</a:t>
             </a:r>
           </a:p>
           <a:p>
@@ -10289,13 +9480,13 @@
               <a:t> </a:t>
             </a:r>
             <a:r>
-              <a:rPr lang="en-US" dirty="0" smtClean="0">
+              <a:rPr lang="en-US" dirty="0">
                 <a:sym typeface="Symbol" charset="2"/>
               </a:rPr>
               <a:t>T</a:t>
             </a:r>
             <a:br>
-              <a:rPr lang="en-US" dirty="0" smtClean="0">
+              <a:rPr lang="en-US" dirty="0">
                 <a:sym typeface="Symbol" charset="2"/>
               </a:rPr>
             </a:br>
@@ -10324,12 +9515,12 @@
               <a:t> </a:t>
             </a:r>
             <a:r>
-              <a:rPr lang="en-US" dirty="0" err="1" smtClean="0">
+              <a:rPr lang="en-US" dirty="0" err="1">
                 <a:sym typeface="Symbol" charset="2"/>
               </a:rPr>
               <a:t>int</a:t>
             </a:r>
-            <a:endParaRPr lang="en-US" dirty="0" smtClean="0">
+            <a:endParaRPr lang="en-US" dirty="0">
               <a:sym typeface="Symbol" charset="2"/>
             </a:endParaRPr>
           </a:p>
@@ -10358,20 +9549,17 @@
               <a:t> </a:t>
             </a:r>
             <a:r>
-              <a:rPr lang="en-US" dirty="0" err="1" smtClean="0">
+              <a:rPr lang="en-US" dirty="0" err="1">
                 <a:sym typeface="Symbol" charset="2"/>
               </a:rPr>
               <a:t>int</a:t>
             </a:r>
             <a:r>
-              <a:rPr lang="en-US" dirty="0" smtClean="0">
+              <a:rPr lang="en-US" dirty="0">
                 <a:sym typeface="Symbol" charset="2"/>
               </a:rPr>
               <a:t> * T</a:t>
             </a:r>
-            <a:endParaRPr lang="en-US" dirty="0">
-              <a:sym typeface="Symbol" charset="2"/>
-            </a:endParaRPr>
           </a:p>
           <a:p>
             <a:pPr eaLnBrk="1" hangingPunct="1">
@@ -10383,13 +9571,7 @@
               <a:rPr lang="en-US" dirty="0">
                 <a:sym typeface="Symbol" charset="2"/>
               </a:rPr>
-              <a:t>T</a:t>
-            </a:r>
-            <a:r>
-              <a:rPr lang="en-US" dirty="0" smtClean="0">
-                <a:sym typeface="Symbol" charset="2"/>
-              </a:rPr>
-              <a:t> </a:t>
+              <a:t>T </a:t>
             </a:r>
             <a:r>
               <a:rPr lang="en-US" b="1" dirty="0">
@@ -10401,17 +9583,8 @@
               <a:rPr lang="en-US" dirty="0">
                 <a:sym typeface="Symbol" charset="2"/>
               </a:rPr>
-              <a:t>( E </a:t>
-            </a:r>
-            <a:r>
-              <a:rPr lang="en-US" dirty="0" smtClean="0">
-                <a:sym typeface="Symbol" charset="2"/>
-              </a:rPr>
-              <a:t>)</a:t>
-            </a:r>
-            <a:endParaRPr lang="en-US" dirty="0">
-              <a:sym typeface="Symbol" charset="2"/>
-            </a:endParaRPr>
+              <a:t>( E )</a:t>
+            </a:r>
           </a:p>
         </p:txBody>
       </p:sp>
@@ -10491,7 +9664,7 @@
           <a:lstStyle/>
           <a:p>
             <a:r>
-              <a:rPr lang="en-US" dirty="0" err="1" smtClean="0"/>
+              <a:rPr lang="en-US" dirty="0" err="1"/>
               <a:t>int</a:t>
             </a:r>
             <a:endParaRPr lang="en-US" dirty="0"/>
@@ -10533,7 +9706,7 @@
           <a:lstStyle/>
           <a:p>
             <a:r>
-              <a:rPr lang="en-US" dirty="0" err="1" smtClean="0"/>
+              <a:rPr lang="en-US" dirty="0" err="1"/>
               <a:t>int</a:t>
             </a:r>
             <a:endParaRPr lang="en-US" dirty="0"/>
@@ -10575,10 +9748,9 @@
           <a:lstStyle/>
           <a:p>
             <a:r>
-              <a:rPr lang="en-US" dirty="0" smtClean="0"/>
+              <a:rPr lang="en-US" dirty="0"/>
               <a:t>T</a:t>
             </a:r>
-            <a:endParaRPr lang="en-US" dirty="0"/>
           </a:p>
         </p:txBody>
       </p:sp>
@@ -10647,10 +9819,9 @@
           <a:lstStyle/>
           <a:p>
             <a:r>
-              <a:rPr lang="en-US" dirty="0" smtClean="0"/>
+              <a:rPr lang="en-US" dirty="0"/>
               <a:t>T</a:t>
             </a:r>
-            <a:endParaRPr lang="en-US" dirty="0"/>
           </a:p>
         </p:txBody>
       </p:sp>
@@ -10689,10 +9860,9 @@
           <a:lstStyle/>
           <a:p>
             <a:r>
-              <a:rPr lang="en-US" dirty="0" smtClean="0"/>
+              <a:rPr lang="en-US" dirty="0"/>
               <a:t>T</a:t>
             </a:r>
-            <a:endParaRPr lang="en-US" dirty="0"/>
           </a:p>
         </p:txBody>
       </p:sp>
@@ -10838,18 +10008,13 @@
           <a:lstStyle/>
           <a:p>
             <a:r>
-              <a:rPr lang="en-US" b="1" dirty="0" smtClean="0">
+              <a:rPr lang="en-US" b="1" dirty="0">
                 <a:solidFill>
                   <a:schemeClr val="accent2"/>
                 </a:solidFill>
               </a:rPr>
               <a:t>Parse tree</a:t>
             </a:r>
-            <a:endParaRPr lang="en-US" b="1" dirty="0">
-              <a:solidFill>
-                <a:schemeClr val="accent2"/>
-              </a:solidFill>
-            </a:endParaRPr>
           </a:p>
         </p:txBody>
       </p:sp>
@@ -10866,7 +10031,7 @@
   <p:timing>
     <p:tnLst>
       <p:par>
-        <p:cTn xmlns:p14="http://schemas.microsoft.com/office/powerpoint/2010/main" id="1" dur="indefinite" restart="never" nodeType="tmRoot">
+        <p:cTn id="1" dur="indefinite" restart="never" nodeType="tmRoot">
           <p:childTnLst>
             <p:seq concurrent="1" nextAc="seek">
               <p:cTn id="2" dur="indefinite" nodeType="mainSeq">
@@ -11650,10 +10815,9 @@
           <a:lstStyle/>
           <a:p>
             <a:r>
-              <a:rPr lang="en-CA" dirty="0" smtClean="0"/>
+              <a:rPr lang="en-CA" dirty="0"/>
               <a:t>Reductions during Parsing</a:t>
             </a:r>
-            <a:endParaRPr lang="en-CA" dirty="0"/>
           </a:p>
         </p:txBody>
       </p:sp>
@@ -11673,14 +10837,14 @@
           <a:lstStyle/>
           <a:p>
             <a:r>
-              <a:rPr lang="en-CA" dirty="0" smtClean="0"/>
+              <a:rPr lang="en-CA" dirty="0"/>
               <a:t>Fact #1 has an interesting consequence:</a:t>
             </a:r>
           </a:p>
           <a:p>
             <a:pPr lvl="1"/>
             <a:r>
-              <a:rPr lang="en-CA" dirty="0" smtClean="0"/>
+              <a:rPr lang="en-CA" dirty="0"/>
               <a:t>Let </a:t>
             </a:r>
             <a:r>
@@ -11692,36 +10856,45 @@
                 <a:ea typeface="Cambria Math"/>
                 <a:sym typeface="Symbol" charset="2"/>
               </a:rPr>
-              <a:t>𝜶 𝜷 </a:t>
-            </a:r>
-            <a:r>
-              <a:rPr lang="en-US" dirty="0" smtClean="0">
-                <a:solidFill>
-                  <a:schemeClr val="accent2"/>
-                </a:solidFill>
+              <a:t>𝜶 𝜷 𝝎 </a:t>
+            </a:r>
+            <a:r>
+              <a:rPr lang="en-US" dirty="0">
                 <a:latin typeface="Cambria Math"/>
                 <a:ea typeface="Cambria Math"/>
                 <a:sym typeface="Symbol" charset="2"/>
               </a:rPr>
-              <a:t>𝝎 </a:t>
-            </a:r>
-            <a:r>
-              <a:rPr lang="en-US" dirty="0" smtClean="0">
+              <a:t>be a step of a bottom-up parse</a:t>
+            </a:r>
+          </a:p>
+          <a:p>
+            <a:pPr lvl="1"/>
+            <a:r>
+              <a:rPr lang="en-CA" dirty="0"/>
+              <a:t>Assume the next reduction is by </a:t>
+            </a:r>
+            <a:r>
+              <a:rPr lang="en-US" dirty="0">
+                <a:solidFill>
+                  <a:schemeClr val="accent2"/>
+                </a:solidFill>
                 <a:latin typeface="Cambria Math"/>
                 <a:ea typeface="Cambria Math"/>
                 <a:sym typeface="Symbol" charset="2"/>
               </a:rPr>
-              <a:t>be a step of a bottom-up parse</a:t>
-            </a:r>
-          </a:p>
-          <a:p>
-            <a:pPr lvl="1"/>
-            <a:r>
-              <a:rPr lang="en-CA" dirty="0" smtClean="0"/>
-              <a:t>Assume the next reduction is by </a:t>
-            </a:r>
-            <a:r>
-              <a:rPr lang="en-US" dirty="0" smtClean="0">
+              <a:t>X</a:t>
+            </a:r>
+            <a:r>
+              <a:rPr lang="en-US" dirty="0">
+                <a:solidFill>
+                  <a:schemeClr val="accent2"/>
+                </a:solidFill>
+                <a:sym typeface="Symbol" charset="2"/>
+              </a:rPr>
+              <a:t> </a:t>
+            </a:r>
+            <a:r>
+              <a:rPr lang="en-US" dirty="0">
                 <a:solidFill>
                   <a:schemeClr val="accent2"/>
                 </a:solidFill>
@@ -11729,30 +10902,21 @@
                 <a:ea typeface="Cambria Math"/>
                 <a:sym typeface="Symbol" charset="2"/>
               </a:rPr>
-              <a:t>X</a:t>
-            </a:r>
-            <a:r>
-              <a:rPr lang="en-US" dirty="0" smtClean="0">
-                <a:solidFill>
-                  <a:schemeClr val="accent2"/>
-                </a:solidFill>
-                <a:sym typeface="Symbol" charset="2"/>
-              </a:rPr>
-              <a:t> </a:t>
-            </a:r>
+              <a:t> 𝜷</a:t>
+            </a:r>
+          </a:p>
+          <a:p>
+            <a:pPr lvl="1"/>
             <a:r>
               <a:rPr lang="en-US" dirty="0">
-                <a:solidFill>
-                  <a:schemeClr val="accent2"/>
-                </a:solidFill>
                 <a:latin typeface="Cambria Math"/>
                 <a:ea typeface="Cambria Math"/>
                 <a:sym typeface="Symbol" charset="2"/>
               </a:rPr>
-              <a:t> </a:t>
-            </a:r>
-            <a:r>
-              <a:rPr lang="en-US" dirty="0" smtClean="0">
+              <a:t>Then </a:t>
+            </a:r>
+            <a:r>
+              <a:rPr lang="en-US" dirty="0">
                 <a:solidFill>
                   <a:schemeClr val="accent2"/>
                 </a:solidFill>
@@ -11760,141 +10924,63 @@
                 <a:ea typeface="Cambria Math"/>
                 <a:sym typeface="Symbol" charset="2"/>
               </a:rPr>
-              <a:t>𝜷</a:t>
-            </a:r>
-          </a:p>
-          <a:p>
-            <a:pPr lvl="1"/>
-            <a:r>
-              <a:rPr lang="en-US" dirty="0" smtClean="0">
+              <a:t>𝝎 </a:t>
+            </a:r>
+            <a:r>
+              <a:rPr lang="en-US" dirty="0">
                 <a:latin typeface="Cambria Math"/>
                 <a:ea typeface="Cambria Math"/>
                 <a:sym typeface="Symbol" charset="2"/>
               </a:rPr>
-              <a:t>Then </a:t>
-            </a:r>
+              <a:t>is a (possibly empty) string of terminals</a:t>
+            </a:r>
+          </a:p>
+          <a:p>
             <a:r>
               <a:rPr lang="en-US" dirty="0">
-                <a:solidFill>
-                  <a:schemeClr val="accent2"/>
-                </a:solidFill>
                 <a:latin typeface="Cambria Math"/>
                 <a:ea typeface="Cambria Math"/>
                 <a:sym typeface="Symbol" charset="2"/>
               </a:rPr>
-              <a:t>𝝎 </a:t>
-            </a:r>
-            <a:r>
-              <a:rPr lang="en-US" dirty="0" smtClean="0">
+              <a:t>Why? Because </a:t>
+            </a:r>
+            <a:r>
+              <a:rPr lang="en-US" dirty="0">
+                <a:solidFill>
+                  <a:schemeClr val="accent2"/>
+                </a:solidFill>
                 <a:latin typeface="Cambria Math"/>
                 <a:ea typeface="Cambria Math"/>
                 <a:sym typeface="Symbol" charset="2"/>
               </a:rPr>
-              <a:t>is a (possibly empty) string of terminals</a:t>
-            </a:r>
-            <a:endParaRPr lang="en-US" dirty="0">
-              <a:latin typeface="Cambria Math"/>
-              <a:ea typeface="Cambria Math"/>
-              <a:sym typeface="Symbol" charset="2"/>
-            </a:endParaRPr>
-          </a:p>
-          <a:p>
-            <a:r>
-              <a:rPr lang="en-US" dirty="0" smtClean="0">
+              <a:t>𝜶X𝝎 </a:t>
+            </a:r>
+            <a:r>
+              <a:rPr lang="en-US" dirty="0">
+                <a:sym typeface="Symbol" charset="2"/>
+              </a:rPr>
+              <a:t></a:t>
+            </a:r>
+            <a:r>
+              <a:rPr lang="en-US" dirty="0">
+                <a:solidFill>
+                  <a:schemeClr val="accent2"/>
+                </a:solidFill>
                 <a:latin typeface="Cambria Math"/>
                 <a:ea typeface="Cambria Math"/>
                 <a:sym typeface="Symbol" charset="2"/>
               </a:rPr>
-              <a:t>Why? Because </a:t>
-            </a:r>
-            <a:r>
-              <a:rPr lang="en-US" dirty="0" smtClean="0">
-                <a:solidFill>
-                  <a:schemeClr val="accent2"/>
-                </a:solidFill>
+              <a:t> 𝜶𝜷𝝎</a:t>
+            </a:r>
+            <a:r>
+              <a:rPr lang="en-US" dirty="0">
                 <a:latin typeface="Cambria Math"/>
                 <a:ea typeface="Cambria Math"/>
                 <a:sym typeface="Symbol" charset="2"/>
               </a:rPr>
-              <a:t>𝜶X𝝎 </a:t>
-            </a:r>
-            <a:r>
-              <a:rPr lang="en-US" dirty="0">
-                <a:solidFill>
-                  <a:schemeClr val="accent2"/>
-                </a:solidFill>
-                <a:sym typeface="Symbol" charset="2"/>
-              </a:rPr>
-              <a:t></a:t>
-            </a:r>
-            <a:r>
-              <a:rPr lang="en-US" dirty="0" smtClean="0">
-                <a:solidFill>
-                  <a:schemeClr val="accent2"/>
-                </a:solidFill>
-                <a:latin typeface="Cambria Math"/>
-                <a:ea typeface="Cambria Math"/>
-                <a:sym typeface="Symbol" charset="2"/>
-              </a:rPr>
-              <a:t> 𝜶𝜷𝝎</a:t>
-            </a:r>
-            <a:r>
-              <a:rPr lang="en-US" dirty="0" smtClean="0">
-                <a:latin typeface="Cambria Math"/>
-                <a:ea typeface="Cambria Math"/>
-                <a:sym typeface="Symbol" charset="2"/>
-              </a:rPr>
               <a:t> is a step in  a right-most derivation</a:t>
             </a:r>
             <a:endParaRPr lang="en-CA" dirty="0"/>
-          </a:p>
-        </p:txBody>
-      </p:sp>
-      <p:sp>
-        <p:nvSpPr>
-          <p:cNvPr id="4" name="Date Placeholder 3"/>
-          <p:cNvSpPr>
-            <a:spLocks noGrp="1"/>
-          </p:cNvSpPr>
-          <p:nvPr>
-            <p:ph type="dt" sz="half" idx="10"/>
-          </p:nvPr>
-        </p:nvSpPr>
-        <p:spPr/>
-        <p:txBody>
-          <a:bodyPr/>
-          <a:lstStyle/>
-          <a:p>
-            <a:fld id="{EF36E096-31EA-354B-8AAC-9D7DF09A3C8D}" type="datetime1">
-              <a:rPr lang="en-US" smtClean="0"/>
-              <a:pPr/>
-              <a:t>16-06-21</a:t>
-            </a:fld>
-            <a:endParaRPr lang="en-US"/>
-          </a:p>
-        </p:txBody>
-      </p:sp>
-      <p:sp>
-        <p:nvSpPr>
-          <p:cNvPr id="5" name="Slide Number Placeholder 4"/>
-          <p:cNvSpPr>
-            <a:spLocks noGrp="1"/>
-          </p:cNvSpPr>
-          <p:nvPr>
-            <p:ph type="sldNum" sz="quarter" idx="12"/>
-          </p:nvPr>
-        </p:nvSpPr>
-        <p:spPr/>
-        <p:txBody>
-          <a:bodyPr/>
-          <a:lstStyle/>
-          <a:p>
-            <a:fld id="{EF43BF25-6C5C-E54C-A6BE-4C60D00A6801}" type="slidenum">
-              <a:rPr lang="en-US" smtClean="0"/>
-              <a:pPr/>
-              <a:t>5</a:t>
-            </a:fld>
-            <a:endParaRPr lang="en-US"/>
           </a:p>
         </p:txBody>
       </p:sp>
@@ -11911,7 +10997,7 @@
   <p:timing>
     <p:tnLst>
       <p:par>
-        <p:cTn xmlns:p14="http://schemas.microsoft.com/office/powerpoint/2010/main" id="1" dur="indefinite" restart="never" nodeType="tmRoot">
+        <p:cTn id="1" dur="indefinite" restart="never" nodeType="tmRoot">
           <p:childTnLst>
             <p:seq concurrent="1" nextAc="seek">
               <p:cTn id="2" dur="indefinite" nodeType="mainSeq">
@@ -12023,10 +11109,9 @@
           <a:lstStyle/>
           <a:p>
             <a:r>
-              <a:rPr lang="en-CA" dirty="0" smtClean="0"/>
+              <a:rPr lang="en-CA" dirty="0"/>
               <a:t>Notation</a:t>
             </a:r>
-            <a:endParaRPr lang="en-CA" dirty="0"/>
           </a:p>
         </p:txBody>
       </p:sp>
@@ -12051,31 +11136,31 @@
           <a:lstStyle/>
           <a:p>
             <a:r>
-              <a:rPr lang="en-CA" dirty="0" smtClean="0"/>
+              <a:rPr lang="en-CA" dirty="0"/>
               <a:t>Idea: Split string into two substrings</a:t>
             </a:r>
           </a:p>
           <a:p>
             <a:pPr lvl="1"/>
             <a:r>
-              <a:rPr lang="en-CA" dirty="0" smtClean="0"/>
+              <a:rPr lang="en-CA" dirty="0"/>
               <a:t>Right sub-string is as yet unexamined by parsing</a:t>
             </a:r>
           </a:p>
           <a:p>
             <a:pPr lvl="1"/>
             <a:r>
-              <a:rPr lang="en-CA" dirty="0" smtClean="0"/>
+              <a:rPr lang="en-CA" dirty="0"/>
               <a:t>Left sub-string has terminals and non-terminals </a:t>
             </a:r>
           </a:p>
           <a:p>
             <a:r>
-              <a:rPr lang="en-CA" dirty="0" smtClean="0"/>
+              <a:rPr lang="en-CA" dirty="0"/>
               <a:t>The dividing point is marked by a </a:t>
             </a:r>
             <a:r>
-              <a:rPr lang="en-CA" dirty="0" smtClean="0">
+              <a:rPr lang="en-CA" dirty="0">
                 <a:solidFill>
                   <a:srgbClr val="FF0000"/>
                 </a:solidFill>
@@ -12086,7 +11171,7 @@
           <a:p>
             <a:pPr lvl="1"/>
             <a:r>
-              <a:rPr lang="en-CA" dirty="0" smtClean="0">
+              <a:rPr lang="en-CA" dirty="0">
                 <a:solidFill>
                   <a:srgbClr val="FF0000"/>
                 </a:solidFill>
@@ -12094,17 +11179,17 @@
               <a:t>|</a:t>
             </a:r>
             <a:r>
-              <a:rPr lang="en-CA" dirty="0" smtClean="0"/>
+              <a:rPr lang="en-CA" dirty="0"/>
               <a:t> is not a part of the string</a:t>
             </a:r>
           </a:p>
           <a:p>
             <a:r>
-              <a:rPr lang="en-CA" dirty="0" smtClean="0"/>
+              <a:rPr lang="en-CA" dirty="0"/>
               <a:t>Initially, all input is unexamined </a:t>
             </a:r>
             <a:r>
-              <a:rPr lang="en-CA" dirty="0" smtClean="0">
+              <a:rPr lang="en-CA" dirty="0">
                 <a:solidFill>
                   <a:srgbClr val="FF0000"/>
                 </a:solidFill>
@@ -12112,11 +11197,11 @@
               <a:t>|</a:t>
             </a:r>
             <a:r>
-              <a:rPr lang="en-CA" dirty="0" smtClean="0"/>
+              <a:rPr lang="en-CA" dirty="0"/>
               <a:t> </a:t>
             </a:r>
             <a:r>
-              <a:rPr lang="en-CA" dirty="0" smtClean="0">
+              <a:rPr lang="en-CA" dirty="0">
                 <a:solidFill>
                   <a:schemeClr val="accent2"/>
                 </a:solidFill>
@@ -12124,7 +11209,7 @@
               <a:t>x</a:t>
             </a:r>
             <a:r>
-              <a:rPr lang="en-CA" baseline="-25000" dirty="0" smtClean="0">
+              <a:rPr lang="en-CA" baseline="-25000" dirty="0">
                 <a:solidFill>
                   <a:schemeClr val="accent2"/>
                 </a:solidFill>
@@ -12132,7 +11217,7 @@
               <a:t>1</a:t>
             </a:r>
             <a:r>
-              <a:rPr lang="en-CA" dirty="0" smtClean="0">
+              <a:rPr lang="en-CA" dirty="0">
                 <a:solidFill>
                   <a:schemeClr val="accent2"/>
                 </a:solidFill>
@@ -12140,7 +11225,7 @@
               <a:t> x</a:t>
             </a:r>
             <a:r>
-              <a:rPr lang="en-CA" baseline="-25000" dirty="0" smtClean="0">
+              <a:rPr lang="en-CA" baseline="-25000" dirty="0">
                 <a:solidFill>
                   <a:schemeClr val="accent2"/>
                 </a:solidFill>
@@ -12148,7 +11233,7 @@
               <a:t>2</a:t>
             </a:r>
             <a:r>
-              <a:rPr lang="en-CA" dirty="0" smtClean="0">
+              <a:rPr lang="en-CA" dirty="0">
                 <a:solidFill>
                   <a:schemeClr val="accent2"/>
                 </a:solidFill>
@@ -12156,7 +11241,7 @@
               <a:t> …</a:t>
             </a:r>
             <a:r>
-              <a:rPr lang="en-CA" dirty="0" err="1" smtClean="0">
+              <a:rPr lang="en-CA" dirty="0" err="1">
                 <a:solidFill>
                   <a:schemeClr val="accent2"/>
                 </a:solidFill>
@@ -12164,7 +11249,7 @@
               <a:t>x</a:t>
             </a:r>
             <a:r>
-              <a:rPr lang="en-CA" baseline="-25000" dirty="0" err="1" smtClean="0">
+              <a:rPr lang="en-CA" baseline="-25000" dirty="0" err="1">
                 <a:solidFill>
                   <a:schemeClr val="accent2"/>
                 </a:solidFill>
@@ -12176,54 +11261,6 @@
                 <a:schemeClr val="accent2"/>
               </a:solidFill>
             </a:endParaRPr>
-          </a:p>
-        </p:txBody>
-      </p:sp>
-      <p:sp>
-        <p:nvSpPr>
-          <p:cNvPr id="4" name="Date Placeholder 3"/>
-          <p:cNvSpPr>
-            <a:spLocks noGrp="1"/>
-          </p:cNvSpPr>
-          <p:nvPr>
-            <p:ph type="dt" sz="half" idx="10"/>
-          </p:nvPr>
-        </p:nvSpPr>
-        <p:spPr/>
-        <p:txBody>
-          <a:bodyPr/>
-          <a:lstStyle/>
-          <a:p>
-            <a:fld id="{EF36E096-31EA-354B-8AAC-9D7DF09A3C8D}" type="datetime1">
-              <a:rPr lang="en-US" smtClean="0"/>
-              <a:pPr/>
-              <a:t>16-06-21</a:t>
-            </a:fld>
-            <a:endParaRPr lang="en-US"/>
-          </a:p>
-        </p:txBody>
-      </p:sp>
-      <p:sp>
-        <p:nvSpPr>
-          <p:cNvPr id="5" name="Slide Number Placeholder 4"/>
-          <p:cNvSpPr>
-            <a:spLocks noGrp="1"/>
-          </p:cNvSpPr>
-          <p:nvPr>
-            <p:ph type="sldNum" sz="quarter" idx="12"/>
-          </p:nvPr>
-        </p:nvSpPr>
-        <p:spPr/>
-        <p:txBody>
-          <a:bodyPr/>
-          <a:lstStyle/>
-          <a:p>
-            <a:fld id="{EF43BF25-6C5C-E54C-A6BE-4C60D00A6801}" type="slidenum">
-              <a:rPr lang="en-US" smtClean="0"/>
-              <a:pPr/>
-              <a:t>6</a:t>
-            </a:fld>
-            <a:endParaRPr lang="en-US"/>
           </a:p>
         </p:txBody>
       </p:sp>
@@ -12237,13 +11274,6 @@
   <p:clrMapOvr>
     <a:masterClrMapping/>
   </p:clrMapOvr>
-  <p:timing>
-    <p:tnLst>
-      <p:par>
-        <p:cTn xmlns:p14="http://schemas.microsoft.com/office/powerpoint/2010/main" id="1" dur="indefinite" restart="never" nodeType="tmRoot"/>
-      </p:par>
-    </p:tnLst>
-  </p:timing>
 </p:sld>
 </file>
 
@@ -12280,10 +11310,9 @@
           <a:lstStyle/>
           <a:p>
             <a:r>
-              <a:rPr lang="en-CA" dirty="0" smtClean="0"/>
+              <a:rPr lang="en-CA" dirty="0"/>
               <a:t>Shift-Reduce Parsing</a:t>
             </a:r>
-            <a:endParaRPr lang="en-CA" dirty="0"/>
           </a:p>
         </p:txBody>
       </p:sp>
@@ -12308,18 +11337,18 @@
           <a:lstStyle/>
           <a:p>
             <a:r>
-              <a:rPr lang="en-CA" dirty="0" smtClean="0"/>
+              <a:rPr lang="en-CA" dirty="0"/>
               <a:t>Bottom-up parsing uses only two kinds of actions:</a:t>
             </a:r>
           </a:p>
           <a:p>
             <a:pPr lvl="1"/>
             <a:r>
-              <a:rPr lang="en-CA" dirty="0" smtClean="0"/>
+              <a:rPr lang="en-CA" dirty="0"/>
               <a:t>Shift: Move </a:t>
             </a:r>
             <a:r>
-              <a:rPr lang="en-CA" dirty="0" smtClean="0">
+              <a:rPr lang="en-CA" dirty="0">
                 <a:solidFill>
                   <a:srgbClr val="FF0000"/>
                 </a:solidFill>
@@ -12327,14 +11356,14 @@
               <a:t>|</a:t>
             </a:r>
             <a:r>
-              <a:rPr lang="en-CA" dirty="0" smtClean="0"/>
+              <a:rPr lang="en-CA" dirty="0"/>
               <a:t> one place  to the right</a:t>
             </a:r>
           </a:p>
           <a:p>
             <a:pPr lvl="2"/>
             <a:r>
-              <a:rPr lang="en-CA" dirty="0" smtClean="0"/>
+              <a:rPr lang="en-CA" dirty="0"/>
               <a:t>Shift a terminal to the left string</a:t>
             </a:r>
           </a:p>
@@ -12343,11 +11372,11 @@
               <a:buNone/>
             </a:pPr>
             <a:r>
-              <a:rPr lang="en-CA" dirty="0" smtClean="0"/>
+              <a:rPr lang="en-CA" dirty="0"/>
               <a:t>         </a:t>
             </a:r>
             <a:r>
-              <a:rPr lang="en-CA" dirty="0" smtClean="0">
+              <a:rPr lang="en-CA" dirty="0">
                 <a:solidFill>
                   <a:schemeClr val="accent2"/>
                 </a:solidFill>
@@ -12355,7 +11384,7 @@
               <a:t>ABC </a:t>
             </a:r>
             <a:r>
-              <a:rPr lang="en-CA" dirty="0" smtClean="0">
+              <a:rPr lang="en-CA" dirty="0">
                 <a:solidFill>
                   <a:srgbClr val="FF0000"/>
                 </a:solidFill>
@@ -12363,7 +11392,7 @@
               <a:t>|</a:t>
             </a:r>
             <a:r>
-              <a:rPr lang="en-CA" dirty="0" smtClean="0">
+              <a:rPr lang="en-CA" dirty="0">
                 <a:solidFill>
                   <a:schemeClr val="accent2"/>
                 </a:solidFill>
@@ -12371,20 +11400,20 @@
               <a:t> xyz</a:t>
             </a:r>
             <a:r>
-              <a:rPr lang="en-CA" dirty="0" smtClean="0">
+              <a:rPr lang="en-CA" dirty="0">
                 <a:latin typeface="Candara" panose="020E0502030303020204" pitchFamily="34" charset="0"/>
               </a:rPr>
               <a:t> </a:t>
             </a:r>
             <a:r>
-              <a:rPr lang="en-US" dirty="0" smtClean="0">
+              <a:rPr lang="en-US" dirty="0">
                 <a:latin typeface="Candara" panose="020E0502030303020204" pitchFamily="34" charset="0"/>
                 <a:sym typeface="Symbol" charset="2"/>
               </a:rPr>
               <a:t>  </a:t>
             </a:r>
             <a:r>
-              <a:rPr lang="en-US" dirty="0" err="1" smtClean="0">
+              <a:rPr lang="en-US" dirty="0" err="1">
                 <a:solidFill>
                   <a:schemeClr val="accent2"/>
                 </a:solidFill>
@@ -12394,7 +11423,7 @@
               <a:t>ABCx</a:t>
             </a:r>
             <a:r>
-              <a:rPr lang="en-US" dirty="0" smtClean="0">
+              <a:rPr lang="en-US" dirty="0">
                 <a:solidFill>
                   <a:schemeClr val="accent2"/>
                 </a:solidFill>
@@ -12404,7 +11433,7 @@
               <a:t> </a:t>
             </a:r>
             <a:r>
-              <a:rPr lang="en-US" dirty="0" smtClean="0">
+              <a:rPr lang="en-US" dirty="0">
                 <a:solidFill>
                   <a:srgbClr val="FF0000"/>
                 </a:solidFill>
@@ -12414,7 +11443,7 @@
               <a:t>|</a:t>
             </a:r>
             <a:r>
-              <a:rPr lang="en-US" dirty="0" smtClean="0">
+              <a:rPr lang="en-US" dirty="0">
                 <a:solidFill>
                   <a:schemeClr val="accent2"/>
                 </a:solidFill>
@@ -12424,7 +11453,7 @@
               <a:t> </a:t>
             </a:r>
             <a:r>
-              <a:rPr lang="en-US" dirty="0" err="1" smtClean="0">
+              <a:rPr lang="en-US" dirty="0" err="1">
                 <a:solidFill>
                   <a:schemeClr val="accent2"/>
                 </a:solidFill>
@@ -12443,7 +11472,7 @@
           <a:p>
             <a:pPr lvl="1"/>
             <a:r>
-              <a:rPr lang="en-CA" dirty="0" smtClean="0">
+              <a:rPr lang="en-CA" dirty="0">
                 <a:latin typeface="Candara" panose="020E0502030303020204" pitchFamily="34" charset="0"/>
               </a:rPr>
               <a:t>Reduce: Apply an inverse production at the right end of the left string</a:t>
@@ -12452,7 +11481,7 @@
           <a:p>
             <a:pPr lvl="2"/>
             <a:r>
-              <a:rPr lang="en-CA" dirty="0" smtClean="0">
+              <a:rPr lang="en-CA" dirty="0">
                 <a:latin typeface="Candara" panose="020E0502030303020204" pitchFamily="34" charset="0"/>
               </a:rPr>
               <a:t>If </a:t>
@@ -12467,13 +11496,13 @@
               <a:t>A</a:t>
             </a:r>
             <a:r>
-              <a:rPr lang="en-CA" dirty="0" smtClean="0">
+              <a:rPr lang="en-CA" dirty="0">
                 <a:latin typeface="Candara" panose="020E0502030303020204" pitchFamily="34" charset="0"/>
               </a:rPr>
               <a:t> </a:t>
             </a:r>
             <a:r>
-              <a:rPr lang="en-US" dirty="0" smtClean="0">
+              <a:rPr lang="en-US" dirty="0">
                 <a:solidFill>
                   <a:srgbClr val="000099"/>
                 </a:solidFill>
@@ -12482,7 +11511,7 @@
               <a:t> </a:t>
             </a:r>
             <a:r>
-              <a:rPr lang="en-US" dirty="0" err="1" smtClean="0">
+              <a:rPr lang="en-US" dirty="0" err="1">
                 <a:solidFill>
                   <a:srgbClr val="000099"/>
                 </a:solidFill>
@@ -12491,7 +11520,7 @@
               <a:t>xy</a:t>
             </a:r>
             <a:r>
-              <a:rPr lang="en-US" dirty="0" smtClean="0">
+              <a:rPr lang="en-US" dirty="0">
                 <a:solidFill>
                   <a:srgbClr val="000099"/>
                 </a:solidFill>
@@ -12500,7 +11529,7 @@
               <a:t> </a:t>
             </a:r>
             <a:r>
-              <a:rPr lang="en-US" dirty="0" smtClean="0">
+              <a:rPr lang="en-US" dirty="0">
                 <a:sym typeface="Symbol" charset="2"/>
               </a:rPr>
               <a:t>is a production, then reduce </a:t>
@@ -12518,70 +11547,60 @@
                 <a:latin typeface="Candara" panose="020E0502030303020204" pitchFamily="34" charset="0"/>
                 <a:sym typeface="Symbol" charset="2"/>
               </a:rPr>
-              <a:t> </a:t>
-            </a:r>
-            <a:r>
-              <a:rPr lang="en-US" dirty="0" smtClean="0">
+              <a:t>      </a:t>
+            </a:r>
+            <a:r>
+              <a:rPr lang="en-US" sz="2800" dirty="0" err="1">
                 <a:solidFill>
                   <a:srgbClr val="000099"/>
                 </a:solidFill>
                 <a:latin typeface="Candara" panose="020E0502030303020204" pitchFamily="34" charset="0"/>
                 <a:sym typeface="Symbol" charset="2"/>
               </a:rPr>
-              <a:t>     </a:t>
-            </a:r>
-            <a:r>
-              <a:rPr lang="en-US" sz="2800" dirty="0" err="1" smtClean="0">
+              <a:t>Cbxy</a:t>
+            </a:r>
+            <a:r>
+              <a:rPr lang="en-US" sz="2800" dirty="0">
                 <a:solidFill>
                   <a:srgbClr val="000099"/>
                 </a:solidFill>
                 <a:latin typeface="Candara" panose="020E0502030303020204" pitchFamily="34" charset="0"/>
                 <a:sym typeface="Symbol" charset="2"/>
               </a:rPr>
-              <a:t>Cbxy</a:t>
-            </a:r>
-            <a:r>
-              <a:rPr lang="en-US" sz="2800" dirty="0" smtClean="0">
-                <a:solidFill>
-                  <a:srgbClr val="000099"/>
+              <a:t> </a:t>
+            </a:r>
+            <a:r>
+              <a:rPr lang="en-US" sz="2800" dirty="0">
+                <a:solidFill>
+                  <a:srgbClr val="FF0000"/>
                 </a:solidFill>
                 <a:latin typeface="Candara" panose="020E0502030303020204" pitchFamily="34" charset="0"/>
                 <a:sym typeface="Symbol" charset="2"/>
               </a:rPr>
-              <a:t> </a:t>
-            </a:r>
-            <a:r>
-              <a:rPr lang="en-US" sz="2800" dirty="0" smtClean="0">
-                <a:solidFill>
-                  <a:srgbClr val="FF0000"/>
+              <a:t>|</a:t>
+            </a:r>
+            <a:r>
+              <a:rPr lang="en-US" sz="2800" dirty="0">
+                <a:solidFill>
+                  <a:srgbClr val="000099"/>
                 </a:solidFill>
                 <a:latin typeface="Candara" panose="020E0502030303020204" pitchFamily="34" charset="0"/>
                 <a:sym typeface="Symbol" charset="2"/>
               </a:rPr>
-              <a:t>|</a:t>
-            </a:r>
-            <a:r>
-              <a:rPr lang="en-US" sz="2800" dirty="0" smtClean="0">
+              <a:t> </a:t>
+            </a:r>
+            <a:r>
+              <a:rPr lang="en-US" sz="2800" dirty="0" err="1">
                 <a:solidFill>
                   <a:srgbClr val="000099"/>
                 </a:solidFill>
                 <a:latin typeface="Candara" panose="020E0502030303020204" pitchFamily="34" charset="0"/>
                 <a:sym typeface="Symbol" charset="2"/>
               </a:rPr>
-              <a:t> </a:t>
-            </a:r>
-            <a:r>
-              <a:rPr lang="en-US" sz="2800" dirty="0" err="1" smtClean="0">
-                <a:solidFill>
-                  <a:srgbClr val="000099"/>
-                </a:solidFill>
-                <a:latin typeface="Candara" panose="020E0502030303020204" pitchFamily="34" charset="0"/>
-                <a:sym typeface="Symbol" charset="2"/>
-              </a:rPr>
               <a:t>ijk</a:t>
             </a:r>
             <a:r>
-              <a:rPr lang="en-US" sz="2800" dirty="0" smtClean="0">
+              <a:rPr lang="en-US" sz="2800" dirty="0">
                 <a:solidFill>
                   <a:srgbClr val="000099"/>
                 </a:solidFill>
@@ -12598,7 +11617,7 @@
               <a:t></a:t>
             </a:r>
             <a:r>
-              <a:rPr lang="en-US" sz="2800" dirty="0" smtClean="0">
+              <a:rPr lang="en-US" sz="2800" dirty="0">
                 <a:solidFill>
                   <a:srgbClr val="000099"/>
                 </a:solidFill>
@@ -12608,7 +11627,7 @@
               <a:t> </a:t>
             </a:r>
             <a:r>
-              <a:rPr lang="en-US" sz="2800" dirty="0" err="1" smtClean="0">
+              <a:rPr lang="en-US" sz="2800" dirty="0" err="1">
                 <a:solidFill>
                   <a:srgbClr val="000099"/>
                 </a:solidFill>
@@ -12618,7 +11637,7 @@
               <a:t>CbA</a:t>
             </a:r>
             <a:r>
-              <a:rPr lang="en-US" sz="2800" dirty="0" smtClean="0">
+              <a:rPr lang="en-US" sz="2800" dirty="0">
                 <a:solidFill>
                   <a:srgbClr val="000099"/>
                 </a:solidFill>
@@ -12628,7 +11647,7 @@
               <a:t> </a:t>
             </a:r>
             <a:r>
-              <a:rPr lang="en-US" sz="2800" dirty="0" smtClean="0">
+              <a:rPr lang="en-US" sz="2800" dirty="0">
                 <a:solidFill>
                   <a:srgbClr val="FF0000"/>
                 </a:solidFill>
@@ -12638,7 +11657,7 @@
               <a:t>|</a:t>
             </a:r>
             <a:r>
-              <a:rPr lang="en-US" sz="2800" dirty="0" smtClean="0">
+              <a:rPr lang="en-US" sz="2800" dirty="0">
                 <a:solidFill>
                   <a:srgbClr val="000099"/>
                 </a:solidFill>
@@ -12648,7 +11667,7 @@
               <a:t> </a:t>
             </a:r>
             <a:r>
-              <a:rPr lang="en-US" sz="2800" dirty="0" err="1" smtClean="0">
+              <a:rPr lang="en-US" sz="2800" dirty="0" err="1">
                 <a:solidFill>
                   <a:srgbClr val="000099"/>
                 </a:solidFill>
@@ -12660,54 +11679,6 @@
             <a:endParaRPr lang="en-CA" sz="2800" dirty="0">
               <a:latin typeface="Candara" panose="020E0502030303020204" pitchFamily="34" charset="0"/>
             </a:endParaRPr>
-          </a:p>
-        </p:txBody>
-      </p:sp>
-      <p:sp>
-        <p:nvSpPr>
-          <p:cNvPr id="4" name="Date Placeholder 3"/>
-          <p:cNvSpPr>
-            <a:spLocks noGrp="1"/>
-          </p:cNvSpPr>
-          <p:nvPr>
-            <p:ph type="dt" sz="half" idx="10"/>
-          </p:nvPr>
-        </p:nvSpPr>
-        <p:spPr/>
-        <p:txBody>
-          <a:bodyPr/>
-          <a:lstStyle/>
-          <a:p>
-            <a:fld id="{EF36E096-31EA-354B-8AAC-9D7DF09A3C8D}" type="datetime1">
-              <a:rPr lang="en-US" smtClean="0"/>
-              <a:pPr/>
-              <a:t>16-06-21</a:t>
-            </a:fld>
-            <a:endParaRPr lang="en-US"/>
-          </a:p>
-        </p:txBody>
-      </p:sp>
-      <p:sp>
-        <p:nvSpPr>
-          <p:cNvPr id="5" name="Slide Number Placeholder 4"/>
-          <p:cNvSpPr>
-            <a:spLocks noGrp="1"/>
-          </p:cNvSpPr>
-          <p:nvPr>
-            <p:ph type="sldNum" sz="quarter" idx="12"/>
-          </p:nvPr>
-        </p:nvSpPr>
-        <p:spPr/>
-        <p:txBody>
-          <a:bodyPr/>
-          <a:lstStyle/>
-          <a:p>
-            <a:fld id="{EF43BF25-6C5C-E54C-A6BE-4C60D00A6801}" type="slidenum">
-              <a:rPr lang="en-US" smtClean="0"/>
-              <a:pPr/>
-              <a:t>7</a:t>
-            </a:fld>
-            <a:endParaRPr lang="en-US"/>
           </a:p>
         </p:txBody>
       </p:sp>
@@ -12724,7 +11695,7 @@
   <p:timing>
     <p:tnLst>
       <p:par>
-        <p:cTn xmlns:p14="http://schemas.microsoft.com/office/powerpoint/2010/main" id="1" dur="indefinite" restart="never" nodeType="tmRoot">
+        <p:cTn id="1" dur="indefinite" restart="never" nodeType="tmRoot">
           <p:childTnLst>
             <p:seq concurrent="1" nextAc="seek">
               <p:cTn id="2" dur="indefinite" nodeType="mainSeq">
@@ -12898,58 +11869,9 @@
           <a:lstStyle/>
           <a:p>
             <a:r>
-              <a:rPr lang="en-CA" dirty="0" smtClean="0"/>
+              <a:rPr lang="en-CA" dirty="0"/>
               <a:t>Shift-Reduce Parsing</a:t>
             </a:r>
-            <a:endParaRPr lang="en-CA" dirty="0"/>
-          </a:p>
-        </p:txBody>
-      </p:sp>
-      <p:sp>
-        <p:nvSpPr>
-          <p:cNvPr id="4" name="Date Placeholder 3"/>
-          <p:cNvSpPr>
-            <a:spLocks noGrp="1"/>
-          </p:cNvSpPr>
-          <p:nvPr>
-            <p:ph type="dt" sz="half" idx="10"/>
-          </p:nvPr>
-        </p:nvSpPr>
-        <p:spPr/>
-        <p:txBody>
-          <a:bodyPr/>
-          <a:lstStyle/>
-          <a:p>
-            <a:fld id="{EF36E096-31EA-354B-8AAC-9D7DF09A3C8D}" type="datetime1">
-              <a:rPr lang="en-US" smtClean="0"/>
-              <a:pPr/>
-              <a:t>16-06-21</a:t>
-            </a:fld>
-            <a:endParaRPr lang="en-US"/>
-          </a:p>
-        </p:txBody>
-      </p:sp>
-      <p:sp>
-        <p:nvSpPr>
-          <p:cNvPr id="5" name="Slide Number Placeholder 4"/>
-          <p:cNvSpPr>
-            <a:spLocks noGrp="1"/>
-          </p:cNvSpPr>
-          <p:nvPr>
-            <p:ph type="sldNum" sz="quarter" idx="12"/>
-          </p:nvPr>
-        </p:nvSpPr>
-        <p:spPr/>
-        <p:txBody>
-          <a:bodyPr/>
-          <a:lstStyle/>
-          <a:p>
-            <a:fld id="{EF43BF25-6C5C-E54C-A6BE-4C60D00A6801}" type="slidenum">
-              <a:rPr lang="en-US" smtClean="0"/>
-              <a:pPr/>
-              <a:t>8</a:t>
-            </a:fld>
-            <a:endParaRPr lang="en-US"/>
           </a:p>
         </p:txBody>
       </p:sp>
@@ -13152,28 +12074,20 @@
               <a:t> </a:t>
             </a:r>
             <a:r>
-              <a:rPr lang="en-CA" sz="2400" kern="0" dirty="0" err="1" smtClean="0"/>
-              <a:t>int</a:t>
-            </a:r>
-            <a:r>
-              <a:rPr lang="en-CA" sz="2400" kern="0" dirty="0" smtClean="0"/>
-              <a:t> </a:t>
-            </a:r>
-            <a:r>
-              <a:rPr lang="en-CA" sz="2400" kern="0" dirty="0"/>
-              <a:t>* </a:t>
-            </a:r>
-            <a:r>
               <a:rPr lang="en-CA" sz="2400" kern="0" dirty="0" err="1"/>
               <a:t>int</a:t>
             </a:r>
             <a:r>
               <a:rPr lang="en-CA" sz="2400" kern="0" dirty="0"/>
-              <a:t> </a:t>
-            </a:r>
-            <a:r>
-              <a:rPr lang="en-CA" sz="2400" kern="0" dirty="0" smtClean="0"/>
-              <a:t>+ </a:t>
+              <a:t> * </a:t>
+            </a:r>
+            <a:r>
+              <a:rPr lang="en-CA" sz="2400" kern="0" dirty="0" err="1"/>
+              <a:t>int</a:t>
+            </a:r>
+            <a:r>
+              <a:rPr lang="en-CA" sz="2400" kern="0" dirty="0"/>
+              <a:t> + </a:t>
             </a:r>
             <a:r>
               <a:rPr lang="en-CA" sz="2400" kern="0" dirty="0" err="1"/>
@@ -13203,11 +12117,7 @@
             </a:r>
             <a:r>
               <a:rPr lang="en-CA" sz="2400" kern="0" dirty="0"/>
-              <a:t> </a:t>
-            </a:r>
-            <a:r>
-              <a:rPr lang="en-CA" sz="2400" kern="0" dirty="0" smtClean="0"/>
-              <a:t>* </a:t>
+              <a:t> * </a:t>
             </a:r>
             <a:r>
               <a:rPr lang="en-CA" sz="2400" kern="0" dirty="0" err="1"/>
@@ -13215,11 +12125,7 @@
             </a:r>
             <a:r>
               <a:rPr lang="en-CA" sz="2400" kern="0" dirty="0"/>
-              <a:t> </a:t>
-            </a:r>
-            <a:r>
-              <a:rPr lang="en-CA" sz="2400" kern="0" dirty="0" smtClean="0"/>
-              <a:t>+ </a:t>
+              <a:t> + </a:t>
             </a:r>
             <a:r>
               <a:rPr lang="en-CA" sz="2400" kern="0" dirty="0" err="1"/>
@@ -13252,18 +12158,18 @@
               <a:t> </a:t>
             </a:r>
             <a:r>
-              <a:rPr lang="en-CA" sz="2400" kern="0" dirty="0" err="1" smtClean="0"/>
+              <a:rPr lang="en-CA" sz="2400" kern="0" dirty="0" err="1"/>
               <a:t>int</a:t>
             </a:r>
             <a:r>
-              <a:rPr lang="en-CA" sz="2400" kern="0" dirty="0" smtClean="0"/>
+              <a:rPr lang="en-CA" sz="2400" kern="0" dirty="0"/>
               <a:t> + </a:t>
             </a:r>
             <a:r>
-              <a:rPr lang="en-CA" sz="2400" kern="0" dirty="0" err="1" smtClean="0"/>
+              <a:rPr lang="en-CA" sz="2400" kern="0" dirty="0" err="1"/>
               <a:t>int</a:t>
             </a:r>
-            <a:endParaRPr lang="en-CA" sz="2400" kern="0" dirty="0" smtClean="0"/>
+            <a:endParaRPr lang="en-CA" sz="2400" kern="0" dirty="0"/>
           </a:p>
           <a:p>
             <a:pPr marL="0" indent="0" eaLnBrk="1" hangingPunct="1">
@@ -13271,23 +12177,23 @@
               <a:buNone/>
             </a:pPr>
             <a:r>
-              <a:rPr lang="en-CA" sz="2400" kern="0" dirty="0" err="1" smtClean="0"/>
+              <a:rPr lang="en-CA" sz="2400" kern="0" dirty="0" err="1"/>
               <a:t>int</a:t>
             </a:r>
             <a:r>
-              <a:rPr lang="en-CA" sz="2400" kern="0" dirty="0" smtClean="0"/>
+              <a:rPr lang="en-CA" sz="2400" kern="0" dirty="0"/>
               <a:t> * </a:t>
             </a:r>
             <a:r>
-              <a:rPr lang="en-CA" sz="2400" kern="0" dirty="0" err="1" smtClean="0"/>
+              <a:rPr lang="en-CA" sz="2400" kern="0" dirty="0" err="1"/>
               <a:t>int</a:t>
             </a:r>
             <a:r>
-              <a:rPr lang="en-CA" sz="2400" kern="0" dirty="0" smtClean="0"/>
+              <a:rPr lang="en-CA" sz="2400" kern="0" dirty="0"/>
               <a:t> </a:t>
             </a:r>
             <a:r>
-              <a:rPr lang="en-CA" sz="2400" kern="0" dirty="0" smtClean="0">
+              <a:rPr lang="en-CA" sz="2400" kern="0" dirty="0">
                 <a:solidFill>
                   <a:srgbClr val="FF0000"/>
                 </a:solidFill>
@@ -13295,14 +12201,14 @@
               <a:t>|</a:t>
             </a:r>
             <a:r>
-              <a:rPr lang="en-CA" sz="2400" kern="0" dirty="0" smtClean="0"/>
+              <a:rPr lang="en-CA" sz="2400" kern="0" dirty="0"/>
               <a:t> + </a:t>
             </a:r>
             <a:r>
-              <a:rPr lang="en-CA" sz="2400" kern="0" dirty="0" err="1" smtClean="0"/>
+              <a:rPr lang="en-CA" sz="2400" kern="0" dirty="0" err="1"/>
               <a:t>int</a:t>
             </a:r>
-            <a:endParaRPr lang="en-CA" sz="2400" kern="0" dirty="0" smtClean="0"/>
+            <a:endParaRPr lang="en-CA" sz="2400" kern="0" dirty="0"/>
           </a:p>
           <a:p>
             <a:pPr marL="0" indent="0" eaLnBrk="1" hangingPunct="1">
@@ -13311,18 +12217,14 @@
             </a:pPr>
             <a:r>
               <a:rPr lang="en-CA" sz="2400" kern="0" dirty="0" err="1"/>
-              <a:t>i</a:t>
-            </a:r>
-            <a:r>
-              <a:rPr lang="en-CA" sz="2400" kern="0" dirty="0" err="1" smtClean="0"/>
-              <a:t>nt</a:t>
-            </a:r>
-            <a:r>
-              <a:rPr lang="en-CA" sz="2400" kern="0" dirty="0" smtClean="0"/>
+              <a:t>int</a:t>
+            </a:r>
+            <a:r>
+              <a:rPr lang="en-CA" sz="2400" kern="0" dirty="0"/>
               <a:t> *  T </a:t>
             </a:r>
             <a:r>
-              <a:rPr lang="en-CA" sz="2400" kern="0" dirty="0" smtClean="0">
+              <a:rPr lang="en-CA" sz="2400" kern="0" dirty="0">
                 <a:solidFill>
                   <a:srgbClr val="FF0000"/>
                 </a:solidFill>
@@ -13330,25 +12232,25 @@
               <a:t>|</a:t>
             </a:r>
             <a:r>
-              <a:rPr lang="en-CA" sz="2400" kern="0" dirty="0" smtClean="0"/>
+              <a:rPr lang="en-CA" sz="2400" kern="0" dirty="0"/>
               <a:t> + </a:t>
             </a:r>
             <a:r>
-              <a:rPr lang="en-CA" sz="2400" kern="0" dirty="0" err="1" smtClean="0"/>
+              <a:rPr lang="en-CA" sz="2400" kern="0" dirty="0" err="1"/>
               <a:t>int</a:t>
             </a:r>
-            <a:endParaRPr lang="en-CA" sz="2400" kern="0" dirty="0" smtClean="0"/>
+            <a:endParaRPr lang="en-CA" sz="2400" kern="0" dirty="0"/>
           </a:p>
           <a:p>
             <a:pPr marL="0" indent="0" eaLnBrk="1" hangingPunct="1">
               <a:buNone/>
             </a:pPr>
             <a:r>
-              <a:rPr lang="en-CA" sz="2400" kern="0" dirty="0" smtClean="0"/>
+              <a:rPr lang="en-CA" sz="2400" kern="0" dirty="0"/>
               <a:t>T </a:t>
             </a:r>
             <a:r>
-              <a:rPr lang="en-CA" sz="2400" kern="0" dirty="0" smtClean="0">
+              <a:rPr lang="en-CA" sz="2400" kern="0" dirty="0">
                 <a:solidFill>
                   <a:srgbClr val="FF0000"/>
                 </a:solidFill>
@@ -13356,11 +12258,11 @@
               <a:t>|</a:t>
             </a:r>
             <a:r>
-              <a:rPr lang="en-CA" sz="2400" kern="0" dirty="0" smtClean="0"/>
+              <a:rPr lang="en-CA" sz="2400" kern="0" dirty="0"/>
               <a:t> + </a:t>
             </a:r>
             <a:r>
-              <a:rPr lang="en-CA" sz="2400" kern="0" dirty="0" err="1" smtClean="0"/>
+              <a:rPr lang="en-CA" sz="2400" kern="0" dirty="0" err="1"/>
               <a:t>int</a:t>
             </a:r>
             <a:endParaRPr lang="en-CA" sz="2400" kern="0" dirty="0"/>
@@ -13370,7 +12272,7 @@
               <a:buNone/>
             </a:pPr>
             <a:r>
-              <a:rPr lang="en-CA" sz="2400" kern="0" dirty="0" smtClean="0"/>
+              <a:rPr lang="en-CA" sz="2400" kern="0" dirty="0"/>
               <a:t>T + </a:t>
             </a:r>
             <a:r>
@@ -13386,33 +12288,29 @@
               <a:t> </a:t>
             </a:r>
             <a:r>
-              <a:rPr lang="en-CA" sz="2400" kern="0" dirty="0" err="1" smtClean="0"/>
+              <a:rPr lang="en-CA" sz="2400" kern="0" dirty="0" err="1"/>
               <a:t>int</a:t>
             </a:r>
-            <a:endParaRPr lang="en-CA" sz="2400" kern="0" dirty="0" smtClean="0"/>
+            <a:endParaRPr lang="en-CA" sz="2400" kern="0" dirty="0"/>
           </a:p>
           <a:p>
             <a:pPr marL="0" indent="0" eaLnBrk="1" hangingPunct="1">
               <a:buNone/>
             </a:pPr>
             <a:r>
-              <a:rPr lang="en-CA" sz="2400" kern="0" dirty="0" smtClean="0"/>
-              <a:t>T  </a:t>
-            </a:r>
-            <a:r>
               <a:rPr lang="en-CA" sz="2400" kern="0" dirty="0"/>
-              <a:t>+ </a:t>
-            </a:r>
-            <a:r>
-              <a:rPr lang="en-CA" sz="2400" kern="0" dirty="0" err="1" smtClean="0"/>
+              <a:t>T  + </a:t>
+            </a:r>
+            <a:r>
+              <a:rPr lang="en-CA" sz="2400" kern="0" dirty="0" err="1"/>
               <a:t>int</a:t>
             </a:r>
             <a:r>
-              <a:rPr lang="en-CA" sz="2400" kern="0" dirty="0" smtClean="0"/>
+              <a:rPr lang="en-CA" sz="2400" kern="0" dirty="0"/>
               <a:t> </a:t>
             </a:r>
             <a:r>
-              <a:rPr lang="en-CA" sz="2400" kern="0" dirty="0" smtClean="0">
+              <a:rPr lang="en-CA" sz="2400" kern="0" dirty="0">
                 <a:solidFill>
                   <a:srgbClr val="FF0000"/>
                 </a:solidFill>
@@ -13425,22 +12323,17 @@
               <a:buNone/>
             </a:pPr>
             <a:r>
-              <a:rPr lang="en-CA" sz="2400" kern="0" dirty="0" smtClean="0"/>
+              <a:rPr lang="en-CA" sz="2400" kern="0" dirty="0"/>
               <a:t>T + T </a:t>
             </a:r>
             <a:r>
-              <a:rPr lang="en-CA" sz="2400" kern="0" dirty="0" smtClean="0">
+              <a:rPr lang="en-CA" sz="2400" kern="0" dirty="0">
                 <a:solidFill>
                   <a:srgbClr val="FF0000"/>
                 </a:solidFill>
               </a:rPr>
               <a:t>|</a:t>
             </a:r>
-            <a:endParaRPr lang="en-CA" sz="2400" kern="0" dirty="0">
-              <a:solidFill>
-                <a:srgbClr val="FF0000"/>
-              </a:solidFill>
-            </a:endParaRPr>
           </a:p>
           <a:p>
             <a:pPr marL="0" indent="0" eaLnBrk="1" hangingPunct="1">
@@ -13448,11 +12341,11 @@
               <a:buNone/>
             </a:pPr>
             <a:r>
-              <a:rPr lang="en-CA" sz="2400" kern="0" dirty="0" smtClean="0"/>
+              <a:rPr lang="en-CA" sz="2400" kern="0" dirty="0"/>
               <a:t>T + E </a:t>
             </a:r>
             <a:r>
-              <a:rPr lang="en-CA" sz="2400" kern="0" dirty="0" smtClean="0">
+              <a:rPr lang="en-CA" sz="2400" kern="0" dirty="0">
                 <a:solidFill>
                   <a:srgbClr val="FF0000"/>
                 </a:solidFill>
@@ -13466,22 +12359,17 @@
               <a:buNone/>
             </a:pPr>
             <a:r>
-              <a:rPr lang="en-CA" sz="2400" kern="0" dirty="0" smtClean="0"/>
+              <a:rPr lang="en-CA" sz="2400" kern="0" dirty="0"/>
               <a:t>E</a:t>
             </a:r>
             <a:r>
-              <a:rPr lang="en-CA" sz="2400" kern="0" dirty="0" smtClean="0">
+              <a:rPr lang="en-CA" sz="2400" kern="0" dirty="0">
                 <a:solidFill>
                   <a:srgbClr val="FF0000"/>
                 </a:solidFill>
               </a:rPr>
               <a:t> |</a:t>
             </a:r>
-            <a:endParaRPr lang="en-CA" sz="2400" kern="0" dirty="0">
-              <a:solidFill>
-                <a:srgbClr val="FF0000"/>
-              </a:solidFill>
-            </a:endParaRPr>
           </a:p>
         </p:txBody>
       </p:sp>
@@ -13672,7 +12560,7 @@
               <a:buNone/>
             </a:pPr>
             <a:r>
-              <a:rPr lang="en-CA" sz="2400" kern="0" dirty="0" smtClean="0">
+              <a:rPr lang="en-CA" sz="2400" kern="0" dirty="0">
                 <a:solidFill>
                   <a:srgbClr val="00B050"/>
                 </a:solidFill>
@@ -13685,25 +12573,20 @@
               <a:buNone/>
             </a:pPr>
             <a:r>
-              <a:rPr lang="en-CA" sz="2400" kern="0" dirty="0" smtClean="0">
+              <a:rPr lang="en-CA" sz="2400" kern="0" dirty="0">
                 <a:solidFill>
                   <a:srgbClr val="00B050"/>
                 </a:solidFill>
               </a:rPr>
               <a:t>Shift</a:t>
             </a:r>
-            <a:endParaRPr lang="en-CA" sz="2400" kern="0" dirty="0">
-              <a:solidFill>
-                <a:srgbClr val="00B050"/>
-              </a:solidFill>
-            </a:endParaRPr>
           </a:p>
           <a:p>
             <a:pPr marL="0" indent="0" eaLnBrk="1" hangingPunct="1">
               <a:buNone/>
             </a:pPr>
             <a:r>
-              <a:rPr lang="en-CA" sz="2400" kern="0" dirty="0" smtClean="0">
+              <a:rPr lang="en-CA" sz="2400" kern="0" dirty="0">
                 <a:solidFill>
                   <a:srgbClr val="00B050"/>
                 </a:solidFill>
@@ -13716,7 +12599,7 @@
               <a:buNone/>
             </a:pPr>
             <a:r>
-              <a:rPr lang="en-CA" sz="2400" kern="0" dirty="0" smtClean="0">
+              <a:rPr lang="en-CA" sz="2400" kern="0" dirty="0">
                 <a:solidFill>
                   <a:schemeClr val="accent2"/>
                 </a:solidFill>
@@ -13742,7 +12625,7 @@
               <a:t> </a:t>
             </a:r>
             <a:r>
-              <a:rPr lang="en-US" sz="2400" dirty="0" err="1" smtClean="0">
+              <a:rPr lang="en-US" sz="2400" dirty="0" err="1">
                 <a:solidFill>
                   <a:schemeClr val="accent2"/>
                 </a:solidFill>
@@ -13750,7 +12633,7 @@
               </a:rPr>
               <a:t>int</a:t>
             </a:r>
-            <a:endParaRPr lang="en-US" sz="2400" dirty="0" smtClean="0">
+            <a:endParaRPr lang="en-US" sz="2400" dirty="0">
               <a:solidFill>
                 <a:schemeClr val="accent2"/>
               </a:solidFill>
@@ -13762,7 +12645,7 @@
               <a:buNone/>
             </a:pPr>
             <a:r>
-              <a:rPr lang="en-CA" sz="2400" kern="0" dirty="0" smtClean="0">
+              <a:rPr lang="en-CA" sz="2400" kern="0" dirty="0">
                 <a:solidFill>
                   <a:schemeClr val="accent2"/>
                 </a:solidFill>
@@ -13788,7 +12671,7 @@
               <a:t> </a:t>
             </a:r>
             <a:r>
-              <a:rPr lang="en-US" sz="2400" dirty="0" err="1" smtClean="0">
+              <a:rPr lang="en-US" sz="2400" dirty="0" err="1">
                 <a:solidFill>
                   <a:schemeClr val="accent2"/>
                 </a:solidFill>
@@ -13797,7 +12680,7 @@
               <a:t>int</a:t>
             </a:r>
             <a:r>
-              <a:rPr lang="en-US" sz="2400" dirty="0" smtClean="0">
+              <a:rPr lang="en-US" sz="2400" dirty="0">
                 <a:solidFill>
                   <a:schemeClr val="accent2"/>
                 </a:solidFill>
@@ -13811,25 +12694,20 @@
               <a:buNone/>
             </a:pPr>
             <a:r>
-              <a:rPr lang="en-CA" sz="2400" kern="0" dirty="0" smtClean="0">
+              <a:rPr lang="en-CA" sz="2400" kern="0" dirty="0">
                 <a:solidFill>
                   <a:srgbClr val="00B050"/>
                 </a:solidFill>
               </a:rPr>
               <a:t>Shift</a:t>
             </a:r>
-            <a:endParaRPr lang="en-CA" sz="2400" kern="0" dirty="0">
-              <a:solidFill>
-                <a:srgbClr val="00B050"/>
-              </a:solidFill>
-            </a:endParaRPr>
           </a:p>
           <a:p>
             <a:pPr marL="0" indent="0" eaLnBrk="1" hangingPunct="1">
               <a:buNone/>
             </a:pPr>
             <a:r>
-              <a:rPr lang="en-CA" sz="2400" kern="0" dirty="0" smtClean="0">
+              <a:rPr lang="en-CA" sz="2400" kern="0" dirty="0">
                 <a:solidFill>
                   <a:srgbClr val="00B050"/>
                 </a:solidFill>
@@ -13842,7 +12720,7 @@
               <a:buNone/>
             </a:pPr>
             <a:r>
-              <a:rPr lang="en-CA" sz="2400" kern="0" dirty="0" smtClean="0">
+              <a:rPr lang="en-CA" sz="2400" kern="0" dirty="0">
                 <a:solidFill>
                   <a:schemeClr val="accent2"/>
                 </a:solidFill>
@@ -13868,7 +12746,7 @@
               <a:t> </a:t>
             </a:r>
             <a:r>
-              <a:rPr lang="en-US" sz="2400" dirty="0" err="1" smtClean="0">
+              <a:rPr lang="en-US" sz="2400" dirty="0" err="1">
                 <a:solidFill>
                   <a:schemeClr val="accent2"/>
                 </a:solidFill>
@@ -13876,7 +12754,7 @@
               </a:rPr>
               <a:t>int</a:t>
             </a:r>
-            <a:endParaRPr lang="en-US" sz="2400" dirty="0" smtClean="0">
+            <a:endParaRPr lang="en-US" sz="2400" dirty="0">
               <a:solidFill>
                 <a:schemeClr val="accent2"/>
               </a:solidFill>
@@ -13888,7 +12766,7 @@
               <a:buNone/>
             </a:pPr>
             <a:r>
-              <a:rPr lang="en-US" sz="2400" dirty="0" smtClean="0">
+              <a:rPr lang="en-US" sz="2400" dirty="0">
                 <a:solidFill>
                   <a:schemeClr val="accent2"/>
                 </a:solidFill>
@@ -13897,7 +12775,7 @@
               <a:t>Reduce E</a:t>
             </a:r>
             <a:r>
-              <a:rPr lang="en-CA" sz="2400" kern="0" dirty="0" smtClean="0">
+              <a:rPr lang="en-CA" sz="2400" kern="0" dirty="0">
                 <a:solidFill>
                   <a:schemeClr val="accent2"/>
                 </a:solidFill>
@@ -13920,16 +12798,7 @@
                 </a:solidFill>
                 <a:sym typeface="Symbol" charset="2"/>
               </a:rPr>
-              <a:t> </a:t>
-            </a:r>
-            <a:r>
-              <a:rPr lang="en-US" sz="2400" dirty="0" smtClean="0">
-                <a:solidFill>
-                  <a:schemeClr val="accent2"/>
-                </a:solidFill>
-                <a:sym typeface="Symbol" charset="2"/>
-              </a:rPr>
-              <a:t>T</a:t>
+              <a:t> T</a:t>
             </a:r>
           </a:p>
           <a:p>
@@ -13937,7 +12806,7 @@
               <a:buNone/>
             </a:pPr>
             <a:r>
-              <a:rPr lang="en-US" sz="2400" dirty="0" smtClean="0">
+              <a:rPr lang="en-US" sz="2400" dirty="0">
                 <a:solidFill>
                   <a:schemeClr val="accent2"/>
                 </a:solidFill>
@@ -13946,7 +12815,7 @@
               <a:t>Reduce E</a:t>
             </a:r>
             <a:r>
-              <a:rPr lang="en-CA" sz="2400" kern="0" dirty="0" smtClean="0">
+              <a:rPr lang="en-CA" sz="2400" kern="0" dirty="0">
                 <a:solidFill>
                   <a:schemeClr val="accent2"/>
                 </a:solidFill>
@@ -13969,16 +12838,7 @@
                 </a:solidFill>
                 <a:sym typeface="Symbol" charset="2"/>
               </a:rPr>
-              <a:t> </a:t>
-            </a:r>
-            <a:r>
-              <a:rPr lang="en-US" sz="2400" dirty="0" smtClean="0">
-                <a:solidFill>
-                  <a:schemeClr val="accent2"/>
-                </a:solidFill>
-                <a:sym typeface="Symbol" charset="2"/>
-              </a:rPr>
-              <a:t>T + E</a:t>
+              <a:t> T + E</a:t>
             </a:r>
           </a:p>
           <a:p>
@@ -14004,7 +12864,7 @@
   <p:timing>
     <p:tnLst>
       <p:par>
-        <p:cTn xmlns:p14="http://schemas.microsoft.com/office/powerpoint/2010/main" id="1" dur="indefinite" restart="never" nodeType="tmRoot">
+        <p:cTn id="1" dur="indefinite" restart="never" nodeType="tmRoot">
           <p:childTnLst>
             <p:seq concurrent="1" nextAc="seek">
               <p:cTn id="2" dur="indefinite" nodeType="mainSeq">
@@ -14395,58 +13255,9 @@
           <a:lstStyle/>
           <a:p>
             <a:r>
-              <a:rPr lang="en-CA" dirty="0" smtClean="0"/>
+              <a:rPr lang="en-CA" dirty="0"/>
               <a:t>Shift-Reduce Parsing</a:t>
             </a:r>
-            <a:endParaRPr lang="en-CA" dirty="0"/>
-          </a:p>
-        </p:txBody>
-      </p:sp>
-      <p:sp>
-        <p:nvSpPr>
-          <p:cNvPr id="4" name="Date Placeholder 3"/>
-          <p:cNvSpPr>
-            <a:spLocks noGrp="1"/>
-          </p:cNvSpPr>
-          <p:nvPr>
-            <p:ph type="dt" sz="half" idx="10"/>
-          </p:nvPr>
-        </p:nvSpPr>
-        <p:spPr/>
-        <p:txBody>
-          <a:bodyPr/>
-          <a:lstStyle/>
-          <a:p>
-            <a:fld id="{EF36E096-31EA-354B-8AAC-9D7DF09A3C8D}" type="datetime1">
-              <a:rPr lang="en-US" smtClean="0"/>
-              <a:pPr/>
-              <a:t>16-06-21</a:t>
-            </a:fld>
-            <a:endParaRPr lang="en-US"/>
-          </a:p>
-        </p:txBody>
-      </p:sp>
-      <p:sp>
-        <p:nvSpPr>
-          <p:cNvPr id="5" name="Slide Number Placeholder 4"/>
-          <p:cNvSpPr>
-            <a:spLocks noGrp="1"/>
-          </p:cNvSpPr>
-          <p:nvPr>
-            <p:ph type="sldNum" sz="quarter" idx="12"/>
-          </p:nvPr>
-        </p:nvSpPr>
-        <p:spPr/>
-        <p:txBody>
-          <a:bodyPr/>
-          <a:lstStyle/>
-          <a:p>
-            <a:fld id="{EF43BF25-6C5C-E54C-A6BE-4C60D00A6801}" type="slidenum">
-              <a:rPr lang="en-US" smtClean="0"/>
-              <a:pPr/>
-              <a:t>9</a:t>
-            </a:fld>
-            <a:endParaRPr lang="en-US"/>
           </a:p>
         </p:txBody>
       </p:sp>
@@ -14485,10 +13296,9 @@
           <a:lstStyle/>
           <a:p>
             <a:r>
-              <a:rPr lang="en-US" dirty="0" smtClean="0"/>
+              <a:rPr lang="en-US" dirty="0"/>
               <a:t>E</a:t>
             </a:r>
-            <a:endParaRPr lang="en-US" dirty="0"/>
           </a:p>
         </p:txBody>
       </p:sp>
@@ -14527,10 +13337,9 @@
           <a:lstStyle/>
           <a:p>
             <a:r>
-              <a:rPr lang="en-US" dirty="0" smtClean="0"/>
+              <a:rPr lang="en-US" dirty="0"/>
               <a:t>E</a:t>
             </a:r>
-            <a:endParaRPr lang="en-US" dirty="0"/>
           </a:p>
         </p:txBody>
       </p:sp>
@@ -14700,7 +13509,7 @@
           <a:lstStyle/>
           <a:p>
             <a:r>
-              <a:rPr lang="en-US" dirty="0" err="1" smtClean="0"/>
+              <a:rPr lang="en-US" dirty="0" err="1"/>
               <a:t>int</a:t>
             </a:r>
             <a:endParaRPr lang="en-US" dirty="0"/>
@@ -14813,7 +13622,7 @@
           <a:lstStyle/>
           <a:p>
             <a:r>
-              <a:rPr lang="en-US" dirty="0" err="1" smtClean="0"/>
+              <a:rPr lang="en-US" dirty="0" err="1"/>
               <a:t>int</a:t>
             </a:r>
             <a:endParaRPr lang="en-US" dirty="0"/>
@@ -14855,7 +13664,7 @@
           <a:lstStyle/>
           <a:p>
             <a:r>
-              <a:rPr lang="en-US" dirty="0" err="1" smtClean="0"/>
+              <a:rPr lang="en-US" dirty="0" err="1"/>
               <a:t>int</a:t>
             </a:r>
             <a:endParaRPr lang="en-US" dirty="0"/>
@@ -14897,10 +13706,9 @@
           <a:lstStyle/>
           <a:p>
             <a:r>
-              <a:rPr lang="en-US" dirty="0" smtClean="0"/>
+              <a:rPr lang="en-US" dirty="0"/>
               <a:t>T</a:t>
             </a:r>
-            <a:endParaRPr lang="en-US" dirty="0"/>
           </a:p>
         </p:txBody>
       </p:sp>
@@ -14969,10 +13777,9 @@
           <a:lstStyle/>
           <a:p>
             <a:r>
-              <a:rPr lang="en-US" dirty="0" smtClean="0"/>
+              <a:rPr lang="en-US" dirty="0"/>
               <a:t>T</a:t>
             </a:r>
-            <a:endParaRPr lang="en-US" dirty="0"/>
           </a:p>
         </p:txBody>
       </p:sp>
@@ -15011,10 +13818,9 @@
           <a:lstStyle/>
           <a:p>
             <a:r>
-              <a:rPr lang="en-US" dirty="0" smtClean="0"/>
+              <a:rPr lang="en-US" dirty="0"/>
               <a:t>T</a:t>
             </a:r>
-            <a:endParaRPr lang="en-US" dirty="0"/>
           </a:p>
         </p:txBody>
       </p:sp>
@@ -15337,28 +14143,20 @@
               <a:t> </a:t>
             </a:r>
             <a:r>
-              <a:rPr lang="en-CA" sz="2000" kern="0" dirty="0" err="1" smtClean="0"/>
-              <a:t>int</a:t>
-            </a:r>
-            <a:r>
-              <a:rPr lang="en-CA" sz="2000" kern="0" dirty="0" smtClean="0"/>
-              <a:t> </a:t>
-            </a:r>
-            <a:r>
-              <a:rPr lang="en-CA" sz="2000" kern="0" dirty="0"/>
-              <a:t>* </a:t>
-            </a:r>
-            <a:r>
               <a:rPr lang="en-CA" sz="2000" kern="0" dirty="0" err="1"/>
               <a:t>int</a:t>
             </a:r>
             <a:r>
               <a:rPr lang="en-CA" sz="2000" kern="0" dirty="0"/>
-              <a:t> </a:t>
-            </a:r>
-            <a:r>
-              <a:rPr lang="en-CA" sz="2000" kern="0" dirty="0" smtClean="0"/>
-              <a:t>+ </a:t>
+              <a:t> * </a:t>
+            </a:r>
+            <a:r>
+              <a:rPr lang="en-CA" sz="2000" kern="0" dirty="0" err="1"/>
+              <a:t>int</a:t>
+            </a:r>
+            <a:r>
+              <a:rPr lang="en-CA" sz="2000" kern="0" dirty="0"/>
+              <a:t> + </a:t>
             </a:r>
             <a:r>
               <a:rPr lang="en-CA" sz="2000" kern="0" dirty="0" err="1"/>
@@ -15388,11 +14186,7 @@
             </a:r>
             <a:r>
               <a:rPr lang="en-CA" sz="2000" kern="0" dirty="0"/>
-              <a:t> </a:t>
-            </a:r>
-            <a:r>
-              <a:rPr lang="en-CA" sz="2000" kern="0" dirty="0" smtClean="0"/>
-              <a:t>* </a:t>
+              <a:t> * </a:t>
             </a:r>
             <a:r>
               <a:rPr lang="en-CA" sz="2000" kern="0" dirty="0" err="1"/>
@@ -15400,11 +14194,7 @@
             </a:r>
             <a:r>
               <a:rPr lang="en-CA" sz="2000" kern="0" dirty="0"/>
-              <a:t> </a:t>
-            </a:r>
-            <a:r>
-              <a:rPr lang="en-CA" sz="2000" kern="0" dirty="0" smtClean="0"/>
-              <a:t>+ </a:t>
+              <a:t> + </a:t>
             </a:r>
             <a:r>
               <a:rPr lang="en-CA" sz="2000" kern="0" dirty="0" err="1"/>
@@ -15437,18 +14227,18 @@
               <a:t> </a:t>
             </a:r>
             <a:r>
-              <a:rPr lang="en-CA" sz="2000" kern="0" dirty="0" err="1" smtClean="0"/>
+              <a:rPr lang="en-CA" sz="2000" kern="0" dirty="0" err="1"/>
               <a:t>int</a:t>
             </a:r>
             <a:r>
-              <a:rPr lang="en-CA" sz="2000" kern="0" dirty="0" smtClean="0"/>
+              <a:rPr lang="en-CA" sz="2000" kern="0" dirty="0"/>
               <a:t> + </a:t>
             </a:r>
             <a:r>
-              <a:rPr lang="en-CA" sz="2000" kern="0" dirty="0" err="1" smtClean="0"/>
+              <a:rPr lang="en-CA" sz="2000" kern="0" dirty="0" err="1"/>
               <a:t>int</a:t>
             </a:r>
-            <a:endParaRPr lang="en-CA" sz="2000" kern="0" dirty="0" smtClean="0"/>
+            <a:endParaRPr lang="en-CA" sz="2000" kern="0" dirty="0"/>
           </a:p>
           <a:p>
             <a:pPr marL="0" indent="0" eaLnBrk="1" hangingPunct="1">
@@ -15456,23 +14246,23 @@
               <a:buNone/>
             </a:pPr>
             <a:r>
-              <a:rPr lang="en-CA" sz="2000" kern="0" dirty="0" err="1" smtClean="0"/>
+              <a:rPr lang="en-CA" sz="2000" kern="0" dirty="0" err="1"/>
               <a:t>int</a:t>
             </a:r>
             <a:r>
-              <a:rPr lang="en-CA" sz="2000" kern="0" dirty="0" smtClean="0"/>
+              <a:rPr lang="en-CA" sz="2000" kern="0" dirty="0"/>
               <a:t> * </a:t>
             </a:r>
             <a:r>
-              <a:rPr lang="en-CA" sz="2000" kern="0" dirty="0" err="1" smtClean="0"/>
+              <a:rPr lang="en-CA" sz="2000" kern="0" dirty="0" err="1"/>
               <a:t>int</a:t>
             </a:r>
             <a:r>
-              <a:rPr lang="en-CA" sz="2000" kern="0" dirty="0" smtClean="0"/>
+              <a:rPr lang="en-CA" sz="2000" kern="0" dirty="0"/>
               <a:t> </a:t>
             </a:r>
             <a:r>
-              <a:rPr lang="en-CA" sz="2000" kern="0" dirty="0" smtClean="0">
+              <a:rPr lang="en-CA" sz="2000" kern="0" dirty="0">
                 <a:solidFill>
                   <a:srgbClr val="FF0000"/>
                 </a:solidFill>
@@ -15480,14 +14270,14 @@
               <a:t>|</a:t>
             </a:r>
             <a:r>
-              <a:rPr lang="en-CA" sz="2000" kern="0" dirty="0" smtClean="0"/>
+              <a:rPr lang="en-CA" sz="2000" kern="0" dirty="0"/>
               <a:t> + </a:t>
             </a:r>
             <a:r>
-              <a:rPr lang="en-CA" sz="2000" kern="0" dirty="0" err="1" smtClean="0"/>
+              <a:rPr lang="en-CA" sz="2000" kern="0" dirty="0" err="1"/>
               <a:t>int</a:t>
             </a:r>
-            <a:endParaRPr lang="en-CA" sz="2000" kern="0" dirty="0" smtClean="0"/>
+            <a:endParaRPr lang="en-CA" sz="2000" kern="0" dirty="0"/>
           </a:p>
           <a:p>
             <a:pPr marL="0" indent="0" eaLnBrk="1" hangingPunct="1">
@@ -15496,18 +14286,14 @@
             </a:pPr>
             <a:r>
               <a:rPr lang="en-CA" sz="2000" kern="0" dirty="0" err="1"/>
-              <a:t>i</a:t>
-            </a:r>
-            <a:r>
-              <a:rPr lang="en-CA" sz="2000" kern="0" dirty="0" err="1" smtClean="0"/>
-              <a:t>nt</a:t>
-            </a:r>
-            <a:r>
-              <a:rPr lang="en-CA" sz="2000" kern="0" dirty="0" smtClean="0"/>
+              <a:t>int</a:t>
+            </a:r>
+            <a:r>
+              <a:rPr lang="en-CA" sz="2000" kern="0" dirty="0"/>
               <a:t> *  T </a:t>
             </a:r>
             <a:r>
-              <a:rPr lang="en-CA" sz="2000" kern="0" dirty="0" smtClean="0">
+              <a:rPr lang="en-CA" sz="2000" kern="0" dirty="0">
                 <a:solidFill>
                   <a:srgbClr val="FF0000"/>
                 </a:solidFill>
@@ -15515,25 +14301,25 @@
               <a:t>|</a:t>
             </a:r>
             <a:r>
-              <a:rPr lang="en-CA" sz="2000" kern="0" dirty="0" smtClean="0"/>
+              <a:rPr lang="en-CA" sz="2000" kern="0" dirty="0"/>
               <a:t> + </a:t>
             </a:r>
             <a:r>
-              <a:rPr lang="en-CA" sz="2000" kern="0" dirty="0" err="1" smtClean="0"/>
+              <a:rPr lang="en-CA" sz="2000" kern="0" dirty="0" err="1"/>
               <a:t>int</a:t>
             </a:r>
-            <a:endParaRPr lang="en-CA" sz="2000" kern="0" dirty="0" smtClean="0"/>
+            <a:endParaRPr lang="en-CA" sz="2000" kern="0" dirty="0"/>
           </a:p>
           <a:p>
             <a:pPr marL="0" indent="0" eaLnBrk="1" hangingPunct="1">
               <a:buNone/>
             </a:pPr>
             <a:r>
-              <a:rPr lang="en-CA" sz="2000" kern="0" dirty="0" smtClean="0"/>
+              <a:rPr lang="en-CA" sz="2000" kern="0" dirty="0"/>
               <a:t>T </a:t>
             </a:r>
             <a:r>
-              <a:rPr lang="en-CA" sz="2000" kern="0" dirty="0" smtClean="0">
+              <a:rPr lang="en-CA" sz="2000" kern="0" dirty="0">
                 <a:solidFill>
                   <a:srgbClr val="FF0000"/>
                 </a:solidFill>
@@ -15541,11 +14327,11 @@
               <a:t>|</a:t>
             </a:r>
             <a:r>
-              <a:rPr lang="en-CA" sz="2000" kern="0" dirty="0" smtClean="0"/>
+              <a:rPr lang="en-CA" sz="2000" kern="0" dirty="0"/>
               <a:t> + </a:t>
             </a:r>
             <a:r>
-              <a:rPr lang="en-CA" sz="2000" kern="0" dirty="0" err="1" smtClean="0"/>
+              <a:rPr lang="en-CA" sz="2000" kern="0" dirty="0" err="1"/>
               <a:t>int</a:t>
             </a:r>
             <a:endParaRPr lang="en-CA" sz="2000" kern="0" dirty="0"/>
@@ -15555,7 +14341,7 @@
               <a:buNone/>
             </a:pPr>
             <a:r>
-              <a:rPr lang="en-CA" sz="2000" kern="0" dirty="0" smtClean="0"/>
+              <a:rPr lang="en-CA" sz="2000" kern="0" dirty="0"/>
               <a:t>T + </a:t>
             </a:r>
             <a:r>
@@ -15571,33 +14357,29 @@
               <a:t> </a:t>
             </a:r>
             <a:r>
-              <a:rPr lang="en-CA" sz="2000" kern="0" dirty="0" err="1" smtClean="0"/>
+              <a:rPr lang="en-CA" sz="2000" kern="0" dirty="0" err="1"/>
               <a:t>int</a:t>
             </a:r>
-            <a:endParaRPr lang="en-CA" sz="2000" kern="0" dirty="0" smtClean="0"/>
+            <a:endParaRPr lang="en-CA" sz="2000" kern="0" dirty="0"/>
           </a:p>
           <a:p>
             <a:pPr marL="0" indent="0" eaLnBrk="1" hangingPunct="1">
               <a:buNone/>
             </a:pPr>
             <a:r>
-              <a:rPr lang="en-CA" sz="2000" kern="0" dirty="0" smtClean="0"/>
-              <a:t>T  </a:t>
-            </a:r>
-            <a:r>
               <a:rPr lang="en-CA" sz="2000" kern="0" dirty="0"/>
-              <a:t>+ </a:t>
-            </a:r>
-            <a:r>
-              <a:rPr lang="en-CA" sz="2000" kern="0" dirty="0" err="1" smtClean="0"/>
+              <a:t>T  + </a:t>
+            </a:r>
+            <a:r>
+              <a:rPr lang="en-CA" sz="2000" kern="0" dirty="0" err="1"/>
               <a:t>int</a:t>
             </a:r>
             <a:r>
-              <a:rPr lang="en-CA" sz="2000" kern="0" dirty="0" smtClean="0"/>
+              <a:rPr lang="en-CA" sz="2000" kern="0" dirty="0"/>
               <a:t> </a:t>
             </a:r>
             <a:r>
-              <a:rPr lang="en-CA" sz="2000" kern="0" dirty="0" smtClean="0">
+              <a:rPr lang="en-CA" sz="2000" kern="0" dirty="0">
                 <a:solidFill>
                   <a:srgbClr val="FF0000"/>
                 </a:solidFill>
@@ -15610,22 +14392,17 @@
               <a:buNone/>
             </a:pPr>
             <a:r>
-              <a:rPr lang="en-CA" sz="2000" kern="0" dirty="0" smtClean="0"/>
+              <a:rPr lang="en-CA" sz="2000" kern="0" dirty="0"/>
               <a:t>T + T </a:t>
             </a:r>
             <a:r>
-              <a:rPr lang="en-CA" sz="2000" kern="0" dirty="0" smtClean="0">
+              <a:rPr lang="en-CA" sz="2000" kern="0" dirty="0">
                 <a:solidFill>
                   <a:srgbClr val="FF0000"/>
                 </a:solidFill>
               </a:rPr>
               <a:t>|</a:t>
             </a:r>
-            <a:endParaRPr lang="en-CA" sz="2000" kern="0" dirty="0">
-              <a:solidFill>
-                <a:srgbClr val="FF0000"/>
-              </a:solidFill>
-            </a:endParaRPr>
           </a:p>
           <a:p>
             <a:pPr marL="0" indent="0" eaLnBrk="1" hangingPunct="1">
@@ -15633,11 +14410,11 @@
               <a:buNone/>
             </a:pPr>
             <a:r>
-              <a:rPr lang="en-CA" sz="2000" kern="0" dirty="0" smtClean="0"/>
+              <a:rPr lang="en-CA" sz="2000" kern="0" dirty="0"/>
               <a:t>T + E </a:t>
             </a:r>
             <a:r>
-              <a:rPr lang="en-CA" sz="2000" kern="0" dirty="0" smtClean="0">
+              <a:rPr lang="en-CA" sz="2000" kern="0" dirty="0">
                 <a:solidFill>
                   <a:srgbClr val="FF0000"/>
                 </a:solidFill>
@@ -15651,22 +14428,17 @@
               <a:buNone/>
             </a:pPr>
             <a:r>
-              <a:rPr lang="en-CA" sz="2000" kern="0" dirty="0" smtClean="0"/>
+              <a:rPr lang="en-CA" sz="2000" kern="0" dirty="0"/>
               <a:t>E</a:t>
             </a:r>
             <a:r>
-              <a:rPr lang="en-CA" sz="2000" kern="0" dirty="0" smtClean="0">
+              <a:rPr lang="en-CA" sz="2000" kern="0" dirty="0">
                 <a:solidFill>
                   <a:srgbClr val="FF0000"/>
                 </a:solidFill>
               </a:rPr>
               <a:t> |</a:t>
             </a:r>
-            <a:endParaRPr lang="en-CA" sz="2000" kern="0" dirty="0">
-              <a:solidFill>
-                <a:srgbClr val="FF0000"/>
-              </a:solidFill>
-            </a:endParaRPr>
           </a:p>
         </p:txBody>
       </p:sp>
@@ -15828,7 +14600,7 @@
   <p:timing>
     <p:tnLst>
       <p:par>
-        <p:cTn xmlns:p14="http://schemas.microsoft.com/office/powerpoint/2010/main" id="1" dur="indefinite" restart="never" nodeType="tmRoot">
+        <p:cTn id="1" dur="indefinite" restart="never" nodeType="tmRoot">
           <p:childTnLst>
             <p:seq concurrent="1" nextAc="seek">
               <p:cTn id="2" dur="indefinite" nodeType="mainSeq">
@@ -17150,7 +15922,7 @@
 </file>
 
 <file path=ppt/theme/theme1.xml><?xml version="1.0" encoding="utf-8"?>
-<a:theme xmlns:a="http://schemas.openxmlformats.org/drawingml/2006/main" name="Blank Presentation">
+<a:theme xmlns:a="http://schemas.openxmlformats.org/drawingml/2006/main" name="1_Blank Presentation">
   <a:themeElements>
     <a:clrScheme name="Blank Presentation 1">
       <a:dk1>
@@ -17190,16 +15962,110 @@
         <a:srgbClr val="99CC00"/>
       </a:folHlink>
     </a:clrScheme>
-    <a:fontScheme name="Blank Presentation">
+    <a:fontScheme name="Office">
       <a:majorFont>
-        <a:latin typeface="Times"/>
+        <a:latin typeface="Calibri Light" panose="020F0302020204030204"/>
         <a:ea typeface=""/>
         <a:cs typeface=""/>
+        <a:font script="Jpan" typeface="游ゴシック Light"/>
+        <a:font script="Hang" typeface="맑은 고딕"/>
+        <a:font script="Hans" typeface="等线 Light"/>
+        <a:font script="Hant" typeface="新細明體"/>
+        <a:font script="Arab" typeface="Times New Roman"/>
+        <a:font script="Hebr" typeface="Times New Roman"/>
+        <a:font script="Thai" typeface="Angsana New"/>
+        <a:font script="Ethi" typeface="Nyala"/>
+        <a:font script="Beng" typeface="Vrinda"/>
+        <a:font script="Gujr" typeface="Shruti"/>
+        <a:font script="Khmr" typeface="MoolBoran"/>
+        <a:font script="Knda" typeface="Tunga"/>
+        <a:font script="Guru" typeface="Raavi"/>
+        <a:font script="Cans" typeface="Euphemia"/>
+        <a:font script="Cher" typeface="Plantagenet Cherokee"/>
+        <a:font script="Yiii" typeface="Microsoft Yi Baiti"/>
+        <a:font script="Tibt" typeface="Microsoft Himalaya"/>
+        <a:font script="Thaa" typeface="MV Boli"/>
+        <a:font script="Deva" typeface="Mangal"/>
+        <a:font script="Telu" typeface="Gautami"/>
+        <a:font script="Taml" typeface="Latha"/>
+        <a:font script="Syrc" typeface="Estrangelo Edessa"/>
+        <a:font script="Orya" typeface="Kalinga"/>
+        <a:font script="Mlym" typeface="Kartika"/>
+        <a:font script="Laoo" typeface="DokChampa"/>
+        <a:font script="Sinh" typeface="Iskoola Pota"/>
+        <a:font script="Mong" typeface="Mongolian Baiti"/>
+        <a:font script="Viet" typeface="Times New Roman"/>
+        <a:font script="Uigh" typeface="Microsoft Uighur"/>
+        <a:font script="Geor" typeface="Sylfaen"/>
+        <a:font script="Armn" typeface="Arial"/>
+        <a:font script="Bugi" typeface="Leelawadee UI"/>
+        <a:font script="Bopo" typeface="Microsoft JhengHei"/>
+        <a:font script="Java" typeface="Javanese Text"/>
+        <a:font script="Lisu" typeface="Segoe UI"/>
+        <a:font script="Mymr" typeface="Myanmar Text"/>
+        <a:font script="Nkoo" typeface="Ebrima"/>
+        <a:font script="Olck" typeface="Nirmala UI"/>
+        <a:font script="Osma" typeface="Ebrima"/>
+        <a:font script="Phag" typeface="Phagspa"/>
+        <a:font script="Syrn" typeface="Estrangelo Edessa"/>
+        <a:font script="Syrj" typeface="Estrangelo Edessa"/>
+        <a:font script="Syre" typeface="Estrangelo Edessa"/>
+        <a:font script="Sora" typeface="Nirmala UI"/>
+        <a:font script="Tale" typeface="Microsoft Tai Le"/>
+        <a:font script="Talu" typeface="Microsoft New Tai Lue"/>
+        <a:font script="Tfng" typeface="Ebrima"/>
       </a:majorFont>
       <a:minorFont>
-        <a:latin typeface="Times"/>
+        <a:latin typeface="Calibri" panose="020F0502020204030204"/>
         <a:ea typeface=""/>
         <a:cs typeface=""/>
+        <a:font script="Jpan" typeface="游ゴシック"/>
+        <a:font script="Hang" typeface="맑은 고딕"/>
+        <a:font script="Hans" typeface="等线"/>
+        <a:font script="Hant" typeface="新細明體"/>
+        <a:font script="Arab" typeface="Arial"/>
+        <a:font script="Hebr" typeface="Arial"/>
+        <a:font script="Thai" typeface="Cordia New"/>
+        <a:font script="Ethi" typeface="Nyala"/>
+        <a:font script="Beng" typeface="Vrinda"/>
+        <a:font script="Gujr" typeface="Shruti"/>
+        <a:font script="Khmr" typeface="DaunPenh"/>
+        <a:font script="Knda" typeface="Tunga"/>
+        <a:font script="Guru" typeface="Raavi"/>
+        <a:font script="Cans" typeface="Euphemia"/>
+        <a:font script="Cher" typeface="Plantagenet Cherokee"/>
+        <a:font script="Yiii" typeface="Microsoft Yi Baiti"/>
+        <a:font script="Tibt" typeface="Microsoft Himalaya"/>
+        <a:font script="Thaa" typeface="MV Boli"/>
+        <a:font script="Deva" typeface="Mangal"/>
+        <a:font script="Telu" typeface="Gautami"/>
+        <a:font script="Taml" typeface="Latha"/>
+        <a:font script="Syrc" typeface="Estrangelo Edessa"/>
+        <a:font script="Orya" typeface="Kalinga"/>
+        <a:font script="Mlym" typeface="Kartika"/>
+        <a:font script="Laoo" typeface="DokChampa"/>
+        <a:font script="Sinh" typeface="Iskoola Pota"/>
+        <a:font script="Mong" typeface="Mongolian Baiti"/>
+        <a:font script="Viet" typeface="Arial"/>
+        <a:font script="Uigh" typeface="Microsoft Uighur"/>
+        <a:font script="Geor" typeface="Sylfaen"/>
+        <a:font script="Armn" typeface="Arial"/>
+        <a:font script="Bugi" typeface="Leelawadee UI"/>
+        <a:font script="Bopo" typeface="Microsoft JhengHei"/>
+        <a:font script="Java" typeface="Javanese Text"/>
+        <a:font script="Lisu" typeface="Segoe UI"/>
+        <a:font script="Mymr" typeface="Myanmar Text"/>
+        <a:font script="Nkoo" typeface="Ebrima"/>
+        <a:font script="Olck" typeface="Nirmala UI"/>
+        <a:font script="Osma" typeface="Ebrima"/>
+        <a:font script="Phag" typeface="Phagspa"/>
+        <a:font script="Syrn" typeface="Estrangelo Edessa"/>
+        <a:font script="Syrj" typeface="Estrangelo Edessa"/>
+        <a:font script="Syre" typeface="Estrangelo Edessa"/>
+        <a:font script="Sora" typeface="Nirmala UI"/>
+        <a:font script="Tale" typeface="Microsoft Tai Le"/>
+        <a:font script="Talu" typeface="Microsoft New Tai Lue"/>
+        <a:font script="Tfng" typeface="Ebrima"/>
       </a:minorFont>
     </a:fontScheme>
     <a:fmtScheme name="Office">
